--- a/SMAIPro.pptx
+++ b/SMAIPro.pptx
@@ -12,9 +12,18 @@
     <p:sldId id="260" r:id="rId6"/>
     <p:sldId id="261" r:id="rId7"/>
     <p:sldId id="262" r:id="rId8"/>
-    <p:sldId id="263" r:id="rId9"/>
-    <p:sldId id="264" r:id="rId10"/>
-    <p:sldId id="265" r:id="rId11"/>
+    <p:sldId id="274" r:id="rId9"/>
+    <p:sldId id="263" r:id="rId10"/>
+    <p:sldId id="264" r:id="rId11"/>
+    <p:sldId id="265" r:id="rId12"/>
+    <p:sldId id="266" r:id="rId13"/>
+    <p:sldId id="267" r:id="rId14"/>
+    <p:sldId id="268" r:id="rId15"/>
+    <p:sldId id="271" r:id="rId16"/>
+    <p:sldId id="269" r:id="rId17"/>
+    <p:sldId id="270" r:id="rId18"/>
+    <p:sldId id="272" r:id="rId19"/>
+    <p:sldId id="275" r:id="rId20"/>
   </p:sldIdLst>
   <p:sldSz cx="12192000" cy="6858000"/>
   <p:notesSz cx="6858000" cy="9144000"/>
@@ -3986,10 +3995,1469 @@
         </p:nvSpPr>
         <p:spPr/>
         <p:txBody>
+          <a:bodyPr>
+            <a:normAutofit/>
+          </a:bodyPr>
+          <a:lstStyle/>
+          <a:p>
+            <a:r>
+              <a:rPr lang="en-US" sz="1800" b="1" dirty="0" smtClean="0"/>
+              <a:t>(2.b) Deep Learning Model</a:t>
+            </a:r>
+            <a:endParaRPr lang="en-US" sz="1800" b="1" dirty="0"/>
+          </a:p>
+        </p:txBody>
+      </p:sp>
+      <p:pic>
+        <p:nvPicPr>
+          <p:cNvPr id="4" name="Content Placeholder 3"/>
+          <p:cNvPicPr>
+            <a:picLocks noGrp="1" noChangeAspect="1"/>
+          </p:cNvPicPr>
+          <p:nvPr>
+            <p:ph idx="1"/>
+          </p:nvPr>
+        </p:nvPicPr>
+        <p:blipFill>
+          <a:blip r:embed="rId2">
+            <a:extLst>
+              <a:ext uri="{28A0092B-C50C-407E-A947-70E740481C1C}">
+                <a14:useLocalDpi xmlns:a14="http://schemas.microsoft.com/office/drawing/2010/main" val="0"/>
+              </a:ext>
+            </a:extLst>
+          </a:blip>
+          <a:stretch>
+            <a:fillRect/>
+          </a:stretch>
+        </p:blipFill>
+        <p:spPr>
+          <a:xfrm>
+            <a:off x="3974744" y="1863196"/>
+            <a:ext cx="7180936" cy="4207404"/>
+          </a:xfrm>
+        </p:spPr>
+      </p:pic>
+    </p:spTree>
+    <p:extLst>
+      <p:ext uri="{BB962C8B-B14F-4D97-AF65-F5344CB8AC3E}">
+        <p14:creationId xmlns:p14="http://schemas.microsoft.com/office/powerpoint/2010/main" val="2127100486"/>
+      </p:ext>
+    </p:extLst>
+  </p:cSld>
+  <p:clrMapOvr>
+    <a:masterClrMapping/>
+  </p:clrMapOvr>
+</p:sld>
+</file>
+
+<file path=ppt/slides/slide11.xml><?xml version="1.0" encoding="utf-8"?>
+<p:sld xmlns:a="http://schemas.openxmlformats.org/drawingml/2006/main" xmlns:r="http://schemas.openxmlformats.org/officeDocument/2006/relationships" xmlns:p="http://schemas.openxmlformats.org/presentationml/2006/main">
+  <p:cSld>
+    <p:spTree>
+      <p:nvGrpSpPr>
+        <p:cNvPr id="1" name=""/>
+        <p:cNvGrpSpPr/>
+        <p:nvPr/>
+      </p:nvGrpSpPr>
+      <p:grpSpPr>
+        <a:xfrm>
+          <a:off x="0" y="0"/>
+          <a:ext cx="0" cy="0"/>
+          <a:chOff x="0" y="0"/>
+          <a:chExt cx="0" cy="0"/>
+        </a:xfrm>
+      </p:grpSpPr>
+      <p:sp>
+        <p:nvSpPr>
+          <p:cNvPr id="2" name="Title 1"/>
+          <p:cNvSpPr>
+            <a:spLocks noGrp="1"/>
+          </p:cNvSpPr>
+          <p:nvPr>
+            <p:ph type="title"/>
+          </p:nvPr>
+        </p:nvSpPr>
+        <p:spPr/>
+        <p:txBody>
           <a:bodyPr/>
           <a:lstStyle/>
           <a:p>
-            <a:endParaRPr lang="en-US"/>
+            <a:r>
+              <a:rPr lang="en-US" dirty="0" smtClean="0"/>
+              <a:t>Observations</a:t>
+            </a:r>
+            <a:endParaRPr lang="en-US" dirty="0"/>
+          </a:p>
+        </p:txBody>
+      </p:sp>
+      <p:sp>
+        <p:nvSpPr>
+          <p:cNvPr id="3" name="Content Placeholder 2"/>
+          <p:cNvSpPr>
+            <a:spLocks noGrp="1"/>
+          </p:cNvSpPr>
+          <p:nvPr>
+            <p:ph idx="1"/>
+          </p:nvPr>
+        </p:nvSpPr>
+        <p:spPr>
+          <a:xfrm>
+            <a:off x="1038013" y="1845734"/>
+            <a:ext cx="10058400" cy="4023360"/>
+          </a:xfrm>
+        </p:spPr>
+        <p:txBody>
+          <a:bodyPr/>
+          <a:lstStyle/>
+          <a:p>
+            <a:r>
+              <a:rPr lang="en-US" dirty="0" smtClean="0"/>
+              <a:t>1. For Tree Based Model</a:t>
+            </a:r>
+          </a:p>
+          <a:p>
+            <a:endParaRPr lang="en-US" dirty="0"/>
+          </a:p>
+        </p:txBody>
+      </p:sp>
+      <p:graphicFrame>
+        <p:nvGraphicFramePr>
+          <p:cNvPr id="4" name="Table 3"/>
+          <p:cNvGraphicFramePr>
+            <a:graphicFrameLocks noGrp="1"/>
+          </p:cNvGraphicFramePr>
+          <p:nvPr>
+            <p:extLst>
+              <p:ext uri="{D42A27DB-BD31-4B8C-83A1-F6EECF244321}">
+                <p14:modId xmlns:p14="http://schemas.microsoft.com/office/powerpoint/2010/main" val="1644907280"/>
+              </p:ext>
+            </p:extLst>
+          </p:nvPr>
+        </p:nvGraphicFramePr>
+        <p:xfrm>
+          <a:off x="1210204" y="2257445"/>
+          <a:ext cx="8560328" cy="2069376"/>
+        </p:xfrm>
+        <a:graphic>
+          <a:graphicData uri="http://schemas.openxmlformats.org/drawingml/2006/table">
+            <a:tbl>
+              <a:tblPr firstRow="1" firstCol="1" bandRow="1">
+                <a:tableStyleId>{5C22544A-7EE6-4342-B048-85BDC9FD1C3A}</a:tableStyleId>
+              </a:tblPr>
+              <a:tblGrid>
+                <a:gridCol w="1325707"/>
+                <a:gridCol w="1436487"/>
+                <a:gridCol w="1493250"/>
+                <a:gridCol w="1472193"/>
+                <a:gridCol w="1506984"/>
+                <a:gridCol w="1325707"/>
+              </a:tblGrid>
+              <a:tr h="344896">
+                <a:tc>
+                  <a:txBody>
+                    <a:bodyPr/>
+                    <a:lstStyle/>
+                    <a:p>
+                      <a:pPr marL="0" marR="0">
+                        <a:lnSpc>
+                          <a:spcPct val="107000"/>
+                        </a:lnSpc>
+                        <a:spcBef>
+                          <a:spcPts val="0"/>
+                        </a:spcBef>
+                        <a:spcAft>
+                          <a:spcPts val="0"/>
+                        </a:spcAft>
+                      </a:pPr>
+                      <a:r>
+                        <a:rPr lang="en-US" sz="1600" dirty="0">
+                          <a:effectLst/>
+                        </a:rPr>
+                        <a:t> </a:t>
+                      </a:r>
+                      <a:endParaRPr lang="en-US" sz="1600" dirty="0">
+                        <a:effectLst/>
+                        <a:latin typeface="Calibri" panose="020F0502020204030204" pitchFamily="34" charset="0"/>
+                        <a:ea typeface="Calibri" panose="020F0502020204030204" pitchFamily="34" charset="0"/>
+                        <a:cs typeface="Times New Roman" panose="02020603050405020304" pitchFamily="18" charset="0"/>
+                      </a:endParaRPr>
+                    </a:p>
+                  </a:txBody>
+                  <a:tcPr marL="68580" marR="68580" marT="0" marB="0"/>
+                </a:tc>
+                <a:tc>
+                  <a:txBody>
+                    <a:bodyPr/>
+                    <a:lstStyle/>
+                    <a:p>
+                      <a:pPr marL="0" marR="0">
+                        <a:lnSpc>
+                          <a:spcPct val="107000"/>
+                        </a:lnSpc>
+                        <a:spcBef>
+                          <a:spcPts val="0"/>
+                        </a:spcBef>
+                        <a:spcAft>
+                          <a:spcPts val="0"/>
+                        </a:spcAft>
+                      </a:pPr>
+                      <a:r>
+                        <a:rPr lang="en-US" sz="1600">
+                          <a:effectLst/>
+                        </a:rPr>
+                        <a:t>Agree </a:t>
+                      </a:r>
+                      <a:endParaRPr lang="en-US" sz="1600">
+                        <a:effectLst/>
+                        <a:latin typeface="Calibri" panose="020F0502020204030204" pitchFamily="34" charset="0"/>
+                        <a:ea typeface="Calibri" panose="020F0502020204030204" pitchFamily="34" charset="0"/>
+                        <a:cs typeface="Times New Roman" panose="02020603050405020304" pitchFamily="18" charset="0"/>
+                      </a:endParaRPr>
+                    </a:p>
+                  </a:txBody>
+                  <a:tcPr marL="68580" marR="68580" marT="0" marB="0"/>
+                </a:tc>
+                <a:tc>
+                  <a:txBody>
+                    <a:bodyPr/>
+                    <a:lstStyle/>
+                    <a:p>
+                      <a:pPr marL="0" marR="0">
+                        <a:lnSpc>
+                          <a:spcPct val="107000"/>
+                        </a:lnSpc>
+                        <a:spcBef>
+                          <a:spcPts val="0"/>
+                        </a:spcBef>
+                        <a:spcAft>
+                          <a:spcPts val="0"/>
+                        </a:spcAft>
+                      </a:pPr>
+                      <a:r>
+                        <a:rPr lang="en-US" sz="1600">
+                          <a:effectLst/>
+                        </a:rPr>
+                        <a:t>Disagree</a:t>
+                      </a:r>
+                      <a:endParaRPr lang="en-US" sz="1600">
+                        <a:effectLst/>
+                        <a:latin typeface="Calibri" panose="020F0502020204030204" pitchFamily="34" charset="0"/>
+                        <a:ea typeface="Calibri" panose="020F0502020204030204" pitchFamily="34" charset="0"/>
+                        <a:cs typeface="Times New Roman" panose="02020603050405020304" pitchFamily="18" charset="0"/>
+                      </a:endParaRPr>
+                    </a:p>
+                  </a:txBody>
+                  <a:tcPr marL="68580" marR="68580" marT="0" marB="0"/>
+                </a:tc>
+                <a:tc>
+                  <a:txBody>
+                    <a:bodyPr/>
+                    <a:lstStyle/>
+                    <a:p>
+                      <a:pPr marL="0" marR="0">
+                        <a:lnSpc>
+                          <a:spcPct val="107000"/>
+                        </a:lnSpc>
+                        <a:spcBef>
+                          <a:spcPts val="0"/>
+                        </a:spcBef>
+                        <a:spcAft>
+                          <a:spcPts val="0"/>
+                        </a:spcAft>
+                      </a:pPr>
+                      <a:r>
+                        <a:rPr lang="en-US" sz="1600">
+                          <a:effectLst/>
+                        </a:rPr>
+                        <a:t>Discuss</a:t>
+                      </a:r>
+                      <a:endParaRPr lang="en-US" sz="1600">
+                        <a:effectLst/>
+                        <a:latin typeface="Calibri" panose="020F0502020204030204" pitchFamily="34" charset="0"/>
+                        <a:ea typeface="Calibri" panose="020F0502020204030204" pitchFamily="34" charset="0"/>
+                        <a:cs typeface="Times New Roman" panose="02020603050405020304" pitchFamily="18" charset="0"/>
+                      </a:endParaRPr>
+                    </a:p>
+                  </a:txBody>
+                  <a:tcPr marL="68580" marR="68580" marT="0" marB="0"/>
+                </a:tc>
+                <a:tc>
+                  <a:txBody>
+                    <a:bodyPr/>
+                    <a:lstStyle/>
+                    <a:p>
+                      <a:pPr marL="0" marR="0">
+                        <a:lnSpc>
+                          <a:spcPct val="107000"/>
+                        </a:lnSpc>
+                        <a:spcBef>
+                          <a:spcPts val="0"/>
+                        </a:spcBef>
+                        <a:spcAft>
+                          <a:spcPts val="0"/>
+                        </a:spcAft>
+                      </a:pPr>
+                      <a:r>
+                        <a:rPr lang="en-US" sz="1600">
+                          <a:effectLst/>
+                        </a:rPr>
+                        <a:t>Unrelated</a:t>
+                      </a:r>
+                      <a:endParaRPr lang="en-US" sz="1600">
+                        <a:effectLst/>
+                        <a:latin typeface="Calibri" panose="020F0502020204030204" pitchFamily="34" charset="0"/>
+                        <a:ea typeface="Calibri" panose="020F0502020204030204" pitchFamily="34" charset="0"/>
+                        <a:cs typeface="Times New Roman" panose="02020603050405020304" pitchFamily="18" charset="0"/>
+                      </a:endParaRPr>
+                    </a:p>
+                  </a:txBody>
+                  <a:tcPr marL="68580" marR="68580" marT="0" marB="0"/>
+                </a:tc>
+                <a:tc>
+                  <a:txBody>
+                    <a:bodyPr/>
+                    <a:lstStyle/>
+                    <a:p>
+                      <a:pPr marL="0" marR="0">
+                        <a:lnSpc>
+                          <a:spcPct val="107000"/>
+                        </a:lnSpc>
+                        <a:spcBef>
+                          <a:spcPts val="0"/>
+                        </a:spcBef>
+                        <a:spcAft>
+                          <a:spcPts val="0"/>
+                        </a:spcAft>
+                      </a:pPr>
+                      <a:r>
+                        <a:rPr lang="en-US" sz="1600">
+                          <a:effectLst/>
+                        </a:rPr>
+                        <a:t>Overall</a:t>
+                      </a:r>
+                      <a:endParaRPr lang="en-US" sz="1600">
+                        <a:effectLst/>
+                        <a:latin typeface="Calibri" panose="020F0502020204030204" pitchFamily="34" charset="0"/>
+                        <a:ea typeface="Calibri" panose="020F0502020204030204" pitchFamily="34" charset="0"/>
+                        <a:cs typeface="Times New Roman" panose="02020603050405020304" pitchFamily="18" charset="0"/>
+                      </a:endParaRPr>
+                    </a:p>
+                  </a:txBody>
+                  <a:tcPr marL="68580" marR="68580" marT="0" marB="0"/>
+                </a:tc>
+              </a:tr>
+              <a:tr h="344896">
+                <a:tc>
+                  <a:txBody>
+                    <a:bodyPr/>
+                    <a:lstStyle/>
+                    <a:p>
+                      <a:pPr marL="0" marR="0">
+                        <a:lnSpc>
+                          <a:spcPct val="107000"/>
+                        </a:lnSpc>
+                        <a:spcBef>
+                          <a:spcPts val="0"/>
+                        </a:spcBef>
+                        <a:spcAft>
+                          <a:spcPts val="0"/>
+                        </a:spcAft>
+                      </a:pPr>
+                      <a:r>
+                        <a:rPr lang="en-US" sz="1600">
+                          <a:effectLst/>
+                        </a:rPr>
+                        <a:t>Agree</a:t>
+                      </a:r>
+                      <a:endParaRPr lang="en-US" sz="1600">
+                        <a:effectLst/>
+                        <a:latin typeface="Calibri" panose="020F0502020204030204" pitchFamily="34" charset="0"/>
+                        <a:ea typeface="Calibri" panose="020F0502020204030204" pitchFamily="34" charset="0"/>
+                        <a:cs typeface="Times New Roman" panose="02020603050405020304" pitchFamily="18" charset="0"/>
+                      </a:endParaRPr>
+                    </a:p>
+                  </a:txBody>
+                  <a:tcPr marL="68580" marR="68580" marT="0" marB="0"/>
+                </a:tc>
+                <a:tc>
+                  <a:txBody>
+                    <a:bodyPr/>
+                    <a:lstStyle/>
+                    <a:p>
+                      <a:pPr marL="0" marR="0">
+                        <a:lnSpc>
+                          <a:spcPct val="107000"/>
+                        </a:lnSpc>
+                        <a:spcBef>
+                          <a:spcPts val="0"/>
+                        </a:spcBef>
+                        <a:spcAft>
+                          <a:spcPts val="0"/>
+                        </a:spcAft>
+                      </a:pPr>
+                      <a:r>
+                        <a:rPr lang="en-US" sz="1600" dirty="0">
+                          <a:effectLst/>
+                        </a:rPr>
+                        <a:t>1057</a:t>
+                      </a:r>
+                      <a:endParaRPr lang="en-US" sz="1600" dirty="0">
+                        <a:effectLst/>
+                        <a:latin typeface="Calibri" panose="020F0502020204030204" pitchFamily="34" charset="0"/>
+                        <a:ea typeface="Calibri" panose="020F0502020204030204" pitchFamily="34" charset="0"/>
+                        <a:cs typeface="Times New Roman" panose="02020603050405020304" pitchFamily="18" charset="0"/>
+                      </a:endParaRPr>
+                    </a:p>
+                  </a:txBody>
+                  <a:tcPr marL="68580" marR="68580" marT="0" marB="0"/>
+                </a:tc>
+                <a:tc>
+                  <a:txBody>
+                    <a:bodyPr/>
+                    <a:lstStyle/>
+                    <a:p>
+                      <a:pPr marL="0" marR="0">
+                        <a:lnSpc>
+                          <a:spcPct val="107000"/>
+                        </a:lnSpc>
+                        <a:spcBef>
+                          <a:spcPts val="0"/>
+                        </a:spcBef>
+                        <a:spcAft>
+                          <a:spcPts val="0"/>
+                        </a:spcAft>
+                      </a:pPr>
+                      <a:r>
+                        <a:rPr lang="en-US" sz="1600">
+                          <a:effectLst/>
+                        </a:rPr>
+                        <a:t>11</a:t>
+                      </a:r>
+                      <a:endParaRPr lang="en-US" sz="1600">
+                        <a:effectLst/>
+                        <a:latin typeface="Calibri" panose="020F0502020204030204" pitchFamily="34" charset="0"/>
+                        <a:ea typeface="Calibri" panose="020F0502020204030204" pitchFamily="34" charset="0"/>
+                        <a:cs typeface="Times New Roman" panose="02020603050405020304" pitchFamily="18" charset="0"/>
+                      </a:endParaRPr>
+                    </a:p>
+                  </a:txBody>
+                  <a:tcPr marL="68580" marR="68580" marT="0" marB="0"/>
+                </a:tc>
+                <a:tc>
+                  <a:txBody>
+                    <a:bodyPr/>
+                    <a:lstStyle/>
+                    <a:p>
+                      <a:pPr marL="0" marR="0">
+                        <a:lnSpc>
+                          <a:spcPct val="107000"/>
+                        </a:lnSpc>
+                        <a:spcBef>
+                          <a:spcPts val="0"/>
+                        </a:spcBef>
+                        <a:spcAft>
+                          <a:spcPts val="0"/>
+                        </a:spcAft>
+                      </a:pPr>
+                      <a:r>
+                        <a:rPr lang="en-US" sz="1600">
+                          <a:effectLst/>
+                        </a:rPr>
+                        <a:t>639</a:t>
+                      </a:r>
+                      <a:endParaRPr lang="en-US" sz="1600">
+                        <a:effectLst/>
+                        <a:latin typeface="Calibri" panose="020F0502020204030204" pitchFamily="34" charset="0"/>
+                        <a:ea typeface="Calibri" panose="020F0502020204030204" pitchFamily="34" charset="0"/>
+                        <a:cs typeface="Times New Roman" panose="02020603050405020304" pitchFamily="18" charset="0"/>
+                      </a:endParaRPr>
+                    </a:p>
+                  </a:txBody>
+                  <a:tcPr marL="68580" marR="68580" marT="0" marB="0"/>
+                </a:tc>
+                <a:tc>
+                  <a:txBody>
+                    <a:bodyPr/>
+                    <a:lstStyle/>
+                    <a:p>
+                      <a:pPr marL="0" marR="0">
+                        <a:lnSpc>
+                          <a:spcPct val="107000"/>
+                        </a:lnSpc>
+                        <a:spcBef>
+                          <a:spcPts val="0"/>
+                        </a:spcBef>
+                        <a:spcAft>
+                          <a:spcPts val="0"/>
+                        </a:spcAft>
+                      </a:pPr>
+                      <a:r>
+                        <a:rPr lang="en-US" sz="1600">
+                          <a:effectLst/>
+                        </a:rPr>
+                        <a:t>196</a:t>
+                      </a:r>
+                      <a:endParaRPr lang="en-US" sz="1600">
+                        <a:effectLst/>
+                        <a:latin typeface="Calibri" panose="020F0502020204030204" pitchFamily="34" charset="0"/>
+                        <a:ea typeface="Calibri" panose="020F0502020204030204" pitchFamily="34" charset="0"/>
+                        <a:cs typeface="Times New Roman" panose="02020603050405020304" pitchFamily="18" charset="0"/>
+                      </a:endParaRPr>
+                    </a:p>
+                  </a:txBody>
+                  <a:tcPr marL="68580" marR="68580" marT="0" marB="0"/>
+                </a:tc>
+                <a:tc>
+                  <a:txBody>
+                    <a:bodyPr/>
+                    <a:lstStyle/>
+                    <a:p>
+                      <a:pPr marL="0" marR="0">
+                        <a:lnSpc>
+                          <a:spcPct val="107000"/>
+                        </a:lnSpc>
+                        <a:spcBef>
+                          <a:spcPts val="0"/>
+                        </a:spcBef>
+                        <a:spcAft>
+                          <a:spcPts val="0"/>
+                        </a:spcAft>
+                      </a:pPr>
+                      <a:r>
+                        <a:rPr lang="en-US" sz="1600">
+                          <a:effectLst/>
+                        </a:rPr>
+                        <a:t>1903</a:t>
+                      </a:r>
+                      <a:endParaRPr lang="en-US" sz="1600">
+                        <a:effectLst/>
+                        <a:latin typeface="Calibri" panose="020F0502020204030204" pitchFamily="34" charset="0"/>
+                        <a:ea typeface="Calibri" panose="020F0502020204030204" pitchFamily="34" charset="0"/>
+                        <a:cs typeface="Times New Roman" panose="02020603050405020304" pitchFamily="18" charset="0"/>
+                      </a:endParaRPr>
+                    </a:p>
+                  </a:txBody>
+                  <a:tcPr marL="68580" marR="68580" marT="0" marB="0"/>
+                </a:tc>
+              </a:tr>
+              <a:tr h="344896">
+                <a:tc>
+                  <a:txBody>
+                    <a:bodyPr/>
+                    <a:lstStyle/>
+                    <a:p>
+                      <a:pPr marL="0" marR="0">
+                        <a:lnSpc>
+                          <a:spcPct val="107000"/>
+                        </a:lnSpc>
+                        <a:spcBef>
+                          <a:spcPts val="0"/>
+                        </a:spcBef>
+                        <a:spcAft>
+                          <a:spcPts val="0"/>
+                        </a:spcAft>
+                      </a:pPr>
+                      <a:r>
+                        <a:rPr lang="en-US" sz="1600">
+                          <a:effectLst/>
+                        </a:rPr>
+                        <a:t>Disagree</a:t>
+                      </a:r>
+                      <a:endParaRPr lang="en-US" sz="1600">
+                        <a:effectLst/>
+                        <a:latin typeface="Calibri" panose="020F0502020204030204" pitchFamily="34" charset="0"/>
+                        <a:ea typeface="Calibri" panose="020F0502020204030204" pitchFamily="34" charset="0"/>
+                        <a:cs typeface="Times New Roman" panose="02020603050405020304" pitchFamily="18" charset="0"/>
+                      </a:endParaRPr>
+                    </a:p>
+                  </a:txBody>
+                  <a:tcPr marL="68580" marR="68580" marT="0" marB="0"/>
+                </a:tc>
+                <a:tc>
+                  <a:txBody>
+                    <a:bodyPr/>
+                    <a:lstStyle/>
+                    <a:p>
+                      <a:pPr marL="0" marR="0">
+                        <a:lnSpc>
+                          <a:spcPct val="107000"/>
+                        </a:lnSpc>
+                        <a:spcBef>
+                          <a:spcPts val="0"/>
+                        </a:spcBef>
+                        <a:spcAft>
+                          <a:spcPts val="0"/>
+                        </a:spcAft>
+                      </a:pPr>
+                      <a:r>
+                        <a:rPr lang="en-US" sz="1600">
+                          <a:effectLst/>
+                        </a:rPr>
+                        <a:t>261</a:t>
+                      </a:r>
+                      <a:endParaRPr lang="en-US" sz="1600">
+                        <a:effectLst/>
+                        <a:latin typeface="Calibri" panose="020F0502020204030204" pitchFamily="34" charset="0"/>
+                        <a:ea typeface="Calibri" panose="020F0502020204030204" pitchFamily="34" charset="0"/>
+                        <a:cs typeface="Times New Roman" panose="02020603050405020304" pitchFamily="18" charset="0"/>
+                      </a:endParaRPr>
+                    </a:p>
+                  </a:txBody>
+                  <a:tcPr marL="68580" marR="68580" marT="0" marB="0"/>
+                </a:tc>
+                <a:tc>
+                  <a:txBody>
+                    <a:bodyPr/>
+                    <a:lstStyle/>
+                    <a:p>
+                      <a:pPr marL="0" marR="0">
+                        <a:lnSpc>
+                          <a:spcPct val="107000"/>
+                        </a:lnSpc>
+                        <a:spcBef>
+                          <a:spcPts val="0"/>
+                        </a:spcBef>
+                        <a:spcAft>
+                          <a:spcPts val="0"/>
+                        </a:spcAft>
+                      </a:pPr>
+                      <a:r>
+                        <a:rPr lang="en-US" sz="1600" dirty="0">
+                          <a:effectLst/>
+                        </a:rPr>
+                        <a:t>20</a:t>
+                      </a:r>
+                      <a:endParaRPr lang="en-US" sz="1600" dirty="0">
+                        <a:effectLst/>
+                        <a:latin typeface="Calibri" panose="020F0502020204030204" pitchFamily="34" charset="0"/>
+                        <a:ea typeface="Calibri" panose="020F0502020204030204" pitchFamily="34" charset="0"/>
+                        <a:cs typeface="Times New Roman" panose="02020603050405020304" pitchFamily="18" charset="0"/>
+                      </a:endParaRPr>
+                    </a:p>
+                  </a:txBody>
+                  <a:tcPr marL="68580" marR="68580" marT="0" marB="0"/>
+                </a:tc>
+                <a:tc>
+                  <a:txBody>
+                    <a:bodyPr/>
+                    <a:lstStyle/>
+                    <a:p>
+                      <a:pPr marL="0" marR="0">
+                        <a:lnSpc>
+                          <a:spcPct val="107000"/>
+                        </a:lnSpc>
+                        <a:spcBef>
+                          <a:spcPts val="0"/>
+                        </a:spcBef>
+                        <a:spcAft>
+                          <a:spcPts val="0"/>
+                        </a:spcAft>
+                      </a:pPr>
+                      <a:r>
+                        <a:rPr lang="en-US" sz="1600">
+                          <a:effectLst/>
+                        </a:rPr>
+                        <a:t>237</a:t>
+                      </a:r>
+                      <a:endParaRPr lang="en-US" sz="1600">
+                        <a:effectLst/>
+                        <a:latin typeface="Calibri" panose="020F0502020204030204" pitchFamily="34" charset="0"/>
+                        <a:ea typeface="Calibri" panose="020F0502020204030204" pitchFamily="34" charset="0"/>
+                        <a:cs typeface="Times New Roman" panose="02020603050405020304" pitchFamily="18" charset="0"/>
+                      </a:endParaRPr>
+                    </a:p>
+                  </a:txBody>
+                  <a:tcPr marL="68580" marR="68580" marT="0" marB="0"/>
+                </a:tc>
+                <a:tc>
+                  <a:txBody>
+                    <a:bodyPr/>
+                    <a:lstStyle/>
+                    <a:p>
+                      <a:pPr marL="0" marR="0">
+                        <a:lnSpc>
+                          <a:spcPct val="107000"/>
+                        </a:lnSpc>
+                        <a:spcBef>
+                          <a:spcPts val="0"/>
+                        </a:spcBef>
+                        <a:spcAft>
+                          <a:spcPts val="0"/>
+                        </a:spcAft>
+                      </a:pPr>
+                      <a:r>
+                        <a:rPr lang="en-US" sz="1600">
+                          <a:effectLst/>
+                        </a:rPr>
+                        <a:t>179</a:t>
+                      </a:r>
+                      <a:endParaRPr lang="en-US" sz="1600">
+                        <a:effectLst/>
+                        <a:latin typeface="Calibri" panose="020F0502020204030204" pitchFamily="34" charset="0"/>
+                        <a:ea typeface="Calibri" panose="020F0502020204030204" pitchFamily="34" charset="0"/>
+                        <a:cs typeface="Times New Roman" panose="02020603050405020304" pitchFamily="18" charset="0"/>
+                      </a:endParaRPr>
+                    </a:p>
+                  </a:txBody>
+                  <a:tcPr marL="68580" marR="68580" marT="0" marB="0"/>
+                </a:tc>
+                <a:tc>
+                  <a:txBody>
+                    <a:bodyPr/>
+                    <a:lstStyle/>
+                    <a:p>
+                      <a:pPr marL="0" marR="0">
+                        <a:lnSpc>
+                          <a:spcPct val="107000"/>
+                        </a:lnSpc>
+                        <a:spcBef>
+                          <a:spcPts val="0"/>
+                        </a:spcBef>
+                        <a:spcAft>
+                          <a:spcPts val="0"/>
+                        </a:spcAft>
+                      </a:pPr>
+                      <a:r>
+                        <a:rPr lang="en-US" sz="1600">
+                          <a:effectLst/>
+                        </a:rPr>
+                        <a:t>697</a:t>
+                      </a:r>
+                      <a:endParaRPr lang="en-US" sz="1600">
+                        <a:effectLst/>
+                        <a:latin typeface="Calibri" panose="020F0502020204030204" pitchFamily="34" charset="0"/>
+                        <a:ea typeface="Calibri" panose="020F0502020204030204" pitchFamily="34" charset="0"/>
+                        <a:cs typeface="Times New Roman" panose="02020603050405020304" pitchFamily="18" charset="0"/>
+                      </a:endParaRPr>
+                    </a:p>
+                  </a:txBody>
+                  <a:tcPr marL="68580" marR="68580" marT="0" marB="0"/>
+                </a:tc>
+              </a:tr>
+              <a:tr h="344896">
+                <a:tc>
+                  <a:txBody>
+                    <a:bodyPr/>
+                    <a:lstStyle/>
+                    <a:p>
+                      <a:pPr marL="0" marR="0">
+                        <a:lnSpc>
+                          <a:spcPct val="107000"/>
+                        </a:lnSpc>
+                        <a:spcBef>
+                          <a:spcPts val="0"/>
+                        </a:spcBef>
+                        <a:spcAft>
+                          <a:spcPts val="0"/>
+                        </a:spcAft>
+                      </a:pPr>
+                      <a:r>
+                        <a:rPr lang="en-US" sz="1600">
+                          <a:effectLst/>
+                        </a:rPr>
+                        <a:t>Discuss</a:t>
+                      </a:r>
+                      <a:endParaRPr lang="en-US" sz="1600">
+                        <a:effectLst/>
+                        <a:latin typeface="Calibri" panose="020F0502020204030204" pitchFamily="34" charset="0"/>
+                        <a:ea typeface="Calibri" panose="020F0502020204030204" pitchFamily="34" charset="0"/>
+                        <a:cs typeface="Times New Roman" panose="02020603050405020304" pitchFamily="18" charset="0"/>
+                      </a:endParaRPr>
+                    </a:p>
+                  </a:txBody>
+                  <a:tcPr marL="68580" marR="68580" marT="0" marB="0"/>
+                </a:tc>
+                <a:tc>
+                  <a:txBody>
+                    <a:bodyPr/>
+                    <a:lstStyle/>
+                    <a:p>
+                      <a:pPr marL="0" marR="0">
+                        <a:lnSpc>
+                          <a:spcPct val="107000"/>
+                        </a:lnSpc>
+                        <a:spcBef>
+                          <a:spcPts val="0"/>
+                        </a:spcBef>
+                        <a:spcAft>
+                          <a:spcPts val="0"/>
+                        </a:spcAft>
+                      </a:pPr>
+                      <a:r>
+                        <a:rPr lang="en-US" sz="1600">
+                          <a:effectLst/>
+                        </a:rPr>
+                        <a:t>1019</a:t>
+                      </a:r>
+                      <a:endParaRPr lang="en-US" sz="1600">
+                        <a:effectLst/>
+                        <a:latin typeface="Calibri" panose="020F0502020204030204" pitchFamily="34" charset="0"/>
+                        <a:ea typeface="Calibri" panose="020F0502020204030204" pitchFamily="34" charset="0"/>
+                        <a:cs typeface="Times New Roman" panose="02020603050405020304" pitchFamily="18" charset="0"/>
+                      </a:endParaRPr>
+                    </a:p>
+                  </a:txBody>
+                  <a:tcPr marL="68580" marR="68580" marT="0" marB="0"/>
+                </a:tc>
+                <a:tc>
+                  <a:txBody>
+                    <a:bodyPr/>
+                    <a:lstStyle/>
+                    <a:p>
+                      <a:pPr marL="0" marR="0">
+                        <a:lnSpc>
+                          <a:spcPct val="107000"/>
+                        </a:lnSpc>
+                        <a:spcBef>
+                          <a:spcPts val="0"/>
+                        </a:spcBef>
+                        <a:spcAft>
+                          <a:spcPts val="0"/>
+                        </a:spcAft>
+                      </a:pPr>
+                      <a:r>
+                        <a:rPr lang="en-US" sz="1600">
+                          <a:effectLst/>
+                        </a:rPr>
+                        <a:t>15</a:t>
+                      </a:r>
+                      <a:endParaRPr lang="en-US" sz="1600">
+                        <a:effectLst/>
+                        <a:latin typeface="Calibri" panose="020F0502020204030204" pitchFamily="34" charset="0"/>
+                        <a:ea typeface="Calibri" panose="020F0502020204030204" pitchFamily="34" charset="0"/>
+                        <a:cs typeface="Times New Roman" panose="02020603050405020304" pitchFamily="18" charset="0"/>
+                      </a:endParaRPr>
+                    </a:p>
+                  </a:txBody>
+                  <a:tcPr marL="68580" marR="68580" marT="0" marB="0"/>
+                </a:tc>
+                <a:tc>
+                  <a:txBody>
+                    <a:bodyPr/>
+                    <a:lstStyle/>
+                    <a:p>
+                      <a:pPr marL="0" marR="0">
+                        <a:lnSpc>
+                          <a:spcPct val="107000"/>
+                        </a:lnSpc>
+                        <a:spcBef>
+                          <a:spcPts val="0"/>
+                        </a:spcBef>
+                        <a:spcAft>
+                          <a:spcPts val="0"/>
+                        </a:spcAft>
+                      </a:pPr>
+                      <a:r>
+                        <a:rPr lang="en-US" sz="1600">
+                          <a:effectLst/>
+                        </a:rPr>
+                        <a:t>2969</a:t>
+                      </a:r>
+                      <a:endParaRPr lang="en-US" sz="1600">
+                        <a:effectLst/>
+                        <a:latin typeface="Calibri" panose="020F0502020204030204" pitchFamily="34" charset="0"/>
+                        <a:ea typeface="Calibri" panose="020F0502020204030204" pitchFamily="34" charset="0"/>
+                        <a:cs typeface="Times New Roman" panose="02020603050405020304" pitchFamily="18" charset="0"/>
+                      </a:endParaRPr>
+                    </a:p>
+                  </a:txBody>
+                  <a:tcPr marL="68580" marR="68580" marT="0" marB="0"/>
+                </a:tc>
+                <a:tc>
+                  <a:txBody>
+                    <a:bodyPr/>
+                    <a:lstStyle/>
+                    <a:p>
+                      <a:pPr marL="0" marR="0">
+                        <a:lnSpc>
+                          <a:spcPct val="107000"/>
+                        </a:lnSpc>
+                        <a:spcBef>
+                          <a:spcPts val="0"/>
+                        </a:spcBef>
+                        <a:spcAft>
+                          <a:spcPts val="0"/>
+                        </a:spcAft>
+                      </a:pPr>
+                      <a:r>
+                        <a:rPr lang="en-US" sz="1600">
+                          <a:effectLst/>
+                        </a:rPr>
+                        <a:t>504</a:t>
+                      </a:r>
+                      <a:endParaRPr lang="en-US" sz="1600">
+                        <a:effectLst/>
+                        <a:latin typeface="Calibri" panose="020F0502020204030204" pitchFamily="34" charset="0"/>
+                        <a:ea typeface="Calibri" panose="020F0502020204030204" pitchFamily="34" charset="0"/>
+                        <a:cs typeface="Times New Roman" panose="02020603050405020304" pitchFamily="18" charset="0"/>
+                      </a:endParaRPr>
+                    </a:p>
+                  </a:txBody>
+                  <a:tcPr marL="68580" marR="68580" marT="0" marB="0"/>
+                </a:tc>
+                <a:tc>
+                  <a:txBody>
+                    <a:bodyPr/>
+                    <a:lstStyle/>
+                    <a:p>
+                      <a:pPr marL="0" marR="0">
+                        <a:lnSpc>
+                          <a:spcPct val="107000"/>
+                        </a:lnSpc>
+                        <a:spcBef>
+                          <a:spcPts val="0"/>
+                        </a:spcBef>
+                        <a:spcAft>
+                          <a:spcPts val="0"/>
+                        </a:spcAft>
+                      </a:pPr>
+                      <a:r>
+                        <a:rPr lang="en-US" sz="1600">
+                          <a:effectLst/>
+                        </a:rPr>
+                        <a:t>4464</a:t>
+                      </a:r>
+                      <a:endParaRPr lang="en-US" sz="1600">
+                        <a:effectLst/>
+                        <a:latin typeface="Calibri" panose="020F0502020204030204" pitchFamily="34" charset="0"/>
+                        <a:ea typeface="Calibri" panose="020F0502020204030204" pitchFamily="34" charset="0"/>
+                        <a:cs typeface="Times New Roman" panose="02020603050405020304" pitchFamily="18" charset="0"/>
+                      </a:endParaRPr>
+                    </a:p>
+                  </a:txBody>
+                  <a:tcPr marL="68580" marR="68580" marT="0" marB="0"/>
+                </a:tc>
+              </a:tr>
+              <a:tr h="344896">
+                <a:tc>
+                  <a:txBody>
+                    <a:bodyPr/>
+                    <a:lstStyle/>
+                    <a:p>
+                      <a:pPr marL="0" marR="0">
+                        <a:lnSpc>
+                          <a:spcPct val="107000"/>
+                        </a:lnSpc>
+                        <a:spcBef>
+                          <a:spcPts val="0"/>
+                        </a:spcBef>
+                        <a:spcAft>
+                          <a:spcPts val="0"/>
+                        </a:spcAft>
+                      </a:pPr>
+                      <a:r>
+                        <a:rPr lang="en-US" sz="1600">
+                          <a:effectLst/>
+                        </a:rPr>
+                        <a:t>Unrelated</a:t>
+                      </a:r>
+                      <a:endParaRPr lang="en-US" sz="1600">
+                        <a:effectLst/>
+                        <a:latin typeface="Calibri" panose="020F0502020204030204" pitchFamily="34" charset="0"/>
+                        <a:ea typeface="Calibri" panose="020F0502020204030204" pitchFamily="34" charset="0"/>
+                        <a:cs typeface="Times New Roman" panose="02020603050405020304" pitchFamily="18" charset="0"/>
+                      </a:endParaRPr>
+                    </a:p>
+                  </a:txBody>
+                  <a:tcPr marL="68580" marR="68580" marT="0" marB="0"/>
+                </a:tc>
+                <a:tc>
+                  <a:txBody>
+                    <a:bodyPr/>
+                    <a:lstStyle/>
+                    <a:p>
+                      <a:pPr marL="0" marR="0">
+                        <a:lnSpc>
+                          <a:spcPct val="107000"/>
+                        </a:lnSpc>
+                        <a:spcBef>
+                          <a:spcPts val="0"/>
+                        </a:spcBef>
+                        <a:spcAft>
+                          <a:spcPts val="0"/>
+                        </a:spcAft>
+                      </a:pPr>
+                      <a:r>
+                        <a:rPr lang="en-US" sz="1600">
+                          <a:effectLst/>
+                        </a:rPr>
+                        <a:t>84</a:t>
+                      </a:r>
+                      <a:endParaRPr lang="en-US" sz="1600">
+                        <a:effectLst/>
+                        <a:latin typeface="Calibri" panose="020F0502020204030204" pitchFamily="34" charset="0"/>
+                        <a:ea typeface="Calibri" panose="020F0502020204030204" pitchFamily="34" charset="0"/>
+                        <a:cs typeface="Times New Roman" panose="02020603050405020304" pitchFamily="18" charset="0"/>
+                      </a:endParaRPr>
+                    </a:p>
+                  </a:txBody>
+                  <a:tcPr marL="68580" marR="68580" marT="0" marB="0"/>
+                </a:tc>
+                <a:tc>
+                  <a:txBody>
+                    <a:bodyPr/>
+                    <a:lstStyle/>
+                    <a:p>
+                      <a:pPr marL="0" marR="0">
+                        <a:lnSpc>
+                          <a:spcPct val="107000"/>
+                        </a:lnSpc>
+                        <a:spcBef>
+                          <a:spcPts val="0"/>
+                        </a:spcBef>
+                        <a:spcAft>
+                          <a:spcPts val="0"/>
+                        </a:spcAft>
+                      </a:pPr>
+                      <a:r>
+                        <a:rPr lang="en-US" sz="1600">
+                          <a:effectLst/>
+                        </a:rPr>
+                        <a:t>3</a:t>
+                      </a:r>
+                      <a:endParaRPr lang="en-US" sz="1600">
+                        <a:effectLst/>
+                        <a:latin typeface="Calibri" panose="020F0502020204030204" pitchFamily="34" charset="0"/>
+                        <a:ea typeface="Calibri" panose="020F0502020204030204" pitchFamily="34" charset="0"/>
+                        <a:cs typeface="Times New Roman" panose="02020603050405020304" pitchFamily="18" charset="0"/>
+                      </a:endParaRPr>
+                    </a:p>
+                  </a:txBody>
+                  <a:tcPr marL="68580" marR="68580" marT="0" marB="0"/>
+                </a:tc>
+                <a:tc>
+                  <a:txBody>
+                    <a:bodyPr/>
+                    <a:lstStyle/>
+                    <a:p>
+                      <a:pPr marL="0" marR="0">
+                        <a:lnSpc>
+                          <a:spcPct val="107000"/>
+                        </a:lnSpc>
+                        <a:spcBef>
+                          <a:spcPts val="0"/>
+                        </a:spcBef>
+                        <a:spcAft>
+                          <a:spcPts val="0"/>
+                        </a:spcAft>
+                      </a:pPr>
+                      <a:r>
+                        <a:rPr lang="en-US" sz="1600" dirty="0">
+                          <a:effectLst/>
+                        </a:rPr>
+                        <a:t>292</a:t>
+                      </a:r>
+                      <a:endParaRPr lang="en-US" sz="1600" dirty="0">
+                        <a:effectLst/>
+                        <a:latin typeface="Calibri" panose="020F0502020204030204" pitchFamily="34" charset="0"/>
+                        <a:ea typeface="Calibri" panose="020F0502020204030204" pitchFamily="34" charset="0"/>
+                        <a:cs typeface="Times New Roman" panose="02020603050405020304" pitchFamily="18" charset="0"/>
+                      </a:endParaRPr>
+                    </a:p>
+                  </a:txBody>
+                  <a:tcPr marL="68580" marR="68580" marT="0" marB="0"/>
+                </a:tc>
+                <a:tc>
+                  <a:txBody>
+                    <a:bodyPr/>
+                    <a:lstStyle/>
+                    <a:p>
+                      <a:pPr marL="0" marR="0">
+                        <a:lnSpc>
+                          <a:spcPct val="107000"/>
+                        </a:lnSpc>
+                        <a:spcBef>
+                          <a:spcPts val="0"/>
+                        </a:spcBef>
+                        <a:spcAft>
+                          <a:spcPts val="0"/>
+                        </a:spcAft>
+                      </a:pPr>
+                      <a:r>
+                        <a:rPr lang="en-US" sz="1600">
+                          <a:effectLst/>
+                        </a:rPr>
+                        <a:t>17979</a:t>
+                      </a:r>
+                      <a:endParaRPr lang="en-US" sz="1600">
+                        <a:effectLst/>
+                        <a:latin typeface="Calibri" panose="020F0502020204030204" pitchFamily="34" charset="0"/>
+                        <a:ea typeface="Calibri" panose="020F0502020204030204" pitchFamily="34" charset="0"/>
+                        <a:cs typeface="Times New Roman" panose="02020603050405020304" pitchFamily="18" charset="0"/>
+                      </a:endParaRPr>
+                    </a:p>
+                  </a:txBody>
+                  <a:tcPr marL="68580" marR="68580" marT="0" marB="0"/>
+                </a:tc>
+                <a:tc>
+                  <a:txBody>
+                    <a:bodyPr/>
+                    <a:lstStyle/>
+                    <a:p>
+                      <a:pPr marL="0" marR="0">
+                        <a:lnSpc>
+                          <a:spcPct val="107000"/>
+                        </a:lnSpc>
+                        <a:spcBef>
+                          <a:spcPts val="0"/>
+                        </a:spcBef>
+                        <a:spcAft>
+                          <a:spcPts val="0"/>
+                        </a:spcAft>
+                      </a:pPr>
+                      <a:r>
+                        <a:rPr lang="en-US" sz="1600">
+                          <a:effectLst/>
+                        </a:rPr>
+                        <a:t>18349</a:t>
+                      </a:r>
+                      <a:endParaRPr lang="en-US" sz="1600">
+                        <a:effectLst/>
+                        <a:latin typeface="Calibri" panose="020F0502020204030204" pitchFamily="34" charset="0"/>
+                        <a:ea typeface="Calibri" panose="020F0502020204030204" pitchFamily="34" charset="0"/>
+                        <a:cs typeface="Times New Roman" panose="02020603050405020304" pitchFamily="18" charset="0"/>
+                      </a:endParaRPr>
+                    </a:p>
+                  </a:txBody>
+                  <a:tcPr marL="68580" marR="68580" marT="0" marB="0"/>
+                </a:tc>
+              </a:tr>
+              <a:tr h="344896">
+                <a:tc>
+                  <a:txBody>
+                    <a:bodyPr/>
+                    <a:lstStyle/>
+                    <a:p>
+                      <a:pPr marL="0" marR="0">
+                        <a:lnSpc>
+                          <a:spcPct val="107000"/>
+                        </a:lnSpc>
+                        <a:spcBef>
+                          <a:spcPts val="0"/>
+                        </a:spcBef>
+                        <a:spcAft>
+                          <a:spcPts val="0"/>
+                        </a:spcAft>
+                      </a:pPr>
+                      <a:r>
+                        <a:rPr lang="en-US" sz="1600">
+                          <a:effectLst/>
+                        </a:rPr>
+                        <a:t>Overall</a:t>
+                      </a:r>
+                      <a:endParaRPr lang="en-US" sz="1600">
+                        <a:effectLst/>
+                        <a:latin typeface="Calibri" panose="020F0502020204030204" pitchFamily="34" charset="0"/>
+                        <a:ea typeface="Calibri" panose="020F0502020204030204" pitchFamily="34" charset="0"/>
+                        <a:cs typeface="Times New Roman" panose="02020603050405020304" pitchFamily="18" charset="0"/>
+                      </a:endParaRPr>
+                    </a:p>
+                  </a:txBody>
+                  <a:tcPr marL="68580" marR="68580" marT="0" marB="0"/>
+                </a:tc>
+                <a:tc>
+                  <a:txBody>
+                    <a:bodyPr/>
+                    <a:lstStyle/>
+                    <a:p>
+                      <a:pPr marL="0" marR="0">
+                        <a:lnSpc>
+                          <a:spcPct val="107000"/>
+                        </a:lnSpc>
+                        <a:spcBef>
+                          <a:spcPts val="0"/>
+                        </a:spcBef>
+                        <a:spcAft>
+                          <a:spcPts val="0"/>
+                        </a:spcAft>
+                      </a:pPr>
+                      <a:r>
+                        <a:rPr lang="en-US" sz="1600">
+                          <a:effectLst/>
+                        </a:rPr>
+                        <a:t>2421</a:t>
+                      </a:r>
+                      <a:endParaRPr lang="en-US" sz="1600">
+                        <a:effectLst/>
+                        <a:latin typeface="Calibri" panose="020F0502020204030204" pitchFamily="34" charset="0"/>
+                        <a:ea typeface="Calibri" panose="020F0502020204030204" pitchFamily="34" charset="0"/>
+                        <a:cs typeface="Times New Roman" panose="02020603050405020304" pitchFamily="18" charset="0"/>
+                      </a:endParaRPr>
+                    </a:p>
+                  </a:txBody>
+                  <a:tcPr marL="68580" marR="68580" marT="0" marB="0"/>
+                </a:tc>
+                <a:tc>
+                  <a:txBody>
+                    <a:bodyPr/>
+                    <a:lstStyle/>
+                    <a:p>
+                      <a:pPr marL="0" marR="0">
+                        <a:lnSpc>
+                          <a:spcPct val="107000"/>
+                        </a:lnSpc>
+                        <a:spcBef>
+                          <a:spcPts val="0"/>
+                        </a:spcBef>
+                        <a:spcAft>
+                          <a:spcPts val="0"/>
+                        </a:spcAft>
+                      </a:pPr>
+                      <a:r>
+                        <a:rPr lang="en-US" sz="1600">
+                          <a:effectLst/>
+                        </a:rPr>
+                        <a:t>49</a:t>
+                      </a:r>
+                      <a:endParaRPr lang="en-US" sz="1600">
+                        <a:effectLst/>
+                        <a:latin typeface="Calibri" panose="020F0502020204030204" pitchFamily="34" charset="0"/>
+                        <a:ea typeface="Calibri" panose="020F0502020204030204" pitchFamily="34" charset="0"/>
+                        <a:cs typeface="Times New Roman" panose="02020603050405020304" pitchFamily="18" charset="0"/>
+                      </a:endParaRPr>
+                    </a:p>
+                  </a:txBody>
+                  <a:tcPr marL="68580" marR="68580" marT="0" marB="0"/>
+                </a:tc>
+                <a:tc>
+                  <a:txBody>
+                    <a:bodyPr/>
+                    <a:lstStyle/>
+                    <a:p>
+                      <a:pPr marL="0" marR="0">
+                        <a:lnSpc>
+                          <a:spcPct val="107000"/>
+                        </a:lnSpc>
+                        <a:spcBef>
+                          <a:spcPts val="0"/>
+                        </a:spcBef>
+                        <a:spcAft>
+                          <a:spcPts val="0"/>
+                        </a:spcAft>
+                      </a:pPr>
+                      <a:r>
+                        <a:rPr lang="en-US" sz="1600">
+                          <a:effectLst/>
+                        </a:rPr>
+                        <a:t>4094</a:t>
+                      </a:r>
+                      <a:endParaRPr lang="en-US" sz="1600">
+                        <a:effectLst/>
+                        <a:latin typeface="Calibri" panose="020F0502020204030204" pitchFamily="34" charset="0"/>
+                        <a:ea typeface="Calibri" panose="020F0502020204030204" pitchFamily="34" charset="0"/>
+                        <a:cs typeface="Times New Roman" panose="02020603050405020304" pitchFamily="18" charset="0"/>
+                      </a:endParaRPr>
+                    </a:p>
+                  </a:txBody>
+                  <a:tcPr marL="68580" marR="68580" marT="0" marB="0"/>
+                </a:tc>
+                <a:tc>
+                  <a:txBody>
+                    <a:bodyPr/>
+                    <a:lstStyle/>
+                    <a:p>
+                      <a:pPr marL="0" marR="0">
+                        <a:lnSpc>
+                          <a:spcPct val="107000"/>
+                        </a:lnSpc>
+                        <a:spcBef>
+                          <a:spcPts val="0"/>
+                        </a:spcBef>
+                        <a:spcAft>
+                          <a:spcPts val="0"/>
+                        </a:spcAft>
+                      </a:pPr>
+                      <a:r>
+                        <a:rPr lang="en-US" sz="1600">
+                          <a:effectLst/>
+                        </a:rPr>
+                        <a:t>18849</a:t>
+                      </a:r>
+                      <a:endParaRPr lang="en-US" sz="1600">
+                        <a:effectLst/>
+                        <a:latin typeface="Calibri" panose="020F0502020204030204" pitchFamily="34" charset="0"/>
+                        <a:ea typeface="Calibri" panose="020F0502020204030204" pitchFamily="34" charset="0"/>
+                        <a:cs typeface="Times New Roman" panose="02020603050405020304" pitchFamily="18" charset="0"/>
+                      </a:endParaRPr>
+                    </a:p>
+                  </a:txBody>
+                  <a:tcPr marL="68580" marR="68580" marT="0" marB="0"/>
+                </a:tc>
+                <a:tc>
+                  <a:txBody>
+                    <a:bodyPr/>
+                    <a:lstStyle/>
+                    <a:p>
+                      <a:pPr marL="0" marR="0">
+                        <a:lnSpc>
+                          <a:spcPct val="107000"/>
+                        </a:lnSpc>
+                        <a:spcBef>
+                          <a:spcPts val="0"/>
+                        </a:spcBef>
+                        <a:spcAft>
+                          <a:spcPts val="0"/>
+                        </a:spcAft>
+                      </a:pPr>
+                      <a:r>
+                        <a:rPr lang="en-US" sz="1600" dirty="0">
+                          <a:effectLst/>
+                        </a:rPr>
+                        <a:t>25413</a:t>
+                      </a:r>
+                      <a:endParaRPr lang="en-US" sz="1600" dirty="0">
+                        <a:effectLst/>
+                        <a:latin typeface="Calibri" panose="020F0502020204030204" pitchFamily="34" charset="0"/>
+                        <a:ea typeface="Calibri" panose="020F0502020204030204" pitchFamily="34" charset="0"/>
+                        <a:cs typeface="Times New Roman" panose="02020603050405020304" pitchFamily="18" charset="0"/>
+                      </a:endParaRPr>
+                    </a:p>
+                  </a:txBody>
+                  <a:tcPr marL="68580" marR="68580" marT="0" marB="0"/>
+                </a:tc>
+              </a:tr>
+            </a:tbl>
+          </a:graphicData>
+        </a:graphic>
+      </p:graphicFrame>
+      <p:sp>
+        <p:nvSpPr>
+          <p:cNvPr id="5" name="Rectangle 4"/>
+          <p:cNvSpPr/>
+          <p:nvPr/>
+        </p:nvSpPr>
+        <p:spPr>
+          <a:xfrm>
+            <a:off x="1156548" y="4597755"/>
+            <a:ext cx="6096000" cy="981423"/>
+          </a:xfrm>
+          <a:prstGeom prst="rect">
+            <a:avLst/>
+          </a:prstGeom>
+        </p:spPr>
+        <p:txBody>
+          <a:bodyPr>
+            <a:spAutoFit/>
+          </a:bodyPr>
+          <a:lstStyle/>
+          <a:p>
+            <a:pPr>
+              <a:lnSpc>
+                <a:spcPct val="107000"/>
+              </a:lnSpc>
+            </a:pPr>
+            <a:r>
+              <a:rPr lang="en-US" dirty="0" smtClean="0">
+                <a:effectLst/>
+                <a:latin typeface="CMR9"/>
+                <a:ea typeface="Calibri" panose="020F0502020204030204" pitchFamily="34" charset="0"/>
+                <a:cs typeface="CMR9"/>
+              </a:rPr>
+              <a:t>Accuracy: 86.46% (Test), 93.99% (Validation)</a:t>
+            </a:r>
+            <a:endParaRPr lang="en-US" sz="2800" dirty="0" smtClean="0">
+              <a:effectLst/>
+              <a:latin typeface="Calibri" panose="020F0502020204030204" pitchFamily="34" charset="0"/>
+              <a:ea typeface="Calibri" panose="020F0502020204030204" pitchFamily="34" charset="0"/>
+              <a:cs typeface="Times New Roman" panose="02020603050405020304" pitchFamily="18" charset="0"/>
+            </a:endParaRPr>
+          </a:p>
+          <a:p>
+            <a:pPr>
+              <a:lnSpc>
+                <a:spcPct val="107000"/>
+              </a:lnSpc>
+            </a:pPr>
+            <a:r>
+              <a:rPr lang="en-US" dirty="0" smtClean="0">
+                <a:effectLst/>
+                <a:latin typeface="CMR9"/>
+                <a:ea typeface="Calibri" panose="020F0502020204030204" pitchFamily="34" charset="0"/>
+                <a:cs typeface="CMR9"/>
+              </a:rPr>
+              <a:t>FNC Score: 77.59 (Test), 90.28 (validation)</a:t>
+            </a:r>
+            <a:endParaRPr lang="en-US" sz="2800" dirty="0" smtClean="0">
+              <a:effectLst/>
+              <a:latin typeface="Calibri" panose="020F0502020204030204" pitchFamily="34" charset="0"/>
+              <a:ea typeface="Calibri" panose="020F0502020204030204" pitchFamily="34" charset="0"/>
+              <a:cs typeface="Times New Roman" panose="02020603050405020304" pitchFamily="18" charset="0"/>
+            </a:endParaRPr>
+          </a:p>
+          <a:p>
+            <a:pPr>
+              <a:lnSpc>
+                <a:spcPct val="107000"/>
+              </a:lnSpc>
+            </a:pPr>
+            <a:r>
+              <a:rPr lang="en-US" b="1" dirty="0" smtClean="0">
+                <a:effectLst/>
+                <a:latin typeface="CMR9"/>
+                <a:ea typeface="Calibri" panose="020F0502020204030204" pitchFamily="34" charset="0"/>
+                <a:cs typeface="CMR9"/>
+              </a:rPr>
+              <a:t> </a:t>
+            </a:r>
+            <a:endParaRPr lang="en-US" sz="2800" dirty="0">
+              <a:effectLst/>
+              <a:latin typeface="Calibri" panose="020F0502020204030204" pitchFamily="34" charset="0"/>
+              <a:ea typeface="Calibri" panose="020F0502020204030204" pitchFamily="34" charset="0"/>
+              <a:cs typeface="Times New Roman" panose="02020603050405020304" pitchFamily="18" charset="0"/>
+            </a:endParaRPr>
+          </a:p>
+        </p:txBody>
+      </p:sp>
+    </p:spTree>
+    <p:extLst>
+      <p:ext uri="{BB962C8B-B14F-4D97-AF65-F5344CB8AC3E}">
+        <p14:creationId xmlns:p14="http://schemas.microsoft.com/office/powerpoint/2010/main" val="2431420184"/>
+      </p:ext>
+    </p:extLst>
+  </p:cSld>
+  <p:clrMapOvr>
+    <a:masterClrMapping/>
+  </p:clrMapOvr>
+</p:sld>
+</file>
+
+<file path=ppt/slides/slide12.xml><?xml version="1.0" encoding="utf-8"?>
+<p:sld xmlns:a="http://schemas.openxmlformats.org/drawingml/2006/main" xmlns:r="http://schemas.openxmlformats.org/officeDocument/2006/relationships" xmlns:p="http://schemas.openxmlformats.org/presentationml/2006/main">
+  <p:cSld>
+    <p:spTree>
+      <p:nvGrpSpPr>
+        <p:cNvPr id="1" name=""/>
+        <p:cNvGrpSpPr/>
+        <p:nvPr/>
+      </p:nvGrpSpPr>
+      <p:grpSpPr>
+        <a:xfrm>
+          <a:off x="0" y="0"/>
+          <a:ext cx="0" cy="0"/>
+          <a:chOff x="0" y="0"/>
+          <a:chExt cx="0" cy="0"/>
+        </a:xfrm>
+      </p:grpSpPr>
+      <p:sp>
+        <p:nvSpPr>
+          <p:cNvPr id="2" name="Title 1"/>
+          <p:cNvSpPr>
+            <a:spLocks noGrp="1"/>
+          </p:cNvSpPr>
+          <p:nvPr>
+            <p:ph type="title"/>
+          </p:nvPr>
+        </p:nvSpPr>
+        <p:spPr/>
+        <p:txBody>
+          <a:bodyPr/>
+          <a:lstStyle/>
+          <a:p>
+            <a:r>
+              <a:rPr lang="en-US" dirty="0" smtClean="0"/>
+              <a:t>Observations(2)</a:t>
+            </a:r>
+            <a:endParaRPr lang="en-US" dirty="0"/>
           </a:p>
         </p:txBody>
       </p:sp>
@@ -4008,14 +5476,6192 @@
           <a:bodyPr/>
           <a:lstStyle/>
           <a:p>
-            <a:endParaRPr lang="en-US"/>
+            <a:r>
+              <a:rPr lang="en-US" dirty="0" smtClean="0"/>
+              <a:t>2. For Baseline Model</a:t>
+            </a:r>
+          </a:p>
+          <a:p>
+            <a:endParaRPr lang="en-US" dirty="0"/>
+          </a:p>
+        </p:txBody>
+      </p:sp>
+      <p:graphicFrame>
+        <p:nvGraphicFramePr>
+          <p:cNvPr id="4" name="Table 3"/>
+          <p:cNvGraphicFramePr>
+            <a:graphicFrameLocks noGrp="1"/>
+          </p:cNvGraphicFramePr>
+          <p:nvPr>
+            <p:extLst>
+              <p:ext uri="{D42A27DB-BD31-4B8C-83A1-F6EECF244321}">
+                <p14:modId xmlns:p14="http://schemas.microsoft.com/office/powerpoint/2010/main" val="2268561098"/>
+              </p:ext>
+            </p:extLst>
+          </p:nvPr>
+        </p:nvGraphicFramePr>
+        <p:xfrm>
+          <a:off x="1264814" y="2328758"/>
+          <a:ext cx="8463386" cy="2040042"/>
+        </p:xfrm>
+        <a:graphic>
+          <a:graphicData uri="http://schemas.openxmlformats.org/drawingml/2006/table">
+            <a:tbl>
+              <a:tblPr firstRow="1" firstCol="1" bandRow="1">
+                <a:tableStyleId>{5C22544A-7EE6-4342-B048-85BDC9FD1C3A}</a:tableStyleId>
+              </a:tblPr>
+              <a:tblGrid>
+                <a:gridCol w="1310565"/>
+                <a:gridCol w="1420232"/>
+                <a:gridCol w="1476425"/>
+                <a:gridCol w="1455579"/>
+                <a:gridCol w="1490020"/>
+                <a:gridCol w="1310565"/>
+              </a:tblGrid>
+              <a:tr h="349785">
+                <a:tc>
+                  <a:txBody>
+                    <a:bodyPr/>
+                    <a:lstStyle/>
+                    <a:p>
+                      <a:pPr marL="0" marR="0">
+                        <a:lnSpc>
+                          <a:spcPct val="107000"/>
+                        </a:lnSpc>
+                        <a:spcBef>
+                          <a:spcPts val="0"/>
+                        </a:spcBef>
+                        <a:spcAft>
+                          <a:spcPts val="0"/>
+                        </a:spcAft>
+                      </a:pPr>
+                      <a:r>
+                        <a:rPr lang="en-US" sz="1600" dirty="0">
+                          <a:effectLst/>
+                        </a:rPr>
+                        <a:t> </a:t>
+                      </a:r>
+                      <a:endParaRPr lang="en-US" sz="1600" dirty="0">
+                        <a:effectLst/>
+                        <a:latin typeface="Calibri" panose="020F0502020204030204" pitchFamily="34" charset="0"/>
+                        <a:ea typeface="Calibri" panose="020F0502020204030204" pitchFamily="34" charset="0"/>
+                        <a:cs typeface="Times New Roman" panose="02020603050405020304" pitchFamily="18" charset="0"/>
+                      </a:endParaRPr>
+                    </a:p>
+                  </a:txBody>
+                  <a:tcPr marL="68580" marR="68580" marT="0" marB="0"/>
+                </a:tc>
+                <a:tc>
+                  <a:txBody>
+                    <a:bodyPr/>
+                    <a:lstStyle/>
+                    <a:p>
+                      <a:pPr marL="0" marR="0">
+                        <a:lnSpc>
+                          <a:spcPct val="107000"/>
+                        </a:lnSpc>
+                        <a:spcBef>
+                          <a:spcPts val="0"/>
+                        </a:spcBef>
+                        <a:spcAft>
+                          <a:spcPts val="0"/>
+                        </a:spcAft>
+                      </a:pPr>
+                      <a:r>
+                        <a:rPr lang="en-US" sz="1600">
+                          <a:effectLst/>
+                        </a:rPr>
+                        <a:t>Agree </a:t>
+                      </a:r>
+                      <a:endParaRPr lang="en-US" sz="1600">
+                        <a:effectLst/>
+                        <a:latin typeface="Calibri" panose="020F0502020204030204" pitchFamily="34" charset="0"/>
+                        <a:ea typeface="Calibri" panose="020F0502020204030204" pitchFamily="34" charset="0"/>
+                        <a:cs typeface="Times New Roman" panose="02020603050405020304" pitchFamily="18" charset="0"/>
+                      </a:endParaRPr>
+                    </a:p>
+                  </a:txBody>
+                  <a:tcPr marL="68580" marR="68580" marT="0" marB="0"/>
+                </a:tc>
+                <a:tc>
+                  <a:txBody>
+                    <a:bodyPr/>
+                    <a:lstStyle/>
+                    <a:p>
+                      <a:pPr marL="0" marR="0">
+                        <a:lnSpc>
+                          <a:spcPct val="107000"/>
+                        </a:lnSpc>
+                        <a:spcBef>
+                          <a:spcPts val="0"/>
+                        </a:spcBef>
+                        <a:spcAft>
+                          <a:spcPts val="0"/>
+                        </a:spcAft>
+                      </a:pPr>
+                      <a:r>
+                        <a:rPr lang="en-US" sz="1600">
+                          <a:effectLst/>
+                        </a:rPr>
+                        <a:t>Disagree</a:t>
+                      </a:r>
+                      <a:endParaRPr lang="en-US" sz="1600">
+                        <a:effectLst/>
+                        <a:latin typeface="Calibri" panose="020F0502020204030204" pitchFamily="34" charset="0"/>
+                        <a:ea typeface="Calibri" panose="020F0502020204030204" pitchFamily="34" charset="0"/>
+                        <a:cs typeface="Times New Roman" panose="02020603050405020304" pitchFamily="18" charset="0"/>
+                      </a:endParaRPr>
+                    </a:p>
+                  </a:txBody>
+                  <a:tcPr marL="68580" marR="68580" marT="0" marB="0"/>
+                </a:tc>
+                <a:tc>
+                  <a:txBody>
+                    <a:bodyPr/>
+                    <a:lstStyle/>
+                    <a:p>
+                      <a:pPr marL="0" marR="0">
+                        <a:lnSpc>
+                          <a:spcPct val="107000"/>
+                        </a:lnSpc>
+                        <a:spcBef>
+                          <a:spcPts val="0"/>
+                        </a:spcBef>
+                        <a:spcAft>
+                          <a:spcPts val="0"/>
+                        </a:spcAft>
+                      </a:pPr>
+                      <a:r>
+                        <a:rPr lang="en-US" sz="1600">
+                          <a:effectLst/>
+                        </a:rPr>
+                        <a:t>Discuss</a:t>
+                      </a:r>
+                      <a:endParaRPr lang="en-US" sz="1600">
+                        <a:effectLst/>
+                        <a:latin typeface="Calibri" panose="020F0502020204030204" pitchFamily="34" charset="0"/>
+                        <a:ea typeface="Calibri" panose="020F0502020204030204" pitchFamily="34" charset="0"/>
+                        <a:cs typeface="Times New Roman" panose="02020603050405020304" pitchFamily="18" charset="0"/>
+                      </a:endParaRPr>
+                    </a:p>
+                  </a:txBody>
+                  <a:tcPr marL="68580" marR="68580" marT="0" marB="0"/>
+                </a:tc>
+                <a:tc>
+                  <a:txBody>
+                    <a:bodyPr/>
+                    <a:lstStyle/>
+                    <a:p>
+                      <a:pPr marL="0" marR="0">
+                        <a:lnSpc>
+                          <a:spcPct val="107000"/>
+                        </a:lnSpc>
+                        <a:spcBef>
+                          <a:spcPts val="0"/>
+                        </a:spcBef>
+                        <a:spcAft>
+                          <a:spcPts val="0"/>
+                        </a:spcAft>
+                      </a:pPr>
+                      <a:r>
+                        <a:rPr lang="en-US" sz="1600">
+                          <a:effectLst/>
+                        </a:rPr>
+                        <a:t>Unrelated</a:t>
+                      </a:r>
+                      <a:endParaRPr lang="en-US" sz="1600">
+                        <a:effectLst/>
+                        <a:latin typeface="Calibri" panose="020F0502020204030204" pitchFamily="34" charset="0"/>
+                        <a:ea typeface="Calibri" panose="020F0502020204030204" pitchFamily="34" charset="0"/>
+                        <a:cs typeface="Times New Roman" panose="02020603050405020304" pitchFamily="18" charset="0"/>
+                      </a:endParaRPr>
+                    </a:p>
+                  </a:txBody>
+                  <a:tcPr marL="68580" marR="68580" marT="0" marB="0"/>
+                </a:tc>
+                <a:tc>
+                  <a:txBody>
+                    <a:bodyPr/>
+                    <a:lstStyle/>
+                    <a:p>
+                      <a:pPr marL="0" marR="0">
+                        <a:lnSpc>
+                          <a:spcPct val="107000"/>
+                        </a:lnSpc>
+                        <a:spcBef>
+                          <a:spcPts val="0"/>
+                        </a:spcBef>
+                        <a:spcAft>
+                          <a:spcPts val="0"/>
+                        </a:spcAft>
+                      </a:pPr>
+                      <a:r>
+                        <a:rPr lang="en-US" sz="1600">
+                          <a:effectLst/>
+                        </a:rPr>
+                        <a:t>Overall</a:t>
+                      </a:r>
+                      <a:endParaRPr lang="en-US" sz="1600">
+                        <a:effectLst/>
+                        <a:latin typeface="Calibri" panose="020F0502020204030204" pitchFamily="34" charset="0"/>
+                        <a:ea typeface="Calibri" panose="020F0502020204030204" pitchFamily="34" charset="0"/>
+                        <a:cs typeface="Times New Roman" panose="02020603050405020304" pitchFamily="18" charset="0"/>
+                      </a:endParaRPr>
+                    </a:p>
+                  </a:txBody>
+                  <a:tcPr marL="68580" marR="68580" marT="0" marB="0"/>
+                </a:tc>
+              </a:tr>
+              <a:tr h="307840">
+                <a:tc>
+                  <a:txBody>
+                    <a:bodyPr/>
+                    <a:lstStyle/>
+                    <a:p>
+                      <a:pPr marL="0" marR="0">
+                        <a:lnSpc>
+                          <a:spcPct val="107000"/>
+                        </a:lnSpc>
+                        <a:spcBef>
+                          <a:spcPts val="0"/>
+                        </a:spcBef>
+                        <a:spcAft>
+                          <a:spcPts val="0"/>
+                        </a:spcAft>
+                      </a:pPr>
+                      <a:r>
+                        <a:rPr lang="en-US" sz="1600">
+                          <a:effectLst/>
+                        </a:rPr>
+                        <a:t>Agree</a:t>
+                      </a:r>
+                      <a:endParaRPr lang="en-US" sz="1600">
+                        <a:effectLst/>
+                        <a:latin typeface="Calibri" panose="020F0502020204030204" pitchFamily="34" charset="0"/>
+                        <a:ea typeface="Calibri" panose="020F0502020204030204" pitchFamily="34" charset="0"/>
+                        <a:cs typeface="Times New Roman" panose="02020603050405020304" pitchFamily="18" charset="0"/>
+                      </a:endParaRPr>
+                    </a:p>
+                  </a:txBody>
+                  <a:tcPr marL="68580" marR="68580" marT="0" marB="0"/>
+                </a:tc>
+                <a:tc>
+                  <a:txBody>
+                    <a:bodyPr/>
+                    <a:lstStyle/>
+                    <a:p>
+                      <a:pPr marL="0" marR="0">
+                        <a:lnSpc>
+                          <a:spcPct val="107000"/>
+                        </a:lnSpc>
+                        <a:spcBef>
+                          <a:spcPts val="0"/>
+                        </a:spcBef>
+                        <a:spcAft>
+                          <a:spcPts val="0"/>
+                        </a:spcAft>
+                      </a:pPr>
+                      <a:r>
+                        <a:rPr lang="en-US" sz="1600">
+                          <a:effectLst/>
+                        </a:rPr>
+                        <a:t>86</a:t>
+                      </a:r>
+                      <a:endParaRPr lang="en-US" sz="1600">
+                        <a:effectLst/>
+                        <a:latin typeface="Calibri" panose="020F0502020204030204" pitchFamily="34" charset="0"/>
+                        <a:ea typeface="Calibri" panose="020F0502020204030204" pitchFamily="34" charset="0"/>
+                        <a:cs typeface="Times New Roman" panose="02020603050405020304" pitchFamily="18" charset="0"/>
+                      </a:endParaRPr>
+                    </a:p>
+                  </a:txBody>
+                  <a:tcPr marL="68580" marR="68580" marT="0" marB="0"/>
+                </a:tc>
+                <a:tc>
+                  <a:txBody>
+                    <a:bodyPr/>
+                    <a:lstStyle/>
+                    <a:p>
+                      <a:pPr marL="0" marR="0">
+                        <a:lnSpc>
+                          <a:spcPct val="107000"/>
+                        </a:lnSpc>
+                        <a:spcBef>
+                          <a:spcPts val="0"/>
+                        </a:spcBef>
+                        <a:spcAft>
+                          <a:spcPts val="0"/>
+                        </a:spcAft>
+                      </a:pPr>
+                      <a:r>
+                        <a:rPr lang="en-US" sz="1600">
+                          <a:effectLst/>
+                        </a:rPr>
+                        <a:t>3</a:t>
+                      </a:r>
+                      <a:endParaRPr lang="en-US" sz="1600">
+                        <a:effectLst/>
+                        <a:latin typeface="Calibri" panose="020F0502020204030204" pitchFamily="34" charset="0"/>
+                        <a:ea typeface="Calibri" panose="020F0502020204030204" pitchFamily="34" charset="0"/>
+                        <a:cs typeface="Times New Roman" panose="02020603050405020304" pitchFamily="18" charset="0"/>
+                      </a:endParaRPr>
+                    </a:p>
+                  </a:txBody>
+                  <a:tcPr marL="68580" marR="68580" marT="0" marB="0"/>
+                </a:tc>
+                <a:tc>
+                  <a:txBody>
+                    <a:bodyPr/>
+                    <a:lstStyle/>
+                    <a:p>
+                      <a:pPr marL="0" marR="0">
+                        <a:lnSpc>
+                          <a:spcPct val="107000"/>
+                        </a:lnSpc>
+                        <a:spcBef>
+                          <a:spcPts val="0"/>
+                        </a:spcBef>
+                        <a:spcAft>
+                          <a:spcPts val="0"/>
+                        </a:spcAft>
+                      </a:pPr>
+                      <a:r>
+                        <a:rPr lang="en-US" sz="1600">
+                          <a:effectLst/>
+                        </a:rPr>
+                        <a:t>1535</a:t>
+                      </a:r>
+                      <a:endParaRPr lang="en-US" sz="1600">
+                        <a:effectLst/>
+                        <a:latin typeface="Calibri" panose="020F0502020204030204" pitchFamily="34" charset="0"/>
+                        <a:ea typeface="Calibri" panose="020F0502020204030204" pitchFamily="34" charset="0"/>
+                        <a:cs typeface="Times New Roman" panose="02020603050405020304" pitchFamily="18" charset="0"/>
+                      </a:endParaRPr>
+                    </a:p>
+                  </a:txBody>
+                  <a:tcPr marL="68580" marR="68580" marT="0" marB="0"/>
+                </a:tc>
+                <a:tc>
+                  <a:txBody>
+                    <a:bodyPr/>
+                    <a:lstStyle/>
+                    <a:p>
+                      <a:pPr marL="0" marR="0">
+                        <a:lnSpc>
+                          <a:spcPct val="107000"/>
+                        </a:lnSpc>
+                        <a:spcBef>
+                          <a:spcPts val="0"/>
+                        </a:spcBef>
+                        <a:spcAft>
+                          <a:spcPts val="0"/>
+                        </a:spcAft>
+                      </a:pPr>
+                      <a:r>
+                        <a:rPr lang="en-US" sz="1600">
+                          <a:effectLst/>
+                        </a:rPr>
+                        <a:t>279</a:t>
+                      </a:r>
+                      <a:endParaRPr lang="en-US" sz="1600">
+                        <a:effectLst/>
+                        <a:latin typeface="Calibri" panose="020F0502020204030204" pitchFamily="34" charset="0"/>
+                        <a:ea typeface="Calibri" panose="020F0502020204030204" pitchFamily="34" charset="0"/>
+                        <a:cs typeface="Times New Roman" panose="02020603050405020304" pitchFamily="18" charset="0"/>
+                      </a:endParaRPr>
+                    </a:p>
+                  </a:txBody>
+                  <a:tcPr marL="68580" marR="68580" marT="0" marB="0"/>
+                </a:tc>
+                <a:tc>
+                  <a:txBody>
+                    <a:bodyPr/>
+                    <a:lstStyle/>
+                    <a:p>
+                      <a:pPr marL="0" marR="0">
+                        <a:lnSpc>
+                          <a:spcPct val="107000"/>
+                        </a:lnSpc>
+                        <a:spcBef>
+                          <a:spcPts val="0"/>
+                        </a:spcBef>
+                        <a:spcAft>
+                          <a:spcPts val="0"/>
+                        </a:spcAft>
+                      </a:pPr>
+                      <a:r>
+                        <a:rPr lang="en-US" sz="1600">
+                          <a:effectLst/>
+                        </a:rPr>
+                        <a:t>1903</a:t>
+                      </a:r>
+                      <a:endParaRPr lang="en-US" sz="1600">
+                        <a:effectLst/>
+                        <a:latin typeface="Calibri" panose="020F0502020204030204" pitchFamily="34" charset="0"/>
+                        <a:ea typeface="Calibri" panose="020F0502020204030204" pitchFamily="34" charset="0"/>
+                        <a:cs typeface="Times New Roman" panose="02020603050405020304" pitchFamily="18" charset="0"/>
+                      </a:endParaRPr>
+                    </a:p>
+                  </a:txBody>
+                  <a:tcPr marL="68580" marR="68580" marT="0" marB="0"/>
+                </a:tc>
+              </a:tr>
+              <a:tr h="349785">
+                <a:tc>
+                  <a:txBody>
+                    <a:bodyPr/>
+                    <a:lstStyle/>
+                    <a:p>
+                      <a:pPr marL="0" marR="0">
+                        <a:lnSpc>
+                          <a:spcPct val="107000"/>
+                        </a:lnSpc>
+                        <a:spcBef>
+                          <a:spcPts val="0"/>
+                        </a:spcBef>
+                        <a:spcAft>
+                          <a:spcPts val="0"/>
+                        </a:spcAft>
+                      </a:pPr>
+                      <a:r>
+                        <a:rPr lang="en-US" sz="1600">
+                          <a:effectLst/>
+                        </a:rPr>
+                        <a:t>Disagree</a:t>
+                      </a:r>
+                      <a:endParaRPr lang="en-US" sz="1600">
+                        <a:effectLst/>
+                        <a:latin typeface="Calibri" panose="020F0502020204030204" pitchFamily="34" charset="0"/>
+                        <a:ea typeface="Calibri" panose="020F0502020204030204" pitchFamily="34" charset="0"/>
+                        <a:cs typeface="Times New Roman" panose="02020603050405020304" pitchFamily="18" charset="0"/>
+                      </a:endParaRPr>
+                    </a:p>
+                  </a:txBody>
+                  <a:tcPr marL="68580" marR="68580" marT="0" marB="0"/>
+                </a:tc>
+                <a:tc>
+                  <a:txBody>
+                    <a:bodyPr/>
+                    <a:lstStyle/>
+                    <a:p>
+                      <a:pPr marL="0" marR="0">
+                        <a:lnSpc>
+                          <a:spcPct val="107000"/>
+                        </a:lnSpc>
+                        <a:spcBef>
+                          <a:spcPts val="0"/>
+                        </a:spcBef>
+                        <a:spcAft>
+                          <a:spcPts val="0"/>
+                        </a:spcAft>
+                      </a:pPr>
+                      <a:r>
+                        <a:rPr lang="en-US" sz="1600">
+                          <a:effectLst/>
+                        </a:rPr>
+                        <a:t>18</a:t>
+                      </a:r>
+                      <a:endParaRPr lang="en-US" sz="1600">
+                        <a:effectLst/>
+                        <a:latin typeface="Calibri" panose="020F0502020204030204" pitchFamily="34" charset="0"/>
+                        <a:ea typeface="Calibri" panose="020F0502020204030204" pitchFamily="34" charset="0"/>
+                        <a:cs typeface="Times New Roman" panose="02020603050405020304" pitchFamily="18" charset="0"/>
+                      </a:endParaRPr>
+                    </a:p>
+                  </a:txBody>
+                  <a:tcPr marL="68580" marR="68580" marT="0" marB="0"/>
+                </a:tc>
+                <a:tc>
+                  <a:txBody>
+                    <a:bodyPr/>
+                    <a:lstStyle/>
+                    <a:p>
+                      <a:pPr marL="0" marR="0">
+                        <a:lnSpc>
+                          <a:spcPct val="107000"/>
+                        </a:lnSpc>
+                        <a:spcBef>
+                          <a:spcPts val="0"/>
+                        </a:spcBef>
+                        <a:spcAft>
+                          <a:spcPts val="0"/>
+                        </a:spcAft>
+                      </a:pPr>
+                      <a:r>
+                        <a:rPr lang="en-US" sz="1600">
+                          <a:effectLst/>
+                        </a:rPr>
+                        <a:t>4</a:t>
+                      </a:r>
+                      <a:endParaRPr lang="en-US" sz="1600">
+                        <a:effectLst/>
+                        <a:latin typeface="Calibri" panose="020F0502020204030204" pitchFamily="34" charset="0"/>
+                        <a:ea typeface="Calibri" panose="020F0502020204030204" pitchFamily="34" charset="0"/>
+                        <a:cs typeface="Times New Roman" panose="02020603050405020304" pitchFamily="18" charset="0"/>
+                      </a:endParaRPr>
+                    </a:p>
+                  </a:txBody>
+                  <a:tcPr marL="68580" marR="68580" marT="0" marB="0"/>
+                </a:tc>
+                <a:tc>
+                  <a:txBody>
+                    <a:bodyPr/>
+                    <a:lstStyle/>
+                    <a:p>
+                      <a:pPr marL="0" marR="0">
+                        <a:lnSpc>
+                          <a:spcPct val="107000"/>
+                        </a:lnSpc>
+                        <a:spcBef>
+                          <a:spcPts val="0"/>
+                        </a:spcBef>
+                        <a:spcAft>
+                          <a:spcPts val="0"/>
+                        </a:spcAft>
+                      </a:pPr>
+                      <a:r>
+                        <a:rPr lang="en-US" sz="1600" dirty="0">
+                          <a:effectLst/>
+                        </a:rPr>
+                        <a:t>430</a:t>
+                      </a:r>
+                      <a:endParaRPr lang="en-US" sz="1600" dirty="0">
+                        <a:effectLst/>
+                        <a:latin typeface="Calibri" panose="020F0502020204030204" pitchFamily="34" charset="0"/>
+                        <a:ea typeface="Calibri" panose="020F0502020204030204" pitchFamily="34" charset="0"/>
+                        <a:cs typeface="Times New Roman" panose="02020603050405020304" pitchFamily="18" charset="0"/>
+                      </a:endParaRPr>
+                    </a:p>
+                  </a:txBody>
+                  <a:tcPr marL="68580" marR="68580" marT="0" marB="0"/>
+                </a:tc>
+                <a:tc>
+                  <a:txBody>
+                    <a:bodyPr/>
+                    <a:lstStyle/>
+                    <a:p>
+                      <a:pPr marL="0" marR="0">
+                        <a:lnSpc>
+                          <a:spcPct val="107000"/>
+                        </a:lnSpc>
+                        <a:spcBef>
+                          <a:spcPts val="0"/>
+                        </a:spcBef>
+                        <a:spcAft>
+                          <a:spcPts val="0"/>
+                        </a:spcAft>
+                      </a:pPr>
+                      <a:r>
+                        <a:rPr lang="en-US" sz="1600">
+                          <a:effectLst/>
+                        </a:rPr>
+                        <a:t>245</a:t>
+                      </a:r>
+                      <a:endParaRPr lang="en-US" sz="1600">
+                        <a:effectLst/>
+                        <a:latin typeface="Calibri" panose="020F0502020204030204" pitchFamily="34" charset="0"/>
+                        <a:ea typeface="Calibri" panose="020F0502020204030204" pitchFamily="34" charset="0"/>
+                        <a:cs typeface="Times New Roman" panose="02020603050405020304" pitchFamily="18" charset="0"/>
+                      </a:endParaRPr>
+                    </a:p>
+                  </a:txBody>
+                  <a:tcPr marL="68580" marR="68580" marT="0" marB="0"/>
+                </a:tc>
+                <a:tc>
+                  <a:txBody>
+                    <a:bodyPr/>
+                    <a:lstStyle/>
+                    <a:p>
+                      <a:pPr marL="0" marR="0">
+                        <a:lnSpc>
+                          <a:spcPct val="107000"/>
+                        </a:lnSpc>
+                        <a:spcBef>
+                          <a:spcPts val="0"/>
+                        </a:spcBef>
+                        <a:spcAft>
+                          <a:spcPts val="0"/>
+                        </a:spcAft>
+                      </a:pPr>
+                      <a:r>
+                        <a:rPr lang="en-US" sz="1600">
+                          <a:effectLst/>
+                        </a:rPr>
+                        <a:t>697</a:t>
+                      </a:r>
+                      <a:endParaRPr lang="en-US" sz="1600">
+                        <a:effectLst/>
+                        <a:latin typeface="Calibri" panose="020F0502020204030204" pitchFamily="34" charset="0"/>
+                        <a:ea typeface="Calibri" panose="020F0502020204030204" pitchFamily="34" charset="0"/>
+                        <a:cs typeface="Times New Roman" panose="02020603050405020304" pitchFamily="18" charset="0"/>
+                      </a:endParaRPr>
+                    </a:p>
+                  </a:txBody>
+                  <a:tcPr marL="68580" marR="68580" marT="0" marB="0"/>
+                </a:tc>
+              </a:tr>
+              <a:tr h="349785">
+                <a:tc>
+                  <a:txBody>
+                    <a:bodyPr/>
+                    <a:lstStyle/>
+                    <a:p>
+                      <a:pPr marL="0" marR="0">
+                        <a:lnSpc>
+                          <a:spcPct val="107000"/>
+                        </a:lnSpc>
+                        <a:spcBef>
+                          <a:spcPts val="0"/>
+                        </a:spcBef>
+                        <a:spcAft>
+                          <a:spcPts val="0"/>
+                        </a:spcAft>
+                      </a:pPr>
+                      <a:r>
+                        <a:rPr lang="en-US" sz="1600">
+                          <a:effectLst/>
+                        </a:rPr>
+                        <a:t>Discuss</a:t>
+                      </a:r>
+                      <a:endParaRPr lang="en-US" sz="1600">
+                        <a:effectLst/>
+                        <a:latin typeface="Calibri" panose="020F0502020204030204" pitchFamily="34" charset="0"/>
+                        <a:ea typeface="Calibri" panose="020F0502020204030204" pitchFamily="34" charset="0"/>
+                        <a:cs typeface="Times New Roman" panose="02020603050405020304" pitchFamily="18" charset="0"/>
+                      </a:endParaRPr>
+                    </a:p>
+                  </a:txBody>
+                  <a:tcPr marL="68580" marR="68580" marT="0" marB="0"/>
+                </a:tc>
+                <a:tc>
+                  <a:txBody>
+                    <a:bodyPr/>
+                    <a:lstStyle/>
+                    <a:p>
+                      <a:pPr marL="0" marR="0">
+                        <a:lnSpc>
+                          <a:spcPct val="107000"/>
+                        </a:lnSpc>
+                        <a:spcBef>
+                          <a:spcPts val="0"/>
+                        </a:spcBef>
+                        <a:spcAft>
+                          <a:spcPts val="0"/>
+                        </a:spcAft>
+                      </a:pPr>
+                      <a:r>
+                        <a:rPr lang="en-US" sz="1600">
+                          <a:effectLst/>
+                        </a:rPr>
+                        <a:t>136</a:t>
+                      </a:r>
+                      <a:endParaRPr lang="en-US" sz="1600">
+                        <a:effectLst/>
+                        <a:latin typeface="Calibri" panose="020F0502020204030204" pitchFamily="34" charset="0"/>
+                        <a:ea typeface="Calibri" panose="020F0502020204030204" pitchFamily="34" charset="0"/>
+                        <a:cs typeface="Times New Roman" panose="02020603050405020304" pitchFamily="18" charset="0"/>
+                      </a:endParaRPr>
+                    </a:p>
+                  </a:txBody>
+                  <a:tcPr marL="68580" marR="68580" marT="0" marB="0"/>
+                </a:tc>
+                <a:tc>
+                  <a:txBody>
+                    <a:bodyPr/>
+                    <a:lstStyle/>
+                    <a:p>
+                      <a:pPr marL="0" marR="0">
+                        <a:lnSpc>
+                          <a:spcPct val="107000"/>
+                        </a:lnSpc>
+                        <a:spcBef>
+                          <a:spcPts val="0"/>
+                        </a:spcBef>
+                        <a:spcAft>
+                          <a:spcPts val="0"/>
+                        </a:spcAft>
+                      </a:pPr>
+                      <a:r>
+                        <a:rPr lang="en-US" sz="1600">
+                          <a:effectLst/>
+                        </a:rPr>
+                        <a:t>17</a:t>
+                      </a:r>
+                      <a:endParaRPr lang="en-US" sz="1600">
+                        <a:effectLst/>
+                        <a:latin typeface="Calibri" panose="020F0502020204030204" pitchFamily="34" charset="0"/>
+                        <a:ea typeface="Calibri" panose="020F0502020204030204" pitchFamily="34" charset="0"/>
+                        <a:cs typeface="Times New Roman" panose="02020603050405020304" pitchFamily="18" charset="0"/>
+                      </a:endParaRPr>
+                    </a:p>
+                  </a:txBody>
+                  <a:tcPr marL="68580" marR="68580" marT="0" marB="0"/>
+                </a:tc>
+                <a:tc>
+                  <a:txBody>
+                    <a:bodyPr/>
+                    <a:lstStyle/>
+                    <a:p>
+                      <a:pPr marL="0" marR="0">
+                        <a:lnSpc>
+                          <a:spcPct val="107000"/>
+                        </a:lnSpc>
+                        <a:spcBef>
+                          <a:spcPts val="0"/>
+                        </a:spcBef>
+                        <a:spcAft>
+                          <a:spcPts val="0"/>
+                        </a:spcAft>
+                      </a:pPr>
+                      <a:r>
+                        <a:rPr lang="en-US" sz="1600">
+                          <a:effectLst/>
+                        </a:rPr>
+                        <a:t>3708</a:t>
+                      </a:r>
+                      <a:endParaRPr lang="en-US" sz="1600">
+                        <a:effectLst/>
+                        <a:latin typeface="Calibri" panose="020F0502020204030204" pitchFamily="34" charset="0"/>
+                        <a:ea typeface="Calibri" panose="020F0502020204030204" pitchFamily="34" charset="0"/>
+                        <a:cs typeface="Times New Roman" panose="02020603050405020304" pitchFamily="18" charset="0"/>
+                      </a:endParaRPr>
+                    </a:p>
+                  </a:txBody>
+                  <a:tcPr marL="68580" marR="68580" marT="0" marB="0"/>
+                </a:tc>
+                <a:tc>
+                  <a:txBody>
+                    <a:bodyPr/>
+                    <a:lstStyle/>
+                    <a:p>
+                      <a:pPr marL="0" marR="0">
+                        <a:lnSpc>
+                          <a:spcPct val="107000"/>
+                        </a:lnSpc>
+                        <a:spcBef>
+                          <a:spcPts val="0"/>
+                        </a:spcBef>
+                        <a:spcAft>
+                          <a:spcPts val="0"/>
+                        </a:spcAft>
+                      </a:pPr>
+                      <a:r>
+                        <a:rPr lang="en-US" sz="1600" dirty="0">
+                          <a:effectLst/>
+                        </a:rPr>
+                        <a:t>603</a:t>
+                      </a:r>
+                      <a:endParaRPr lang="en-US" sz="1600" dirty="0">
+                        <a:effectLst/>
+                        <a:latin typeface="Calibri" panose="020F0502020204030204" pitchFamily="34" charset="0"/>
+                        <a:ea typeface="Calibri" panose="020F0502020204030204" pitchFamily="34" charset="0"/>
+                        <a:cs typeface="Times New Roman" panose="02020603050405020304" pitchFamily="18" charset="0"/>
+                      </a:endParaRPr>
+                    </a:p>
+                  </a:txBody>
+                  <a:tcPr marL="68580" marR="68580" marT="0" marB="0"/>
+                </a:tc>
+                <a:tc>
+                  <a:txBody>
+                    <a:bodyPr/>
+                    <a:lstStyle/>
+                    <a:p>
+                      <a:pPr marL="0" marR="0">
+                        <a:lnSpc>
+                          <a:spcPct val="107000"/>
+                        </a:lnSpc>
+                        <a:spcBef>
+                          <a:spcPts val="0"/>
+                        </a:spcBef>
+                        <a:spcAft>
+                          <a:spcPts val="0"/>
+                        </a:spcAft>
+                      </a:pPr>
+                      <a:r>
+                        <a:rPr lang="en-US" sz="1600">
+                          <a:effectLst/>
+                        </a:rPr>
+                        <a:t>4464</a:t>
+                      </a:r>
+                      <a:endParaRPr lang="en-US" sz="1600">
+                        <a:effectLst/>
+                        <a:latin typeface="Calibri" panose="020F0502020204030204" pitchFamily="34" charset="0"/>
+                        <a:ea typeface="Calibri" panose="020F0502020204030204" pitchFamily="34" charset="0"/>
+                        <a:cs typeface="Times New Roman" panose="02020603050405020304" pitchFamily="18" charset="0"/>
+                      </a:endParaRPr>
+                    </a:p>
+                  </a:txBody>
+                  <a:tcPr marL="68580" marR="68580" marT="0" marB="0"/>
+                </a:tc>
+              </a:tr>
+              <a:tr h="333062">
+                <a:tc>
+                  <a:txBody>
+                    <a:bodyPr/>
+                    <a:lstStyle/>
+                    <a:p>
+                      <a:pPr marL="0" marR="0">
+                        <a:lnSpc>
+                          <a:spcPct val="107000"/>
+                        </a:lnSpc>
+                        <a:spcBef>
+                          <a:spcPts val="0"/>
+                        </a:spcBef>
+                        <a:spcAft>
+                          <a:spcPts val="0"/>
+                        </a:spcAft>
+                      </a:pPr>
+                      <a:r>
+                        <a:rPr lang="en-US" sz="1600">
+                          <a:effectLst/>
+                        </a:rPr>
+                        <a:t>Unrelated</a:t>
+                      </a:r>
+                      <a:endParaRPr lang="en-US" sz="1600">
+                        <a:effectLst/>
+                        <a:latin typeface="Calibri" panose="020F0502020204030204" pitchFamily="34" charset="0"/>
+                        <a:ea typeface="Calibri" panose="020F0502020204030204" pitchFamily="34" charset="0"/>
+                        <a:cs typeface="Times New Roman" panose="02020603050405020304" pitchFamily="18" charset="0"/>
+                      </a:endParaRPr>
+                    </a:p>
+                  </a:txBody>
+                  <a:tcPr marL="68580" marR="68580" marT="0" marB="0"/>
+                </a:tc>
+                <a:tc>
+                  <a:txBody>
+                    <a:bodyPr/>
+                    <a:lstStyle/>
+                    <a:p>
+                      <a:pPr marL="0" marR="0">
+                        <a:lnSpc>
+                          <a:spcPct val="107000"/>
+                        </a:lnSpc>
+                        <a:spcBef>
+                          <a:spcPts val="0"/>
+                        </a:spcBef>
+                        <a:spcAft>
+                          <a:spcPts val="0"/>
+                        </a:spcAft>
+                      </a:pPr>
+                      <a:r>
+                        <a:rPr lang="en-US" sz="1600">
+                          <a:effectLst/>
+                        </a:rPr>
+                        <a:t>9</a:t>
+                      </a:r>
+                      <a:endParaRPr lang="en-US" sz="1600">
+                        <a:effectLst/>
+                        <a:latin typeface="Calibri" panose="020F0502020204030204" pitchFamily="34" charset="0"/>
+                        <a:ea typeface="Calibri" panose="020F0502020204030204" pitchFamily="34" charset="0"/>
+                        <a:cs typeface="Times New Roman" panose="02020603050405020304" pitchFamily="18" charset="0"/>
+                      </a:endParaRPr>
+                    </a:p>
+                  </a:txBody>
+                  <a:tcPr marL="68580" marR="68580" marT="0" marB="0"/>
+                </a:tc>
+                <a:tc>
+                  <a:txBody>
+                    <a:bodyPr/>
+                    <a:lstStyle/>
+                    <a:p>
+                      <a:pPr marL="0" marR="0">
+                        <a:lnSpc>
+                          <a:spcPct val="107000"/>
+                        </a:lnSpc>
+                        <a:spcBef>
+                          <a:spcPts val="0"/>
+                        </a:spcBef>
+                        <a:spcAft>
+                          <a:spcPts val="0"/>
+                        </a:spcAft>
+                      </a:pPr>
+                      <a:r>
+                        <a:rPr lang="en-US" sz="1600">
+                          <a:effectLst/>
+                        </a:rPr>
+                        <a:t>1</a:t>
+                      </a:r>
+                      <a:endParaRPr lang="en-US" sz="1600">
+                        <a:effectLst/>
+                        <a:latin typeface="Calibri" panose="020F0502020204030204" pitchFamily="34" charset="0"/>
+                        <a:ea typeface="Calibri" panose="020F0502020204030204" pitchFamily="34" charset="0"/>
+                        <a:cs typeface="Times New Roman" panose="02020603050405020304" pitchFamily="18" charset="0"/>
+                      </a:endParaRPr>
+                    </a:p>
+                  </a:txBody>
+                  <a:tcPr marL="68580" marR="68580" marT="0" marB="0"/>
+                </a:tc>
+                <a:tc>
+                  <a:txBody>
+                    <a:bodyPr/>
+                    <a:lstStyle/>
+                    <a:p>
+                      <a:pPr marL="0" marR="0">
+                        <a:lnSpc>
+                          <a:spcPct val="107000"/>
+                        </a:lnSpc>
+                        <a:spcBef>
+                          <a:spcPts val="0"/>
+                        </a:spcBef>
+                        <a:spcAft>
+                          <a:spcPts val="0"/>
+                        </a:spcAft>
+                      </a:pPr>
+                      <a:r>
+                        <a:rPr lang="en-US" sz="1600">
+                          <a:effectLst/>
+                        </a:rPr>
+                        <a:t>567</a:t>
+                      </a:r>
+                      <a:endParaRPr lang="en-US" sz="1600">
+                        <a:effectLst/>
+                        <a:latin typeface="Calibri" panose="020F0502020204030204" pitchFamily="34" charset="0"/>
+                        <a:ea typeface="Calibri" panose="020F0502020204030204" pitchFamily="34" charset="0"/>
+                        <a:cs typeface="Times New Roman" panose="02020603050405020304" pitchFamily="18" charset="0"/>
+                      </a:endParaRPr>
+                    </a:p>
+                  </a:txBody>
+                  <a:tcPr marL="68580" marR="68580" marT="0" marB="0"/>
+                </a:tc>
+                <a:tc>
+                  <a:txBody>
+                    <a:bodyPr/>
+                    <a:lstStyle/>
+                    <a:p>
+                      <a:pPr marL="0" marR="0">
+                        <a:lnSpc>
+                          <a:spcPct val="107000"/>
+                        </a:lnSpc>
+                        <a:spcBef>
+                          <a:spcPts val="0"/>
+                        </a:spcBef>
+                        <a:spcAft>
+                          <a:spcPts val="0"/>
+                        </a:spcAft>
+                      </a:pPr>
+                      <a:r>
+                        <a:rPr lang="en-US" sz="1600">
+                          <a:effectLst/>
+                        </a:rPr>
+                        <a:t>17772</a:t>
+                      </a:r>
+                      <a:endParaRPr lang="en-US" sz="1600">
+                        <a:effectLst/>
+                        <a:latin typeface="Calibri" panose="020F0502020204030204" pitchFamily="34" charset="0"/>
+                        <a:ea typeface="Calibri" panose="020F0502020204030204" pitchFamily="34" charset="0"/>
+                        <a:cs typeface="Times New Roman" panose="02020603050405020304" pitchFamily="18" charset="0"/>
+                      </a:endParaRPr>
+                    </a:p>
+                  </a:txBody>
+                  <a:tcPr marL="68580" marR="68580" marT="0" marB="0"/>
+                </a:tc>
+                <a:tc>
+                  <a:txBody>
+                    <a:bodyPr/>
+                    <a:lstStyle/>
+                    <a:p>
+                      <a:pPr marL="0" marR="0">
+                        <a:lnSpc>
+                          <a:spcPct val="107000"/>
+                        </a:lnSpc>
+                        <a:spcBef>
+                          <a:spcPts val="0"/>
+                        </a:spcBef>
+                        <a:spcAft>
+                          <a:spcPts val="0"/>
+                        </a:spcAft>
+                      </a:pPr>
+                      <a:r>
+                        <a:rPr lang="en-US" sz="1600">
+                          <a:effectLst/>
+                        </a:rPr>
+                        <a:t>18349</a:t>
+                      </a:r>
+                      <a:endParaRPr lang="en-US" sz="1600">
+                        <a:effectLst/>
+                        <a:latin typeface="Calibri" panose="020F0502020204030204" pitchFamily="34" charset="0"/>
+                        <a:ea typeface="Calibri" panose="020F0502020204030204" pitchFamily="34" charset="0"/>
+                        <a:cs typeface="Times New Roman" panose="02020603050405020304" pitchFamily="18" charset="0"/>
+                      </a:endParaRPr>
+                    </a:p>
+                  </a:txBody>
+                  <a:tcPr marL="68580" marR="68580" marT="0" marB="0"/>
+                </a:tc>
+              </a:tr>
+              <a:tr h="349785">
+                <a:tc>
+                  <a:txBody>
+                    <a:bodyPr/>
+                    <a:lstStyle/>
+                    <a:p>
+                      <a:pPr marL="0" marR="0">
+                        <a:lnSpc>
+                          <a:spcPct val="107000"/>
+                        </a:lnSpc>
+                        <a:spcBef>
+                          <a:spcPts val="0"/>
+                        </a:spcBef>
+                        <a:spcAft>
+                          <a:spcPts val="0"/>
+                        </a:spcAft>
+                      </a:pPr>
+                      <a:r>
+                        <a:rPr lang="en-US" sz="1600" dirty="0">
+                          <a:effectLst/>
+                        </a:rPr>
+                        <a:t>Overall</a:t>
+                      </a:r>
+                      <a:endParaRPr lang="en-US" sz="1600" dirty="0">
+                        <a:effectLst/>
+                        <a:latin typeface="Calibri" panose="020F0502020204030204" pitchFamily="34" charset="0"/>
+                        <a:ea typeface="Calibri" panose="020F0502020204030204" pitchFamily="34" charset="0"/>
+                        <a:cs typeface="Times New Roman" panose="02020603050405020304" pitchFamily="18" charset="0"/>
+                      </a:endParaRPr>
+                    </a:p>
+                  </a:txBody>
+                  <a:tcPr marL="68580" marR="68580" marT="0" marB="0"/>
+                </a:tc>
+                <a:tc>
+                  <a:txBody>
+                    <a:bodyPr/>
+                    <a:lstStyle/>
+                    <a:p>
+                      <a:pPr marL="0" marR="0">
+                        <a:lnSpc>
+                          <a:spcPct val="107000"/>
+                        </a:lnSpc>
+                        <a:spcBef>
+                          <a:spcPts val="0"/>
+                        </a:spcBef>
+                        <a:spcAft>
+                          <a:spcPts val="0"/>
+                        </a:spcAft>
+                      </a:pPr>
+                      <a:r>
+                        <a:rPr lang="en-US" sz="1600">
+                          <a:effectLst/>
+                        </a:rPr>
+                        <a:t>249</a:t>
+                      </a:r>
+                      <a:endParaRPr lang="en-US" sz="1600">
+                        <a:effectLst/>
+                        <a:latin typeface="Calibri" panose="020F0502020204030204" pitchFamily="34" charset="0"/>
+                        <a:ea typeface="Calibri" panose="020F0502020204030204" pitchFamily="34" charset="0"/>
+                        <a:cs typeface="Times New Roman" panose="02020603050405020304" pitchFamily="18" charset="0"/>
+                      </a:endParaRPr>
+                    </a:p>
+                  </a:txBody>
+                  <a:tcPr marL="68580" marR="68580" marT="0" marB="0"/>
+                </a:tc>
+                <a:tc>
+                  <a:txBody>
+                    <a:bodyPr/>
+                    <a:lstStyle/>
+                    <a:p>
+                      <a:pPr marL="0" marR="0">
+                        <a:lnSpc>
+                          <a:spcPct val="107000"/>
+                        </a:lnSpc>
+                        <a:spcBef>
+                          <a:spcPts val="0"/>
+                        </a:spcBef>
+                        <a:spcAft>
+                          <a:spcPts val="0"/>
+                        </a:spcAft>
+                      </a:pPr>
+                      <a:r>
+                        <a:rPr lang="en-US" sz="1600">
+                          <a:effectLst/>
+                        </a:rPr>
+                        <a:t>25</a:t>
+                      </a:r>
+                      <a:endParaRPr lang="en-US" sz="1600">
+                        <a:effectLst/>
+                        <a:latin typeface="Calibri" panose="020F0502020204030204" pitchFamily="34" charset="0"/>
+                        <a:ea typeface="Calibri" panose="020F0502020204030204" pitchFamily="34" charset="0"/>
+                        <a:cs typeface="Times New Roman" panose="02020603050405020304" pitchFamily="18" charset="0"/>
+                      </a:endParaRPr>
+                    </a:p>
+                  </a:txBody>
+                  <a:tcPr marL="68580" marR="68580" marT="0" marB="0"/>
+                </a:tc>
+                <a:tc>
+                  <a:txBody>
+                    <a:bodyPr/>
+                    <a:lstStyle/>
+                    <a:p>
+                      <a:pPr marL="0" marR="0">
+                        <a:lnSpc>
+                          <a:spcPct val="107000"/>
+                        </a:lnSpc>
+                        <a:spcBef>
+                          <a:spcPts val="0"/>
+                        </a:spcBef>
+                        <a:spcAft>
+                          <a:spcPts val="0"/>
+                        </a:spcAft>
+                      </a:pPr>
+                      <a:r>
+                        <a:rPr lang="en-US" sz="1600">
+                          <a:effectLst/>
+                        </a:rPr>
+                        <a:t>6240</a:t>
+                      </a:r>
+                      <a:endParaRPr lang="en-US" sz="1600">
+                        <a:effectLst/>
+                        <a:latin typeface="Calibri" panose="020F0502020204030204" pitchFamily="34" charset="0"/>
+                        <a:ea typeface="Calibri" panose="020F0502020204030204" pitchFamily="34" charset="0"/>
+                        <a:cs typeface="Times New Roman" panose="02020603050405020304" pitchFamily="18" charset="0"/>
+                      </a:endParaRPr>
+                    </a:p>
+                  </a:txBody>
+                  <a:tcPr marL="68580" marR="68580" marT="0" marB="0"/>
+                </a:tc>
+                <a:tc>
+                  <a:txBody>
+                    <a:bodyPr/>
+                    <a:lstStyle/>
+                    <a:p>
+                      <a:pPr marL="0" marR="0">
+                        <a:lnSpc>
+                          <a:spcPct val="107000"/>
+                        </a:lnSpc>
+                        <a:spcBef>
+                          <a:spcPts val="0"/>
+                        </a:spcBef>
+                        <a:spcAft>
+                          <a:spcPts val="0"/>
+                        </a:spcAft>
+                      </a:pPr>
+                      <a:r>
+                        <a:rPr lang="en-US" sz="1600">
+                          <a:effectLst/>
+                        </a:rPr>
+                        <a:t>18899</a:t>
+                      </a:r>
+                      <a:endParaRPr lang="en-US" sz="1600">
+                        <a:effectLst/>
+                        <a:latin typeface="Calibri" panose="020F0502020204030204" pitchFamily="34" charset="0"/>
+                        <a:ea typeface="Calibri" panose="020F0502020204030204" pitchFamily="34" charset="0"/>
+                        <a:cs typeface="Times New Roman" panose="02020603050405020304" pitchFamily="18" charset="0"/>
+                      </a:endParaRPr>
+                    </a:p>
+                  </a:txBody>
+                  <a:tcPr marL="68580" marR="68580" marT="0" marB="0"/>
+                </a:tc>
+                <a:tc>
+                  <a:txBody>
+                    <a:bodyPr/>
+                    <a:lstStyle/>
+                    <a:p>
+                      <a:pPr marL="0" marR="0">
+                        <a:lnSpc>
+                          <a:spcPct val="107000"/>
+                        </a:lnSpc>
+                        <a:spcBef>
+                          <a:spcPts val="0"/>
+                        </a:spcBef>
+                        <a:spcAft>
+                          <a:spcPts val="0"/>
+                        </a:spcAft>
+                      </a:pPr>
+                      <a:r>
+                        <a:rPr lang="en-US" sz="1600" dirty="0">
+                          <a:effectLst/>
+                        </a:rPr>
+                        <a:t>25413</a:t>
+                      </a:r>
+                      <a:endParaRPr lang="en-US" sz="1600" dirty="0">
+                        <a:effectLst/>
+                        <a:latin typeface="Calibri" panose="020F0502020204030204" pitchFamily="34" charset="0"/>
+                        <a:ea typeface="Calibri" panose="020F0502020204030204" pitchFamily="34" charset="0"/>
+                        <a:cs typeface="Times New Roman" panose="02020603050405020304" pitchFamily="18" charset="0"/>
+                      </a:endParaRPr>
+                    </a:p>
+                  </a:txBody>
+                  <a:tcPr marL="68580" marR="68580" marT="0" marB="0"/>
+                </a:tc>
+              </a:tr>
+            </a:tbl>
+          </a:graphicData>
+        </a:graphic>
+      </p:graphicFrame>
+      <p:sp>
+        <p:nvSpPr>
+          <p:cNvPr id="5" name="TextBox 4"/>
+          <p:cNvSpPr txBox="1"/>
+          <p:nvPr/>
+        </p:nvSpPr>
+        <p:spPr>
+          <a:xfrm>
+            <a:off x="1286934" y="4512733"/>
+            <a:ext cx="5918200" cy="646331"/>
+          </a:xfrm>
+          <a:prstGeom prst="rect">
+            <a:avLst/>
+          </a:prstGeom>
+          <a:noFill/>
+        </p:spPr>
+        <p:txBody>
+          <a:bodyPr wrap="square" rtlCol="0">
+            <a:spAutoFit/>
+          </a:bodyPr>
+          <a:lstStyle/>
+          <a:p>
+            <a:r>
+              <a:rPr lang="en-US" dirty="0"/>
+              <a:t>Accuracy: 80.26% (Test), 83.19% (Validation)</a:t>
+            </a:r>
+          </a:p>
+          <a:p>
+            <a:r>
+              <a:rPr lang="en-US" dirty="0"/>
+              <a:t>FNC Score: 75.320 (Test), </a:t>
+            </a:r>
+            <a:r>
+              <a:rPr lang="en-US" dirty="0" smtClean="0"/>
+              <a:t>78.799 </a:t>
+            </a:r>
+            <a:r>
+              <a:rPr lang="en-US" dirty="0"/>
+              <a:t>(validation</a:t>
+            </a:r>
+            <a:r>
+              <a:rPr lang="en-US" dirty="0" smtClean="0"/>
+              <a:t>)</a:t>
+            </a:r>
+            <a:endParaRPr lang="en-US" dirty="0"/>
           </a:p>
         </p:txBody>
       </p:sp>
     </p:spTree>
     <p:extLst>
       <p:ext uri="{BB962C8B-B14F-4D97-AF65-F5344CB8AC3E}">
-        <p14:creationId xmlns:p14="http://schemas.microsoft.com/office/powerpoint/2010/main" val="2431420184"/>
+        <p14:creationId xmlns:p14="http://schemas.microsoft.com/office/powerpoint/2010/main" val="3727490966"/>
+      </p:ext>
+    </p:extLst>
+  </p:cSld>
+  <p:clrMapOvr>
+    <a:masterClrMapping/>
+  </p:clrMapOvr>
+</p:sld>
+</file>
+
+<file path=ppt/slides/slide13.xml><?xml version="1.0" encoding="utf-8"?>
+<p:sld xmlns:a="http://schemas.openxmlformats.org/drawingml/2006/main" xmlns:r="http://schemas.openxmlformats.org/officeDocument/2006/relationships" xmlns:p="http://schemas.openxmlformats.org/presentationml/2006/main">
+  <p:cSld>
+    <p:spTree>
+      <p:nvGrpSpPr>
+        <p:cNvPr id="1" name=""/>
+        <p:cNvGrpSpPr/>
+        <p:nvPr/>
+      </p:nvGrpSpPr>
+      <p:grpSpPr>
+        <a:xfrm>
+          <a:off x="0" y="0"/>
+          <a:ext cx="0" cy="0"/>
+          <a:chOff x="0" y="0"/>
+          <a:chExt cx="0" cy="0"/>
+        </a:xfrm>
+      </p:grpSpPr>
+      <p:sp>
+        <p:nvSpPr>
+          <p:cNvPr id="2" name="Title 1"/>
+          <p:cNvSpPr>
+            <a:spLocks noGrp="1"/>
+          </p:cNvSpPr>
+          <p:nvPr>
+            <p:ph type="title"/>
+          </p:nvPr>
+        </p:nvSpPr>
+        <p:spPr/>
+        <p:txBody>
+          <a:bodyPr/>
+          <a:lstStyle/>
+          <a:p>
+            <a:r>
+              <a:rPr lang="en-US" dirty="0" smtClean="0"/>
+              <a:t>Observation(3)</a:t>
+            </a:r>
+            <a:endParaRPr lang="en-US" dirty="0"/>
+          </a:p>
+        </p:txBody>
+      </p:sp>
+      <p:sp>
+        <p:nvSpPr>
+          <p:cNvPr id="3" name="Content Placeholder 2"/>
+          <p:cNvSpPr>
+            <a:spLocks noGrp="1"/>
+          </p:cNvSpPr>
+          <p:nvPr>
+            <p:ph idx="1"/>
+          </p:nvPr>
+        </p:nvSpPr>
+        <p:spPr/>
+        <p:txBody>
+          <a:bodyPr/>
+          <a:lstStyle/>
+          <a:p>
+            <a:r>
+              <a:rPr lang="en-US" dirty="0" smtClean="0"/>
+              <a:t>(3) For Deep Learning Model</a:t>
+            </a:r>
+          </a:p>
+          <a:p>
+            <a:endParaRPr lang="en-US" dirty="0"/>
+          </a:p>
+        </p:txBody>
+      </p:sp>
+      <p:graphicFrame>
+        <p:nvGraphicFramePr>
+          <p:cNvPr id="4" name="Table 3"/>
+          <p:cNvGraphicFramePr>
+            <a:graphicFrameLocks noGrp="1"/>
+          </p:cNvGraphicFramePr>
+          <p:nvPr>
+            <p:extLst>
+              <p:ext uri="{D42A27DB-BD31-4B8C-83A1-F6EECF244321}">
+                <p14:modId xmlns:p14="http://schemas.microsoft.com/office/powerpoint/2010/main" val="1195452706"/>
+              </p:ext>
+            </p:extLst>
+          </p:nvPr>
+        </p:nvGraphicFramePr>
+        <p:xfrm>
+          <a:off x="1396471" y="2359039"/>
+          <a:ext cx="8179328" cy="1933560"/>
+        </p:xfrm>
+        <a:graphic>
+          <a:graphicData uri="http://schemas.openxmlformats.org/drawingml/2006/table">
+            <a:tbl>
+              <a:tblPr firstRow="1" firstCol="1" bandRow="1">
+                <a:tableStyleId>{5C22544A-7EE6-4342-B048-85BDC9FD1C3A}</a:tableStyleId>
+              </a:tblPr>
+              <a:tblGrid>
+                <a:gridCol w="1266702"/>
+                <a:gridCol w="1372553"/>
+                <a:gridCol w="1426790"/>
+                <a:gridCol w="1406669"/>
+                <a:gridCol w="1439912"/>
+                <a:gridCol w="1266702"/>
+              </a:tblGrid>
+              <a:tr h="322260">
+                <a:tc>
+                  <a:txBody>
+                    <a:bodyPr/>
+                    <a:lstStyle/>
+                    <a:p>
+                      <a:pPr marL="0" marR="0">
+                        <a:lnSpc>
+                          <a:spcPct val="107000"/>
+                        </a:lnSpc>
+                        <a:spcBef>
+                          <a:spcPts val="0"/>
+                        </a:spcBef>
+                        <a:spcAft>
+                          <a:spcPts val="0"/>
+                        </a:spcAft>
+                      </a:pPr>
+                      <a:r>
+                        <a:rPr lang="en-US" sz="1600" dirty="0">
+                          <a:effectLst/>
+                        </a:rPr>
+                        <a:t> </a:t>
+                      </a:r>
+                      <a:endParaRPr lang="en-US" sz="1600" dirty="0">
+                        <a:effectLst/>
+                        <a:latin typeface="Calibri" panose="020F0502020204030204" pitchFamily="34" charset="0"/>
+                        <a:ea typeface="Calibri" panose="020F0502020204030204" pitchFamily="34" charset="0"/>
+                        <a:cs typeface="Times New Roman" panose="02020603050405020304" pitchFamily="18" charset="0"/>
+                      </a:endParaRPr>
+                    </a:p>
+                  </a:txBody>
+                  <a:tcPr marL="68580" marR="68580" marT="0" marB="0"/>
+                </a:tc>
+                <a:tc>
+                  <a:txBody>
+                    <a:bodyPr/>
+                    <a:lstStyle/>
+                    <a:p>
+                      <a:pPr marL="0" marR="0">
+                        <a:lnSpc>
+                          <a:spcPct val="107000"/>
+                        </a:lnSpc>
+                        <a:spcBef>
+                          <a:spcPts val="0"/>
+                        </a:spcBef>
+                        <a:spcAft>
+                          <a:spcPts val="0"/>
+                        </a:spcAft>
+                      </a:pPr>
+                      <a:r>
+                        <a:rPr lang="en-US" sz="1600" dirty="0">
+                          <a:effectLst/>
+                        </a:rPr>
+                        <a:t>Agree </a:t>
+                      </a:r>
+                      <a:endParaRPr lang="en-US" sz="1600" dirty="0">
+                        <a:effectLst/>
+                        <a:latin typeface="Calibri" panose="020F0502020204030204" pitchFamily="34" charset="0"/>
+                        <a:ea typeface="Calibri" panose="020F0502020204030204" pitchFamily="34" charset="0"/>
+                        <a:cs typeface="Times New Roman" panose="02020603050405020304" pitchFamily="18" charset="0"/>
+                      </a:endParaRPr>
+                    </a:p>
+                  </a:txBody>
+                  <a:tcPr marL="68580" marR="68580" marT="0" marB="0"/>
+                </a:tc>
+                <a:tc>
+                  <a:txBody>
+                    <a:bodyPr/>
+                    <a:lstStyle/>
+                    <a:p>
+                      <a:pPr marL="0" marR="0">
+                        <a:lnSpc>
+                          <a:spcPct val="107000"/>
+                        </a:lnSpc>
+                        <a:spcBef>
+                          <a:spcPts val="0"/>
+                        </a:spcBef>
+                        <a:spcAft>
+                          <a:spcPts val="0"/>
+                        </a:spcAft>
+                      </a:pPr>
+                      <a:r>
+                        <a:rPr lang="en-US" sz="1600">
+                          <a:effectLst/>
+                        </a:rPr>
+                        <a:t>Disagree</a:t>
+                      </a:r>
+                      <a:endParaRPr lang="en-US" sz="1600">
+                        <a:effectLst/>
+                        <a:latin typeface="Calibri" panose="020F0502020204030204" pitchFamily="34" charset="0"/>
+                        <a:ea typeface="Calibri" panose="020F0502020204030204" pitchFamily="34" charset="0"/>
+                        <a:cs typeface="Times New Roman" panose="02020603050405020304" pitchFamily="18" charset="0"/>
+                      </a:endParaRPr>
+                    </a:p>
+                  </a:txBody>
+                  <a:tcPr marL="68580" marR="68580" marT="0" marB="0"/>
+                </a:tc>
+                <a:tc>
+                  <a:txBody>
+                    <a:bodyPr/>
+                    <a:lstStyle/>
+                    <a:p>
+                      <a:pPr marL="0" marR="0">
+                        <a:lnSpc>
+                          <a:spcPct val="107000"/>
+                        </a:lnSpc>
+                        <a:spcBef>
+                          <a:spcPts val="0"/>
+                        </a:spcBef>
+                        <a:spcAft>
+                          <a:spcPts val="0"/>
+                        </a:spcAft>
+                      </a:pPr>
+                      <a:r>
+                        <a:rPr lang="en-US" sz="1600">
+                          <a:effectLst/>
+                        </a:rPr>
+                        <a:t>Discuss</a:t>
+                      </a:r>
+                      <a:endParaRPr lang="en-US" sz="1600">
+                        <a:effectLst/>
+                        <a:latin typeface="Calibri" panose="020F0502020204030204" pitchFamily="34" charset="0"/>
+                        <a:ea typeface="Calibri" panose="020F0502020204030204" pitchFamily="34" charset="0"/>
+                        <a:cs typeface="Times New Roman" panose="02020603050405020304" pitchFamily="18" charset="0"/>
+                      </a:endParaRPr>
+                    </a:p>
+                  </a:txBody>
+                  <a:tcPr marL="68580" marR="68580" marT="0" marB="0"/>
+                </a:tc>
+                <a:tc>
+                  <a:txBody>
+                    <a:bodyPr/>
+                    <a:lstStyle/>
+                    <a:p>
+                      <a:pPr marL="0" marR="0">
+                        <a:lnSpc>
+                          <a:spcPct val="107000"/>
+                        </a:lnSpc>
+                        <a:spcBef>
+                          <a:spcPts val="0"/>
+                        </a:spcBef>
+                        <a:spcAft>
+                          <a:spcPts val="0"/>
+                        </a:spcAft>
+                      </a:pPr>
+                      <a:r>
+                        <a:rPr lang="en-US" sz="1600" dirty="0">
+                          <a:effectLst/>
+                        </a:rPr>
+                        <a:t>Unrelated</a:t>
+                      </a:r>
+                      <a:endParaRPr lang="en-US" sz="1600" dirty="0">
+                        <a:effectLst/>
+                        <a:latin typeface="Calibri" panose="020F0502020204030204" pitchFamily="34" charset="0"/>
+                        <a:ea typeface="Calibri" panose="020F0502020204030204" pitchFamily="34" charset="0"/>
+                        <a:cs typeface="Times New Roman" panose="02020603050405020304" pitchFamily="18" charset="0"/>
+                      </a:endParaRPr>
+                    </a:p>
+                  </a:txBody>
+                  <a:tcPr marL="68580" marR="68580" marT="0" marB="0"/>
+                </a:tc>
+                <a:tc>
+                  <a:txBody>
+                    <a:bodyPr/>
+                    <a:lstStyle/>
+                    <a:p>
+                      <a:pPr marL="0" marR="0">
+                        <a:lnSpc>
+                          <a:spcPct val="107000"/>
+                        </a:lnSpc>
+                        <a:spcBef>
+                          <a:spcPts val="0"/>
+                        </a:spcBef>
+                        <a:spcAft>
+                          <a:spcPts val="0"/>
+                        </a:spcAft>
+                      </a:pPr>
+                      <a:r>
+                        <a:rPr lang="en-US" sz="1600">
+                          <a:effectLst/>
+                        </a:rPr>
+                        <a:t>Overall</a:t>
+                      </a:r>
+                      <a:endParaRPr lang="en-US" sz="1600">
+                        <a:effectLst/>
+                        <a:latin typeface="Calibri" panose="020F0502020204030204" pitchFamily="34" charset="0"/>
+                        <a:ea typeface="Calibri" panose="020F0502020204030204" pitchFamily="34" charset="0"/>
+                        <a:cs typeface="Times New Roman" panose="02020603050405020304" pitchFamily="18" charset="0"/>
+                      </a:endParaRPr>
+                    </a:p>
+                  </a:txBody>
+                  <a:tcPr marL="68580" marR="68580" marT="0" marB="0"/>
+                </a:tc>
+              </a:tr>
+              <a:tr h="322260">
+                <a:tc>
+                  <a:txBody>
+                    <a:bodyPr/>
+                    <a:lstStyle/>
+                    <a:p>
+                      <a:pPr marL="0" marR="0">
+                        <a:lnSpc>
+                          <a:spcPct val="107000"/>
+                        </a:lnSpc>
+                        <a:spcBef>
+                          <a:spcPts val="0"/>
+                        </a:spcBef>
+                        <a:spcAft>
+                          <a:spcPts val="0"/>
+                        </a:spcAft>
+                      </a:pPr>
+                      <a:r>
+                        <a:rPr lang="en-US" sz="1600">
+                          <a:effectLst/>
+                        </a:rPr>
+                        <a:t>Agree</a:t>
+                      </a:r>
+                      <a:endParaRPr lang="en-US" sz="1600">
+                        <a:effectLst/>
+                        <a:latin typeface="Calibri" panose="020F0502020204030204" pitchFamily="34" charset="0"/>
+                        <a:ea typeface="Calibri" panose="020F0502020204030204" pitchFamily="34" charset="0"/>
+                        <a:cs typeface="Times New Roman" panose="02020603050405020304" pitchFamily="18" charset="0"/>
+                      </a:endParaRPr>
+                    </a:p>
+                  </a:txBody>
+                  <a:tcPr marL="68580" marR="68580" marT="0" marB="0"/>
+                </a:tc>
+                <a:tc>
+                  <a:txBody>
+                    <a:bodyPr/>
+                    <a:lstStyle/>
+                    <a:p>
+                      <a:pPr marL="0" marR="0">
+                        <a:lnSpc>
+                          <a:spcPct val="107000"/>
+                        </a:lnSpc>
+                        <a:spcBef>
+                          <a:spcPts val="0"/>
+                        </a:spcBef>
+                        <a:spcAft>
+                          <a:spcPts val="0"/>
+                        </a:spcAft>
+                      </a:pPr>
+                      <a:r>
+                        <a:rPr lang="en-US" sz="1600">
+                          <a:effectLst/>
+                        </a:rPr>
+                        <a:t>799</a:t>
+                      </a:r>
+                      <a:endParaRPr lang="en-US" sz="1600">
+                        <a:effectLst/>
+                        <a:latin typeface="Calibri" panose="020F0502020204030204" pitchFamily="34" charset="0"/>
+                        <a:ea typeface="Calibri" panose="020F0502020204030204" pitchFamily="34" charset="0"/>
+                        <a:cs typeface="Times New Roman" panose="02020603050405020304" pitchFamily="18" charset="0"/>
+                      </a:endParaRPr>
+                    </a:p>
+                  </a:txBody>
+                  <a:tcPr marL="68580" marR="68580" marT="0" marB="0"/>
+                </a:tc>
+                <a:tc>
+                  <a:txBody>
+                    <a:bodyPr/>
+                    <a:lstStyle/>
+                    <a:p>
+                      <a:pPr marL="0" marR="0">
+                        <a:lnSpc>
+                          <a:spcPct val="107000"/>
+                        </a:lnSpc>
+                        <a:spcBef>
+                          <a:spcPts val="0"/>
+                        </a:spcBef>
+                        <a:spcAft>
+                          <a:spcPts val="0"/>
+                        </a:spcAft>
+                      </a:pPr>
+                      <a:r>
+                        <a:rPr lang="en-US" sz="1600">
+                          <a:effectLst/>
+                        </a:rPr>
+                        <a:t>6</a:t>
+                      </a:r>
+                      <a:endParaRPr lang="en-US" sz="1600">
+                        <a:effectLst/>
+                        <a:latin typeface="Calibri" panose="020F0502020204030204" pitchFamily="34" charset="0"/>
+                        <a:ea typeface="Calibri" panose="020F0502020204030204" pitchFamily="34" charset="0"/>
+                        <a:cs typeface="Times New Roman" panose="02020603050405020304" pitchFamily="18" charset="0"/>
+                      </a:endParaRPr>
+                    </a:p>
+                  </a:txBody>
+                  <a:tcPr marL="68580" marR="68580" marT="0" marB="0"/>
+                </a:tc>
+                <a:tc>
+                  <a:txBody>
+                    <a:bodyPr/>
+                    <a:lstStyle/>
+                    <a:p>
+                      <a:pPr marL="0" marR="0">
+                        <a:lnSpc>
+                          <a:spcPct val="107000"/>
+                        </a:lnSpc>
+                        <a:spcBef>
+                          <a:spcPts val="0"/>
+                        </a:spcBef>
+                        <a:spcAft>
+                          <a:spcPts val="0"/>
+                        </a:spcAft>
+                      </a:pPr>
+                      <a:r>
+                        <a:rPr lang="en-US" sz="1600">
+                          <a:effectLst/>
+                        </a:rPr>
+                        <a:t>816</a:t>
+                      </a:r>
+                      <a:endParaRPr lang="en-US" sz="1600">
+                        <a:effectLst/>
+                        <a:latin typeface="Calibri" panose="020F0502020204030204" pitchFamily="34" charset="0"/>
+                        <a:ea typeface="Calibri" panose="020F0502020204030204" pitchFamily="34" charset="0"/>
+                        <a:cs typeface="Times New Roman" panose="02020603050405020304" pitchFamily="18" charset="0"/>
+                      </a:endParaRPr>
+                    </a:p>
+                  </a:txBody>
+                  <a:tcPr marL="68580" marR="68580" marT="0" marB="0"/>
+                </a:tc>
+                <a:tc>
+                  <a:txBody>
+                    <a:bodyPr/>
+                    <a:lstStyle/>
+                    <a:p>
+                      <a:pPr marL="0" marR="0">
+                        <a:lnSpc>
+                          <a:spcPct val="107000"/>
+                        </a:lnSpc>
+                        <a:spcBef>
+                          <a:spcPts val="0"/>
+                        </a:spcBef>
+                        <a:spcAft>
+                          <a:spcPts val="0"/>
+                        </a:spcAft>
+                      </a:pPr>
+                      <a:r>
+                        <a:rPr lang="en-US" sz="1600">
+                          <a:effectLst/>
+                        </a:rPr>
+                        <a:t>282</a:t>
+                      </a:r>
+                      <a:endParaRPr lang="en-US" sz="1600">
+                        <a:effectLst/>
+                        <a:latin typeface="Calibri" panose="020F0502020204030204" pitchFamily="34" charset="0"/>
+                        <a:ea typeface="Calibri" panose="020F0502020204030204" pitchFamily="34" charset="0"/>
+                        <a:cs typeface="Times New Roman" panose="02020603050405020304" pitchFamily="18" charset="0"/>
+                      </a:endParaRPr>
+                    </a:p>
+                  </a:txBody>
+                  <a:tcPr marL="68580" marR="68580" marT="0" marB="0"/>
+                </a:tc>
+                <a:tc>
+                  <a:txBody>
+                    <a:bodyPr/>
+                    <a:lstStyle/>
+                    <a:p>
+                      <a:pPr marL="0" marR="0">
+                        <a:lnSpc>
+                          <a:spcPct val="107000"/>
+                        </a:lnSpc>
+                        <a:spcBef>
+                          <a:spcPts val="0"/>
+                        </a:spcBef>
+                        <a:spcAft>
+                          <a:spcPts val="0"/>
+                        </a:spcAft>
+                      </a:pPr>
+                      <a:r>
+                        <a:rPr lang="en-US" sz="1600">
+                          <a:effectLst/>
+                        </a:rPr>
+                        <a:t>1903</a:t>
+                      </a:r>
+                      <a:endParaRPr lang="en-US" sz="1600">
+                        <a:effectLst/>
+                        <a:latin typeface="Calibri" panose="020F0502020204030204" pitchFamily="34" charset="0"/>
+                        <a:ea typeface="Calibri" panose="020F0502020204030204" pitchFamily="34" charset="0"/>
+                        <a:cs typeface="Times New Roman" panose="02020603050405020304" pitchFamily="18" charset="0"/>
+                      </a:endParaRPr>
+                    </a:p>
+                  </a:txBody>
+                  <a:tcPr marL="68580" marR="68580" marT="0" marB="0"/>
+                </a:tc>
+              </a:tr>
+              <a:tr h="322260">
+                <a:tc>
+                  <a:txBody>
+                    <a:bodyPr/>
+                    <a:lstStyle/>
+                    <a:p>
+                      <a:pPr marL="0" marR="0">
+                        <a:lnSpc>
+                          <a:spcPct val="107000"/>
+                        </a:lnSpc>
+                        <a:spcBef>
+                          <a:spcPts val="0"/>
+                        </a:spcBef>
+                        <a:spcAft>
+                          <a:spcPts val="0"/>
+                        </a:spcAft>
+                      </a:pPr>
+                      <a:r>
+                        <a:rPr lang="en-US" sz="1600">
+                          <a:effectLst/>
+                        </a:rPr>
+                        <a:t>Disagree</a:t>
+                      </a:r>
+                      <a:endParaRPr lang="en-US" sz="1600">
+                        <a:effectLst/>
+                        <a:latin typeface="Calibri" panose="020F0502020204030204" pitchFamily="34" charset="0"/>
+                        <a:ea typeface="Calibri" panose="020F0502020204030204" pitchFamily="34" charset="0"/>
+                        <a:cs typeface="Times New Roman" panose="02020603050405020304" pitchFamily="18" charset="0"/>
+                      </a:endParaRPr>
+                    </a:p>
+                  </a:txBody>
+                  <a:tcPr marL="68580" marR="68580" marT="0" marB="0"/>
+                </a:tc>
+                <a:tc>
+                  <a:txBody>
+                    <a:bodyPr/>
+                    <a:lstStyle/>
+                    <a:p>
+                      <a:pPr marL="0" marR="0">
+                        <a:lnSpc>
+                          <a:spcPct val="107000"/>
+                        </a:lnSpc>
+                        <a:spcBef>
+                          <a:spcPts val="0"/>
+                        </a:spcBef>
+                        <a:spcAft>
+                          <a:spcPts val="0"/>
+                        </a:spcAft>
+                      </a:pPr>
+                      <a:r>
+                        <a:rPr lang="en-US" sz="1600">
+                          <a:effectLst/>
+                        </a:rPr>
+                        <a:t>130</a:t>
+                      </a:r>
+                      <a:endParaRPr lang="en-US" sz="1600">
+                        <a:effectLst/>
+                        <a:latin typeface="Calibri" panose="020F0502020204030204" pitchFamily="34" charset="0"/>
+                        <a:ea typeface="Calibri" panose="020F0502020204030204" pitchFamily="34" charset="0"/>
+                        <a:cs typeface="Times New Roman" panose="02020603050405020304" pitchFamily="18" charset="0"/>
+                      </a:endParaRPr>
+                    </a:p>
+                  </a:txBody>
+                  <a:tcPr marL="68580" marR="68580" marT="0" marB="0"/>
+                </a:tc>
+                <a:tc>
+                  <a:txBody>
+                    <a:bodyPr/>
+                    <a:lstStyle/>
+                    <a:p>
+                      <a:pPr marL="0" marR="0">
+                        <a:lnSpc>
+                          <a:spcPct val="107000"/>
+                        </a:lnSpc>
+                        <a:spcBef>
+                          <a:spcPts val="0"/>
+                        </a:spcBef>
+                        <a:spcAft>
+                          <a:spcPts val="0"/>
+                        </a:spcAft>
+                      </a:pPr>
+                      <a:r>
+                        <a:rPr lang="en-US" sz="1600">
+                          <a:effectLst/>
+                        </a:rPr>
+                        <a:t>2</a:t>
+                      </a:r>
+                      <a:endParaRPr lang="en-US" sz="1600">
+                        <a:effectLst/>
+                        <a:latin typeface="Calibri" panose="020F0502020204030204" pitchFamily="34" charset="0"/>
+                        <a:ea typeface="Calibri" panose="020F0502020204030204" pitchFamily="34" charset="0"/>
+                        <a:cs typeface="Times New Roman" panose="02020603050405020304" pitchFamily="18" charset="0"/>
+                      </a:endParaRPr>
+                    </a:p>
+                  </a:txBody>
+                  <a:tcPr marL="68580" marR="68580" marT="0" marB="0"/>
+                </a:tc>
+                <a:tc>
+                  <a:txBody>
+                    <a:bodyPr/>
+                    <a:lstStyle/>
+                    <a:p>
+                      <a:pPr marL="0" marR="0">
+                        <a:lnSpc>
+                          <a:spcPct val="107000"/>
+                        </a:lnSpc>
+                        <a:spcBef>
+                          <a:spcPts val="0"/>
+                        </a:spcBef>
+                        <a:spcAft>
+                          <a:spcPts val="0"/>
+                        </a:spcAft>
+                      </a:pPr>
+                      <a:r>
+                        <a:rPr lang="en-US" sz="1600">
+                          <a:effectLst/>
+                        </a:rPr>
+                        <a:t>317</a:t>
+                      </a:r>
+                      <a:endParaRPr lang="en-US" sz="1600">
+                        <a:effectLst/>
+                        <a:latin typeface="Calibri" panose="020F0502020204030204" pitchFamily="34" charset="0"/>
+                        <a:ea typeface="Calibri" panose="020F0502020204030204" pitchFamily="34" charset="0"/>
+                        <a:cs typeface="Times New Roman" panose="02020603050405020304" pitchFamily="18" charset="0"/>
+                      </a:endParaRPr>
+                    </a:p>
+                  </a:txBody>
+                  <a:tcPr marL="68580" marR="68580" marT="0" marB="0"/>
+                </a:tc>
+                <a:tc>
+                  <a:txBody>
+                    <a:bodyPr/>
+                    <a:lstStyle/>
+                    <a:p>
+                      <a:pPr marL="0" marR="0">
+                        <a:lnSpc>
+                          <a:spcPct val="107000"/>
+                        </a:lnSpc>
+                        <a:spcBef>
+                          <a:spcPts val="0"/>
+                        </a:spcBef>
+                        <a:spcAft>
+                          <a:spcPts val="0"/>
+                        </a:spcAft>
+                      </a:pPr>
+                      <a:r>
+                        <a:rPr lang="en-US" sz="1600">
+                          <a:effectLst/>
+                        </a:rPr>
+                        <a:t>248</a:t>
+                      </a:r>
+                      <a:endParaRPr lang="en-US" sz="1600">
+                        <a:effectLst/>
+                        <a:latin typeface="Calibri" panose="020F0502020204030204" pitchFamily="34" charset="0"/>
+                        <a:ea typeface="Calibri" panose="020F0502020204030204" pitchFamily="34" charset="0"/>
+                        <a:cs typeface="Times New Roman" panose="02020603050405020304" pitchFamily="18" charset="0"/>
+                      </a:endParaRPr>
+                    </a:p>
+                  </a:txBody>
+                  <a:tcPr marL="68580" marR="68580" marT="0" marB="0"/>
+                </a:tc>
+                <a:tc>
+                  <a:txBody>
+                    <a:bodyPr/>
+                    <a:lstStyle/>
+                    <a:p>
+                      <a:pPr marL="0" marR="0">
+                        <a:lnSpc>
+                          <a:spcPct val="107000"/>
+                        </a:lnSpc>
+                        <a:spcBef>
+                          <a:spcPts val="0"/>
+                        </a:spcBef>
+                        <a:spcAft>
+                          <a:spcPts val="0"/>
+                        </a:spcAft>
+                      </a:pPr>
+                      <a:r>
+                        <a:rPr lang="en-US" sz="1600">
+                          <a:effectLst/>
+                        </a:rPr>
+                        <a:t>697</a:t>
+                      </a:r>
+                      <a:endParaRPr lang="en-US" sz="1600">
+                        <a:effectLst/>
+                        <a:latin typeface="Calibri" panose="020F0502020204030204" pitchFamily="34" charset="0"/>
+                        <a:ea typeface="Calibri" panose="020F0502020204030204" pitchFamily="34" charset="0"/>
+                        <a:cs typeface="Times New Roman" panose="02020603050405020304" pitchFamily="18" charset="0"/>
+                      </a:endParaRPr>
+                    </a:p>
+                  </a:txBody>
+                  <a:tcPr marL="68580" marR="68580" marT="0" marB="0"/>
+                </a:tc>
+              </a:tr>
+              <a:tr h="322260">
+                <a:tc>
+                  <a:txBody>
+                    <a:bodyPr/>
+                    <a:lstStyle/>
+                    <a:p>
+                      <a:pPr marL="0" marR="0">
+                        <a:lnSpc>
+                          <a:spcPct val="107000"/>
+                        </a:lnSpc>
+                        <a:spcBef>
+                          <a:spcPts val="0"/>
+                        </a:spcBef>
+                        <a:spcAft>
+                          <a:spcPts val="0"/>
+                        </a:spcAft>
+                      </a:pPr>
+                      <a:r>
+                        <a:rPr lang="en-US" sz="1600">
+                          <a:effectLst/>
+                        </a:rPr>
+                        <a:t>Discuss</a:t>
+                      </a:r>
+                      <a:endParaRPr lang="en-US" sz="1600">
+                        <a:effectLst/>
+                        <a:latin typeface="Calibri" panose="020F0502020204030204" pitchFamily="34" charset="0"/>
+                        <a:ea typeface="Calibri" panose="020F0502020204030204" pitchFamily="34" charset="0"/>
+                        <a:cs typeface="Times New Roman" panose="02020603050405020304" pitchFamily="18" charset="0"/>
+                      </a:endParaRPr>
+                    </a:p>
+                  </a:txBody>
+                  <a:tcPr marL="68580" marR="68580" marT="0" marB="0"/>
+                </a:tc>
+                <a:tc>
+                  <a:txBody>
+                    <a:bodyPr/>
+                    <a:lstStyle/>
+                    <a:p>
+                      <a:pPr marL="0" marR="0">
+                        <a:lnSpc>
+                          <a:spcPct val="107000"/>
+                        </a:lnSpc>
+                        <a:spcBef>
+                          <a:spcPts val="0"/>
+                        </a:spcBef>
+                        <a:spcAft>
+                          <a:spcPts val="0"/>
+                        </a:spcAft>
+                      </a:pPr>
+                      <a:r>
+                        <a:rPr lang="en-US" sz="1600">
+                          <a:effectLst/>
+                        </a:rPr>
+                        <a:t>615</a:t>
+                      </a:r>
+                      <a:endParaRPr lang="en-US" sz="1600">
+                        <a:effectLst/>
+                        <a:latin typeface="Calibri" panose="020F0502020204030204" pitchFamily="34" charset="0"/>
+                        <a:ea typeface="Calibri" panose="020F0502020204030204" pitchFamily="34" charset="0"/>
+                        <a:cs typeface="Times New Roman" panose="02020603050405020304" pitchFamily="18" charset="0"/>
+                      </a:endParaRPr>
+                    </a:p>
+                  </a:txBody>
+                  <a:tcPr marL="68580" marR="68580" marT="0" marB="0"/>
+                </a:tc>
+                <a:tc>
+                  <a:txBody>
+                    <a:bodyPr/>
+                    <a:lstStyle/>
+                    <a:p>
+                      <a:pPr marL="0" marR="0">
+                        <a:lnSpc>
+                          <a:spcPct val="107000"/>
+                        </a:lnSpc>
+                        <a:spcBef>
+                          <a:spcPts val="0"/>
+                        </a:spcBef>
+                        <a:spcAft>
+                          <a:spcPts val="0"/>
+                        </a:spcAft>
+                      </a:pPr>
+                      <a:r>
+                        <a:rPr lang="en-US" sz="1600">
+                          <a:effectLst/>
+                        </a:rPr>
+                        <a:t>2</a:t>
+                      </a:r>
+                      <a:endParaRPr lang="en-US" sz="1600">
+                        <a:effectLst/>
+                        <a:latin typeface="Calibri" panose="020F0502020204030204" pitchFamily="34" charset="0"/>
+                        <a:ea typeface="Calibri" panose="020F0502020204030204" pitchFamily="34" charset="0"/>
+                        <a:cs typeface="Times New Roman" panose="02020603050405020304" pitchFamily="18" charset="0"/>
+                      </a:endParaRPr>
+                    </a:p>
+                  </a:txBody>
+                  <a:tcPr marL="68580" marR="68580" marT="0" marB="0"/>
+                </a:tc>
+                <a:tc>
+                  <a:txBody>
+                    <a:bodyPr/>
+                    <a:lstStyle/>
+                    <a:p>
+                      <a:pPr marL="0" marR="0">
+                        <a:lnSpc>
+                          <a:spcPct val="107000"/>
+                        </a:lnSpc>
+                        <a:spcBef>
+                          <a:spcPts val="0"/>
+                        </a:spcBef>
+                        <a:spcAft>
+                          <a:spcPts val="0"/>
+                        </a:spcAft>
+                      </a:pPr>
+                      <a:r>
+                        <a:rPr lang="en-US" sz="1600">
+                          <a:effectLst/>
+                        </a:rPr>
+                        <a:t>3241</a:t>
+                      </a:r>
+                      <a:endParaRPr lang="en-US" sz="1600">
+                        <a:effectLst/>
+                        <a:latin typeface="Calibri" panose="020F0502020204030204" pitchFamily="34" charset="0"/>
+                        <a:ea typeface="Calibri" panose="020F0502020204030204" pitchFamily="34" charset="0"/>
+                        <a:cs typeface="Times New Roman" panose="02020603050405020304" pitchFamily="18" charset="0"/>
+                      </a:endParaRPr>
+                    </a:p>
+                  </a:txBody>
+                  <a:tcPr marL="68580" marR="68580" marT="0" marB="0"/>
+                </a:tc>
+                <a:tc>
+                  <a:txBody>
+                    <a:bodyPr/>
+                    <a:lstStyle/>
+                    <a:p>
+                      <a:pPr marL="0" marR="0">
+                        <a:lnSpc>
+                          <a:spcPct val="107000"/>
+                        </a:lnSpc>
+                        <a:spcBef>
+                          <a:spcPts val="0"/>
+                        </a:spcBef>
+                        <a:spcAft>
+                          <a:spcPts val="0"/>
+                        </a:spcAft>
+                      </a:pPr>
+                      <a:r>
+                        <a:rPr lang="en-US" sz="1600">
+                          <a:effectLst/>
+                        </a:rPr>
+                        <a:t>606</a:t>
+                      </a:r>
+                      <a:endParaRPr lang="en-US" sz="1600">
+                        <a:effectLst/>
+                        <a:latin typeface="Calibri" panose="020F0502020204030204" pitchFamily="34" charset="0"/>
+                        <a:ea typeface="Calibri" panose="020F0502020204030204" pitchFamily="34" charset="0"/>
+                        <a:cs typeface="Times New Roman" panose="02020603050405020304" pitchFamily="18" charset="0"/>
+                      </a:endParaRPr>
+                    </a:p>
+                  </a:txBody>
+                  <a:tcPr marL="68580" marR="68580" marT="0" marB="0"/>
+                </a:tc>
+                <a:tc>
+                  <a:txBody>
+                    <a:bodyPr/>
+                    <a:lstStyle/>
+                    <a:p>
+                      <a:pPr marL="0" marR="0">
+                        <a:lnSpc>
+                          <a:spcPct val="107000"/>
+                        </a:lnSpc>
+                        <a:spcBef>
+                          <a:spcPts val="0"/>
+                        </a:spcBef>
+                        <a:spcAft>
+                          <a:spcPts val="0"/>
+                        </a:spcAft>
+                      </a:pPr>
+                      <a:r>
+                        <a:rPr lang="en-US" sz="1600">
+                          <a:effectLst/>
+                        </a:rPr>
+                        <a:t>4464</a:t>
+                      </a:r>
+                      <a:endParaRPr lang="en-US" sz="1600">
+                        <a:effectLst/>
+                        <a:latin typeface="Calibri" panose="020F0502020204030204" pitchFamily="34" charset="0"/>
+                        <a:ea typeface="Calibri" panose="020F0502020204030204" pitchFamily="34" charset="0"/>
+                        <a:cs typeface="Times New Roman" panose="02020603050405020304" pitchFamily="18" charset="0"/>
+                      </a:endParaRPr>
+                    </a:p>
+                  </a:txBody>
+                  <a:tcPr marL="68580" marR="68580" marT="0" marB="0"/>
+                </a:tc>
+              </a:tr>
+              <a:tr h="322260">
+                <a:tc>
+                  <a:txBody>
+                    <a:bodyPr/>
+                    <a:lstStyle/>
+                    <a:p>
+                      <a:pPr marL="0" marR="0">
+                        <a:lnSpc>
+                          <a:spcPct val="107000"/>
+                        </a:lnSpc>
+                        <a:spcBef>
+                          <a:spcPts val="0"/>
+                        </a:spcBef>
+                        <a:spcAft>
+                          <a:spcPts val="0"/>
+                        </a:spcAft>
+                      </a:pPr>
+                      <a:r>
+                        <a:rPr lang="en-US" sz="1600">
+                          <a:effectLst/>
+                        </a:rPr>
+                        <a:t>Unrelated</a:t>
+                      </a:r>
+                      <a:endParaRPr lang="en-US" sz="1600">
+                        <a:effectLst/>
+                        <a:latin typeface="Calibri" panose="020F0502020204030204" pitchFamily="34" charset="0"/>
+                        <a:ea typeface="Calibri" panose="020F0502020204030204" pitchFamily="34" charset="0"/>
+                        <a:cs typeface="Times New Roman" panose="02020603050405020304" pitchFamily="18" charset="0"/>
+                      </a:endParaRPr>
+                    </a:p>
+                  </a:txBody>
+                  <a:tcPr marL="68580" marR="68580" marT="0" marB="0"/>
+                </a:tc>
+                <a:tc>
+                  <a:txBody>
+                    <a:bodyPr/>
+                    <a:lstStyle/>
+                    <a:p>
+                      <a:pPr marL="0" marR="0">
+                        <a:lnSpc>
+                          <a:spcPct val="107000"/>
+                        </a:lnSpc>
+                        <a:spcBef>
+                          <a:spcPts val="0"/>
+                        </a:spcBef>
+                        <a:spcAft>
+                          <a:spcPts val="0"/>
+                        </a:spcAft>
+                      </a:pPr>
+                      <a:r>
+                        <a:rPr lang="en-US" sz="1600">
+                          <a:effectLst/>
+                        </a:rPr>
+                        <a:t>60</a:t>
+                      </a:r>
+                      <a:endParaRPr lang="en-US" sz="1600">
+                        <a:effectLst/>
+                        <a:latin typeface="Calibri" panose="020F0502020204030204" pitchFamily="34" charset="0"/>
+                        <a:ea typeface="Calibri" panose="020F0502020204030204" pitchFamily="34" charset="0"/>
+                        <a:cs typeface="Times New Roman" panose="02020603050405020304" pitchFamily="18" charset="0"/>
+                      </a:endParaRPr>
+                    </a:p>
+                  </a:txBody>
+                  <a:tcPr marL="68580" marR="68580" marT="0" marB="0"/>
+                </a:tc>
+                <a:tc>
+                  <a:txBody>
+                    <a:bodyPr/>
+                    <a:lstStyle/>
+                    <a:p>
+                      <a:pPr marL="0" marR="0">
+                        <a:lnSpc>
+                          <a:spcPct val="107000"/>
+                        </a:lnSpc>
+                        <a:spcBef>
+                          <a:spcPts val="0"/>
+                        </a:spcBef>
+                        <a:spcAft>
+                          <a:spcPts val="0"/>
+                        </a:spcAft>
+                      </a:pPr>
+                      <a:r>
+                        <a:rPr lang="en-US" sz="1600">
+                          <a:effectLst/>
+                        </a:rPr>
+                        <a:t>0</a:t>
+                      </a:r>
+                      <a:endParaRPr lang="en-US" sz="1600">
+                        <a:effectLst/>
+                        <a:latin typeface="Calibri" panose="020F0502020204030204" pitchFamily="34" charset="0"/>
+                        <a:ea typeface="Calibri" panose="020F0502020204030204" pitchFamily="34" charset="0"/>
+                        <a:cs typeface="Times New Roman" panose="02020603050405020304" pitchFamily="18" charset="0"/>
+                      </a:endParaRPr>
+                    </a:p>
+                  </a:txBody>
+                  <a:tcPr marL="68580" marR="68580" marT="0" marB="0"/>
+                </a:tc>
+                <a:tc>
+                  <a:txBody>
+                    <a:bodyPr/>
+                    <a:lstStyle/>
+                    <a:p>
+                      <a:pPr marL="0" marR="0">
+                        <a:lnSpc>
+                          <a:spcPct val="107000"/>
+                        </a:lnSpc>
+                        <a:spcBef>
+                          <a:spcPts val="0"/>
+                        </a:spcBef>
+                        <a:spcAft>
+                          <a:spcPts val="0"/>
+                        </a:spcAft>
+                      </a:pPr>
+                      <a:r>
+                        <a:rPr lang="en-US" sz="1600">
+                          <a:effectLst/>
+                        </a:rPr>
+                        <a:t>328</a:t>
+                      </a:r>
+                      <a:endParaRPr lang="en-US" sz="1600">
+                        <a:effectLst/>
+                        <a:latin typeface="Calibri" panose="020F0502020204030204" pitchFamily="34" charset="0"/>
+                        <a:ea typeface="Calibri" panose="020F0502020204030204" pitchFamily="34" charset="0"/>
+                        <a:cs typeface="Times New Roman" panose="02020603050405020304" pitchFamily="18" charset="0"/>
+                      </a:endParaRPr>
+                    </a:p>
+                  </a:txBody>
+                  <a:tcPr marL="68580" marR="68580" marT="0" marB="0"/>
+                </a:tc>
+                <a:tc>
+                  <a:txBody>
+                    <a:bodyPr/>
+                    <a:lstStyle/>
+                    <a:p>
+                      <a:pPr marL="0" marR="0">
+                        <a:lnSpc>
+                          <a:spcPct val="107000"/>
+                        </a:lnSpc>
+                        <a:spcBef>
+                          <a:spcPts val="0"/>
+                        </a:spcBef>
+                        <a:spcAft>
+                          <a:spcPts val="0"/>
+                        </a:spcAft>
+                      </a:pPr>
+                      <a:r>
+                        <a:rPr lang="en-US" sz="1600">
+                          <a:effectLst/>
+                        </a:rPr>
+                        <a:t>17961</a:t>
+                      </a:r>
+                      <a:endParaRPr lang="en-US" sz="1600">
+                        <a:effectLst/>
+                        <a:latin typeface="Calibri" panose="020F0502020204030204" pitchFamily="34" charset="0"/>
+                        <a:ea typeface="Calibri" panose="020F0502020204030204" pitchFamily="34" charset="0"/>
+                        <a:cs typeface="Times New Roman" panose="02020603050405020304" pitchFamily="18" charset="0"/>
+                      </a:endParaRPr>
+                    </a:p>
+                  </a:txBody>
+                  <a:tcPr marL="68580" marR="68580" marT="0" marB="0"/>
+                </a:tc>
+                <a:tc>
+                  <a:txBody>
+                    <a:bodyPr/>
+                    <a:lstStyle/>
+                    <a:p>
+                      <a:pPr marL="0" marR="0">
+                        <a:lnSpc>
+                          <a:spcPct val="107000"/>
+                        </a:lnSpc>
+                        <a:spcBef>
+                          <a:spcPts val="0"/>
+                        </a:spcBef>
+                        <a:spcAft>
+                          <a:spcPts val="0"/>
+                        </a:spcAft>
+                      </a:pPr>
+                      <a:r>
+                        <a:rPr lang="en-US" sz="1600">
+                          <a:effectLst/>
+                        </a:rPr>
+                        <a:t>18349</a:t>
+                      </a:r>
+                      <a:endParaRPr lang="en-US" sz="1600">
+                        <a:effectLst/>
+                        <a:latin typeface="Calibri" panose="020F0502020204030204" pitchFamily="34" charset="0"/>
+                        <a:ea typeface="Calibri" panose="020F0502020204030204" pitchFamily="34" charset="0"/>
+                        <a:cs typeface="Times New Roman" panose="02020603050405020304" pitchFamily="18" charset="0"/>
+                      </a:endParaRPr>
+                    </a:p>
+                  </a:txBody>
+                  <a:tcPr marL="68580" marR="68580" marT="0" marB="0"/>
+                </a:tc>
+              </a:tr>
+              <a:tr h="322260">
+                <a:tc>
+                  <a:txBody>
+                    <a:bodyPr/>
+                    <a:lstStyle/>
+                    <a:p>
+                      <a:pPr marL="0" marR="0">
+                        <a:lnSpc>
+                          <a:spcPct val="107000"/>
+                        </a:lnSpc>
+                        <a:spcBef>
+                          <a:spcPts val="0"/>
+                        </a:spcBef>
+                        <a:spcAft>
+                          <a:spcPts val="0"/>
+                        </a:spcAft>
+                      </a:pPr>
+                      <a:r>
+                        <a:rPr lang="en-US" sz="1600">
+                          <a:effectLst/>
+                        </a:rPr>
+                        <a:t>Overall</a:t>
+                      </a:r>
+                      <a:endParaRPr lang="en-US" sz="1600">
+                        <a:effectLst/>
+                        <a:latin typeface="Calibri" panose="020F0502020204030204" pitchFamily="34" charset="0"/>
+                        <a:ea typeface="Calibri" panose="020F0502020204030204" pitchFamily="34" charset="0"/>
+                        <a:cs typeface="Times New Roman" panose="02020603050405020304" pitchFamily="18" charset="0"/>
+                      </a:endParaRPr>
+                    </a:p>
+                  </a:txBody>
+                  <a:tcPr marL="68580" marR="68580" marT="0" marB="0"/>
+                </a:tc>
+                <a:tc>
+                  <a:txBody>
+                    <a:bodyPr/>
+                    <a:lstStyle/>
+                    <a:p>
+                      <a:pPr marL="0" marR="0">
+                        <a:lnSpc>
+                          <a:spcPct val="107000"/>
+                        </a:lnSpc>
+                        <a:spcBef>
+                          <a:spcPts val="0"/>
+                        </a:spcBef>
+                        <a:spcAft>
+                          <a:spcPts val="0"/>
+                        </a:spcAft>
+                      </a:pPr>
+                      <a:r>
+                        <a:rPr lang="en-US" sz="1600">
+                          <a:effectLst/>
+                        </a:rPr>
+                        <a:t>1604</a:t>
+                      </a:r>
+                      <a:endParaRPr lang="en-US" sz="1600">
+                        <a:effectLst/>
+                        <a:latin typeface="Calibri" panose="020F0502020204030204" pitchFamily="34" charset="0"/>
+                        <a:ea typeface="Calibri" panose="020F0502020204030204" pitchFamily="34" charset="0"/>
+                        <a:cs typeface="Times New Roman" panose="02020603050405020304" pitchFamily="18" charset="0"/>
+                      </a:endParaRPr>
+                    </a:p>
+                  </a:txBody>
+                  <a:tcPr marL="68580" marR="68580" marT="0" marB="0"/>
+                </a:tc>
+                <a:tc>
+                  <a:txBody>
+                    <a:bodyPr/>
+                    <a:lstStyle/>
+                    <a:p>
+                      <a:pPr marL="0" marR="0">
+                        <a:lnSpc>
+                          <a:spcPct val="107000"/>
+                        </a:lnSpc>
+                        <a:spcBef>
+                          <a:spcPts val="0"/>
+                        </a:spcBef>
+                        <a:spcAft>
+                          <a:spcPts val="0"/>
+                        </a:spcAft>
+                      </a:pPr>
+                      <a:r>
+                        <a:rPr lang="en-US" sz="1600">
+                          <a:effectLst/>
+                        </a:rPr>
+                        <a:t>10</a:t>
+                      </a:r>
+                      <a:endParaRPr lang="en-US" sz="1600">
+                        <a:effectLst/>
+                        <a:latin typeface="Calibri" panose="020F0502020204030204" pitchFamily="34" charset="0"/>
+                        <a:ea typeface="Calibri" panose="020F0502020204030204" pitchFamily="34" charset="0"/>
+                        <a:cs typeface="Times New Roman" panose="02020603050405020304" pitchFamily="18" charset="0"/>
+                      </a:endParaRPr>
+                    </a:p>
+                  </a:txBody>
+                  <a:tcPr marL="68580" marR="68580" marT="0" marB="0"/>
+                </a:tc>
+                <a:tc>
+                  <a:txBody>
+                    <a:bodyPr/>
+                    <a:lstStyle/>
+                    <a:p>
+                      <a:pPr marL="0" marR="0">
+                        <a:lnSpc>
+                          <a:spcPct val="107000"/>
+                        </a:lnSpc>
+                        <a:spcBef>
+                          <a:spcPts val="0"/>
+                        </a:spcBef>
+                        <a:spcAft>
+                          <a:spcPts val="0"/>
+                        </a:spcAft>
+                      </a:pPr>
+                      <a:r>
+                        <a:rPr lang="en-US" sz="1600">
+                          <a:effectLst/>
+                        </a:rPr>
+                        <a:t>4702</a:t>
+                      </a:r>
+                      <a:endParaRPr lang="en-US" sz="1600">
+                        <a:effectLst/>
+                        <a:latin typeface="Calibri" panose="020F0502020204030204" pitchFamily="34" charset="0"/>
+                        <a:ea typeface="Calibri" panose="020F0502020204030204" pitchFamily="34" charset="0"/>
+                        <a:cs typeface="Times New Roman" panose="02020603050405020304" pitchFamily="18" charset="0"/>
+                      </a:endParaRPr>
+                    </a:p>
+                  </a:txBody>
+                  <a:tcPr marL="68580" marR="68580" marT="0" marB="0"/>
+                </a:tc>
+                <a:tc>
+                  <a:txBody>
+                    <a:bodyPr/>
+                    <a:lstStyle/>
+                    <a:p>
+                      <a:pPr marL="0" marR="0">
+                        <a:lnSpc>
+                          <a:spcPct val="107000"/>
+                        </a:lnSpc>
+                        <a:spcBef>
+                          <a:spcPts val="0"/>
+                        </a:spcBef>
+                        <a:spcAft>
+                          <a:spcPts val="0"/>
+                        </a:spcAft>
+                      </a:pPr>
+                      <a:r>
+                        <a:rPr lang="en-US" sz="1600">
+                          <a:effectLst/>
+                        </a:rPr>
+                        <a:t>19097</a:t>
+                      </a:r>
+                      <a:endParaRPr lang="en-US" sz="1600">
+                        <a:effectLst/>
+                        <a:latin typeface="Calibri" panose="020F0502020204030204" pitchFamily="34" charset="0"/>
+                        <a:ea typeface="Calibri" panose="020F0502020204030204" pitchFamily="34" charset="0"/>
+                        <a:cs typeface="Times New Roman" panose="02020603050405020304" pitchFamily="18" charset="0"/>
+                      </a:endParaRPr>
+                    </a:p>
+                  </a:txBody>
+                  <a:tcPr marL="68580" marR="68580" marT="0" marB="0"/>
+                </a:tc>
+                <a:tc>
+                  <a:txBody>
+                    <a:bodyPr/>
+                    <a:lstStyle/>
+                    <a:p>
+                      <a:pPr marL="0" marR="0">
+                        <a:lnSpc>
+                          <a:spcPct val="107000"/>
+                        </a:lnSpc>
+                        <a:spcBef>
+                          <a:spcPts val="0"/>
+                        </a:spcBef>
+                        <a:spcAft>
+                          <a:spcPts val="0"/>
+                        </a:spcAft>
+                      </a:pPr>
+                      <a:r>
+                        <a:rPr lang="en-US" sz="1600" dirty="0">
+                          <a:effectLst/>
+                        </a:rPr>
+                        <a:t>25413</a:t>
+                      </a:r>
+                      <a:endParaRPr lang="en-US" sz="1600" dirty="0">
+                        <a:effectLst/>
+                        <a:latin typeface="Calibri" panose="020F0502020204030204" pitchFamily="34" charset="0"/>
+                        <a:ea typeface="Calibri" panose="020F0502020204030204" pitchFamily="34" charset="0"/>
+                        <a:cs typeface="Times New Roman" panose="02020603050405020304" pitchFamily="18" charset="0"/>
+                      </a:endParaRPr>
+                    </a:p>
+                  </a:txBody>
+                  <a:tcPr marL="68580" marR="68580" marT="0" marB="0"/>
+                </a:tc>
+              </a:tr>
+            </a:tbl>
+          </a:graphicData>
+        </a:graphic>
+      </p:graphicFrame>
+      <p:sp>
+        <p:nvSpPr>
+          <p:cNvPr id="5" name="TextBox 4"/>
+          <p:cNvSpPr txBox="1"/>
+          <p:nvPr/>
+        </p:nvSpPr>
+        <p:spPr>
+          <a:xfrm>
+            <a:off x="1397000" y="4487333"/>
+            <a:ext cx="6282267" cy="646331"/>
+          </a:xfrm>
+          <a:prstGeom prst="rect">
+            <a:avLst/>
+          </a:prstGeom>
+          <a:noFill/>
+        </p:spPr>
+        <p:txBody>
+          <a:bodyPr wrap="square" rtlCol="0">
+            <a:spAutoFit/>
+          </a:bodyPr>
+          <a:lstStyle/>
+          <a:p>
+            <a:r>
+              <a:rPr lang="en-US"/>
+              <a:t>Accuracy: 86.58% (Test), 90.59% (Validation)</a:t>
+            </a:r>
+          </a:p>
+          <a:p>
+            <a:r>
+              <a:rPr lang="en-US"/>
+              <a:t>FNC Score: 77.277 (Test), 83.97 (validation)</a:t>
+            </a:r>
+          </a:p>
+        </p:txBody>
+      </p:sp>
+    </p:spTree>
+    <p:extLst>
+      <p:ext uri="{BB962C8B-B14F-4D97-AF65-F5344CB8AC3E}">
+        <p14:creationId xmlns:p14="http://schemas.microsoft.com/office/powerpoint/2010/main" val="437928740"/>
+      </p:ext>
+    </p:extLst>
+  </p:cSld>
+  <p:clrMapOvr>
+    <a:masterClrMapping/>
+  </p:clrMapOvr>
+</p:sld>
+</file>
+
+<file path=ppt/slides/slide14.xml><?xml version="1.0" encoding="utf-8"?>
+<p:sld xmlns:a="http://schemas.openxmlformats.org/drawingml/2006/main" xmlns:r="http://schemas.openxmlformats.org/officeDocument/2006/relationships" xmlns:p="http://schemas.openxmlformats.org/presentationml/2006/main">
+  <p:cSld>
+    <p:spTree>
+      <p:nvGrpSpPr>
+        <p:cNvPr id="1" name=""/>
+        <p:cNvGrpSpPr/>
+        <p:nvPr/>
+      </p:nvGrpSpPr>
+      <p:grpSpPr>
+        <a:xfrm>
+          <a:off x="0" y="0"/>
+          <a:ext cx="0" cy="0"/>
+          <a:chOff x="0" y="0"/>
+          <a:chExt cx="0" cy="0"/>
+        </a:xfrm>
+      </p:grpSpPr>
+      <p:sp>
+        <p:nvSpPr>
+          <p:cNvPr id="2" name="Title 1"/>
+          <p:cNvSpPr>
+            <a:spLocks noGrp="1"/>
+          </p:cNvSpPr>
+          <p:nvPr>
+            <p:ph type="title"/>
+          </p:nvPr>
+        </p:nvSpPr>
+        <p:spPr/>
+        <p:txBody>
+          <a:bodyPr/>
+          <a:lstStyle/>
+          <a:p>
+            <a:r>
+              <a:rPr lang="en-US" dirty="0" smtClean="0"/>
+              <a:t>Observation(4)</a:t>
+            </a:r>
+            <a:endParaRPr lang="en-US" dirty="0"/>
+          </a:p>
+        </p:txBody>
+      </p:sp>
+      <p:sp>
+        <p:nvSpPr>
+          <p:cNvPr id="3" name="Content Placeholder 2"/>
+          <p:cNvSpPr>
+            <a:spLocks noGrp="1"/>
+          </p:cNvSpPr>
+          <p:nvPr>
+            <p:ph idx="1"/>
+          </p:nvPr>
+        </p:nvSpPr>
+        <p:spPr/>
+        <p:txBody>
+          <a:bodyPr/>
+          <a:lstStyle/>
+          <a:p>
+            <a:r>
+              <a:rPr lang="en-US" dirty="0" smtClean="0"/>
+              <a:t>(4) For Proposed Model</a:t>
+            </a:r>
+          </a:p>
+          <a:p>
+            <a:endParaRPr lang="en-US" dirty="0"/>
+          </a:p>
+          <a:p>
+            <a:endParaRPr lang="en-US" dirty="0"/>
+          </a:p>
+        </p:txBody>
+      </p:sp>
+      <p:graphicFrame>
+        <p:nvGraphicFramePr>
+          <p:cNvPr id="4" name="Table 3"/>
+          <p:cNvGraphicFramePr>
+            <a:graphicFrameLocks noGrp="1"/>
+          </p:cNvGraphicFramePr>
+          <p:nvPr>
+            <p:extLst>
+              <p:ext uri="{D42A27DB-BD31-4B8C-83A1-F6EECF244321}">
+                <p14:modId xmlns:p14="http://schemas.microsoft.com/office/powerpoint/2010/main" val="186777215"/>
+              </p:ext>
+            </p:extLst>
+          </p:nvPr>
+        </p:nvGraphicFramePr>
+        <p:xfrm>
+          <a:off x="1286405" y="2299776"/>
+          <a:ext cx="7967662" cy="2043624"/>
+        </p:xfrm>
+        <a:graphic>
+          <a:graphicData uri="http://schemas.openxmlformats.org/drawingml/2006/table">
+            <a:tbl>
+              <a:tblPr firstRow="1" firstCol="1" bandRow="1">
+                <a:tableStyleId>{5C22544A-7EE6-4342-B048-85BDC9FD1C3A}</a:tableStyleId>
+              </a:tblPr>
+              <a:tblGrid>
+                <a:gridCol w="1233923"/>
+                <a:gridCol w="1337033"/>
+                <a:gridCol w="1389867"/>
+                <a:gridCol w="1370267"/>
+                <a:gridCol w="1402649"/>
+                <a:gridCol w="1233923"/>
+              </a:tblGrid>
+              <a:tr h="340604">
+                <a:tc>
+                  <a:txBody>
+                    <a:bodyPr/>
+                    <a:lstStyle/>
+                    <a:p>
+                      <a:pPr marL="0" marR="0">
+                        <a:lnSpc>
+                          <a:spcPct val="107000"/>
+                        </a:lnSpc>
+                        <a:spcBef>
+                          <a:spcPts val="0"/>
+                        </a:spcBef>
+                        <a:spcAft>
+                          <a:spcPts val="0"/>
+                        </a:spcAft>
+                      </a:pPr>
+                      <a:r>
+                        <a:rPr lang="en-US" sz="1600">
+                          <a:effectLst/>
+                        </a:rPr>
+                        <a:t> </a:t>
+                      </a:r>
+                      <a:endParaRPr lang="en-US" sz="1600">
+                        <a:effectLst/>
+                        <a:latin typeface="Calibri" panose="020F0502020204030204" pitchFamily="34" charset="0"/>
+                        <a:ea typeface="Calibri" panose="020F0502020204030204" pitchFamily="34" charset="0"/>
+                        <a:cs typeface="Times New Roman" panose="02020603050405020304" pitchFamily="18" charset="0"/>
+                      </a:endParaRPr>
+                    </a:p>
+                  </a:txBody>
+                  <a:tcPr marL="68580" marR="68580" marT="0" marB="0"/>
+                </a:tc>
+                <a:tc>
+                  <a:txBody>
+                    <a:bodyPr/>
+                    <a:lstStyle/>
+                    <a:p>
+                      <a:pPr marL="0" marR="0">
+                        <a:lnSpc>
+                          <a:spcPct val="107000"/>
+                        </a:lnSpc>
+                        <a:spcBef>
+                          <a:spcPts val="0"/>
+                        </a:spcBef>
+                        <a:spcAft>
+                          <a:spcPts val="0"/>
+                        </a:spcAft>
+                      </a:pPr>
+                      <a:r>
+                        <a:rPr lang="en-US" sz="1600">
+                          <a:effectLst/>
+                        </a:rPr>
+                        <a:t>Agree </a:t>
+                      </a:r>
+                      <a:endParaRPr lang="en-US" sz="1600">
+                        <a:effectLst/>
+                        <a:latin typeface="Calibri" panose="020F0502020204030204" pitchFamily="34" charset="0"/>
+                        <a:ea typeface="Calibri" panose="020F0502020204030204" pitchFamily="34" charset="0"/>
+                        <a:cs typeface="Times New Roman" panose="02020603050405020304" pitchFamily="18" charset="0"/>
+                      </a:endParaRPr>
+                    </a:p>
+                  </a:txBody>
+                  <a:tcPr marL="68580" marR="68580" marT="0" marB="0"/>
+                </a:tc>
+                <a:tc>
+                  <a:txBody>
+                    <a:bodyPr/>
+                    <a:lstStyle/>
+                    <a:p>
+                      <a:pPr marL="0" marR="0">
+                        <a:lnSpc>
+                          <a:spcPct val="107000"/>
+                        </a:lnSpc>
+                        <a:spcBef>
+                          <a:spcPts val="0"/>
+                        </a:spcBef>
+                        <a:spcAft>
+                          <a:spcPts val="0"/>
+                        </a:spcAft>
+                      </a:pPr>
+                      <a:r>
+                        <a:rPr lang="en-US" sz="1600">
+                          <a:effectLst/>
+                        </a:rPr>
+                        <a:t>Disagree</a:t>
+                      </a:r>
+                      <a:endParaRPr lang="en-US" sz="1600">
+                        <a:effectLst/>
+                        <a:latin typeface="Calibri" panose="020F0502020204030204" pitchFamily="34" charset="0"/>
+                        <a:ea typeface="Calibri" panose="020F0502020204030204" pitchFamily="34" charset="0"/>
+                        <a:cs typeface="Times New Roman" panose="02020603050405020304" pitchFamily="18" charset="0"/>
+                      </a:endParaRPr>
+                    </a:p>
+                  </a:txBody>
+                  <a:tcPr marL="68580" marR="68580" marT="0" marB="0"/>
+                </a:tc>
+                <a:tc>
+                  <a:txBody>
+                    <a:bodyPr/>
+                    <a:lstStyle/>
+                    <a:p>
+                      <a:pPr marL="0" marR="0">
+                        <a:lnSpc>
+                          <a:spcPct val="107000"/>
+                        </a:lnSpc>
+                        <a:spcBef>
+                          <a:spcPts val="0"/>
+                        </a:spcBef>
+                        <a:spcAft>
+                          <a:spcPts val="0"/>
+                        </a:spcAft>
+                      </a:pPr>
+                      <a:r>
+                        <a:rPr lang="en-US" sz="1600">
+                          <a:effectLst/>
+                        </a:rPr>
+                        <a:t>Discuss</a:t>
+                      </a:r>
+                      <a:endParaRPr lang="en-US" sz="1600">
+                        <a:effectLst/>
+                        <a:latin typeface="Calibri" panose="020F0502020204030204" pitchFamily="34" charset="0"/>
+                        <a:ea typeface="Calibri" panose="020F0502020204030204" pitchFamily="34" charset="0"/>
+                        <a:cs typeface="Times New Roman" panose="02020603050405020304" pitchFamily="18" charset="0"/>
+                      </a:endParaRPr>
+                    </a:p>
+                  </a:txBody>
+                  <a:tcPr marL="68580" marR="68580" marT="0" marB="0"/>
+                </a:tc>
+                <a:tc>
+                  <a:txBody>
+                    <a:bodyPr/>
+                    <a:lstStyle/>
+                    <a:p>
+                      <a:pPr marL="0" marR="0">
+                        <a:lnSpc>
+                          <a:spcPct val="107000"/>
+                        </a:lnSpc>
+                        <a:spcBef>
+                          <a:spcPts val="0"/>
+                        </a:spcBef>
+                        <a:spcAft>
+                          <a:spcPts val="0"/>
+                        </a:spcAft>
+                      </a:pPr>
+                      <a:r>
+                        <a:rPr lang="en-US" sz="1600">
+                          <a:effectLst/>
+                        </a:rPr>
+                        <a:t>Unrelated</a:t>
+                      </a:r>
+                      <a:endParaRPr lang="en-US" sz="1600">
+                        <a:effectLst/>
+                        <a:latin typeface="Calibri" panose="020F0502020204030204" pitchFamily="34" charset="0"/>
+                        <a:ea typeface="Calibri" panose="020F0502020204030204" pitchFamily="34" charset="0"/>
+                        <a:cs typeface="Times New Roman" panose="02020603050405020304" pitchFamily="18" charset="0"/>
+                      </a:endParaRPr>
+                    </a:p>
+                  </a:txBody>
+                  <a:tcPr marL="68580" marR="68580" marT="0" marB="0"/>
+                </a:tc>
+                <a:tc>
+                  <a:txBody>
+                    <a:bodyPr/>
+                    <a:lstStyle/>
+                    <a:p>
+                      <a:pPr marL="0" marR="0">
+                        <a:lnSpc>
+                          <a:spcPct val="107000"/>
+                        </a:lnSpc>
+                        <a:spcBef>
+                          <a:spcPts val="0"/>
+                        </a:spcBef>
+                        <a:spcAft>
+                          <a:spcPts val="0"/>
+                        </a:spcAft>
+                      </a:pPr>
+                      <a:r>
+                        <a:rPr lang="en-US" sz="1600">
+                          <a:effectLst/>
+                        </a:rPr>
+                        <a:t>Overall</a:t>
+                      </a:r>
+                      <a:endParaRPr lang="en-US" sz="1600">
+                        <a:effectLst/>
+                        <a:latin typeface="Calibri" panose="020F0502020204030204" pitchFamily="34" charset="0"/>
+                        <a:ea typeface="Calibri" panose="020F0502020204030204" pitchFamily="34" charset="0"/>
+                        <a:cs typeface="Times New Roman" panose="02020603050405020304" pitchFamily="18" charset="0"/>
+                      </a:endParaRPr>
+                    </a:p>
+                  </a:txBody>
+                  <a:tcPr marL="68580" marR="68580" marT="0" marB="0"/>
+                </a:tc>
+              </a:tr>
+              <a:tr h="340604">
+                <a:tc>
+                  <a:txBody>
+                    <a:bodyPr/>
+                    <a:lstStyle/>
+                    <a:p>
+                      <a:pPr marL="0" marR="0">
+                        <a:lnSpc>
+                          <a:spcPct val="107000"/>
+                        </a:lnSpc>
+                        <a:spcBef>
+                          <a:spcPts val="0"/>
+                        </a:spcBef>
+                        <a:spcAft>
+                          <a:spcPts val="0"/>
+                        </a:spcAft>
+                      </a:pPr>
+                      <a:r>
+                        <a:rPr lang="en-US" sz="1600">
+                          <a:effectLst/>
+                        </a:rPr>
+                        <a:t>Agree</a:t>
+                      </a:r>
+                      <a:endParaRPr lang="en-US" sz="1600">
+                        <a:effectLst/>
+                        <a:latin typeface="Calibri" panose="020F0502020204030204" pitchFamily="34" charset="0"/>
+                        <a:ea typeface="Calibri" panose="020F0502020204030204" pitchFamily="34" charset="0"/>
+                        <a:cs typeface="Times New Roman" panose="02020603050405020304" pitchFamily="18" charset="0"/>
+                      </a:endParaRPr>
+                    </a:p>
+                  </a:txBody>
+                  <a:tcPr marL="68580" marR="68580" marT="0" marB="0"/>
+                </a:tc>
+                <a:tc>
+                  <a:txBody>
+                    <a:bodyPr/>
+                    <a:lstStyle/>
+                    <a:p>
+                      <a:pPr marL="0" marR="0">
+                        <a:lnSpc>
+                          <a:spcPct val="107000"/>
+                        </a:lnSpc>
+                        <a:spcBef>
+                          <a:spcPts val="0"/>
+                        </a:spcBef>
+                        <a:spcAft>
+                          <a:spcPts val="0"/>
+                        </a:spcAft>
+                      </a:pPr>
+                      <a:r>
+                        <a:rPr lang="en-US" sz="1600">
+                          <a:effectLst/>
+                        </a:rPr>
+                        <a:t>951</a:t>
+                      </a:r>
+                      <a:endParaRPr lang="en-US" sz="1600">
+                        <a:effectLst/>
+                        <a:latin typeface="Calibri" panose="020F0502020204030204" pitchFamily="34" charset="0"/>
+                        <a:ea typeface="Calibri" panose="020F0502020204030204" pitchFamily="34" charset="0"/>
+                        <a:cs typeface="Times New Roman" panose="02020603050405020304" pitchFamily="18" charset="0"/>
+                      </a:endParaRPr>
+                    </a:p>
+                  </a:txBody>
+                  <a:tcPr marL="68580" marR="68580" marT="0" marB="0"/>
+                </a:tc>
+                <a:tc>
+                  <a:txBody>
+                    <a:bodyPr/>
+                    <a:lstStyle/>
+                    <a:p>
+                      <a:pPr marL="0" marR="0">
+                        <a:lnSpc>
+                          <a:spcPct val="107000"/>
+                        </a:lnSpc>
+                        <a:spcBef>
+                          <a:spcPts val="0"/>
+                        </a:spcBef>
+                        <a:spcAft>
+                          <a:spcPts val="0"/>
+                        </a:spcAft>
+                      </a:pPr>
+                      <a:r>
+                        <a:rPr lang="en-US" sz="1600">
+                          <a:effectLst/>
+                        </a:rPr>
+                        <a:t>3</a:t>
+                      </a:r>
+                      <a:endParaRPr lang="en-US" sz="1600">
+                        <a:effectLst/>
+                        <a:latin typeface="Calibri" panose="020F0502020204030204" pitchFamily="34" charset="0"/>
+                        <a:ea typeface="Calibri" panose="020F0502020204030204" pitchFamily="34" charset="0"/>
+                        <a:cs typeface="Times New Roman" panose="02020603050405020304" pitchFamily="18" charset="0"/>
+                      </a:endParaRPr>
+                    </a:p>
+                  </a:txBody>
+                  <a:tcPr marL="68580" marR="68580" marT="0" marB="0"/>
+                </a:tc>
+                <a:tc>
+                  <a:txBody>
+                    <a:bodyPr/>
+                    <a:lstStyle/>
+                    <a:p>
+                      <a:pPr marL="0" marR="0">
+                        <a:lnSpc>
+                          <a:spcPct val="107000"/>
+                        </a:lnSpc>
+                        <a:spcBef>
+                          <a:spcPts val="0"/>
+                        </a:spcBef>
+                        <a:spcAft>
+                          <a:spcPts val="0"/>
+                        </a:spcAft>
+                      </a:pPr>
+                      <a:r>
+                        <a:rPr lang="en-US" sz="1600">
+                          <a:effectLst/>
+                        </a:rPr>
+                        <a:t>713</a:t>
+                      </a:r>
+                      <a:endParaRPr lang="en-US" sz="1600">
+                        <a:effectLst/>
+                        <a:latin typeface="Calibri" panose="020F0502020204030204" pitchFamily="34" charset="0"/>
+                        <a:ea typeface="Calibri" panose="020F0502020204030204" pitchFamily="34" charset="0"/>
+                        <a:cs typeface="Times New Roman" panose="02020603050405020304" pitchFamily="18" charset="0"/>
+                      </a:endParaRPr>
+                    </a:p>
+                  </a:txBody>
+                  <a:tcPr marL="68580" marR="68580" marT="0" marB="0"/>
+                </a:tc>
+                <a:tc>
+                  <a:txBody>
+                    <a:bodyPr/>
+                    <a:lstStyle/>
+                    <a:p>
+                      <a:pPr marL="0" marR="0">
+                        <a:lnSpc>
+                          <a:spcPct val="107000"/>
+                        </a:lnSpc>
+                        <a:spcBef>
+                          <a:spcPts val="0"/>
+                        </a:spcBef>
+                        <a:spcAft>
+                          <a:spcPts val="0"/>
+                        </a:spcAft>
+                      </a:pPr>
+                      <a:r>
+                        <a:rPr lang="en-US" sz="1600">
+                          <a:effectLst/>
+                        </a:rPr>
+                        <a:t>236</a:t>
+                      </a:r>
+                      <a:endParaRPr lang="en-US" sz="1600">
+                        <a:effectLst/>
+                        <a:latin typeface="Calibri" panose="020F0502020204030204" pitchFamily="34" charset="0"/>
+                        <a:ea typeface="Calibri" panose="020F0502020204030204" pitchFamily="34" charset="0"/>
+                        <a:cs typeface="Times New Roman" panose="02020603050405020304" pitchFamily="18" charset="0"/>
+                      </a:endParaRPr>
+                    </a:p>
+                  </a:txBody>
+                  <a:tcPr marL="68580" marR="68580" marT="0" marB="0"/>
+                </a:tc>
+                <a:tc>
+                  <a:txBody>
+                    <a:bodyPr/>
+                    <a:lstStyle/>
+                    <a:p>
+                      <a:pPr marL="0" marR="0">
+                        <a:lnSpc>
+                          <a:spcPct val="107000"/>
+                        </a:lnSpc>
+                        <a:spcBef>
+                          <a:spcPts val="0"/>
+                        </a:spcBef>
+                        <a:spcAft>
+                          <a:spcPts val="0"/>
+                        </a:spcAft>
+                      </a:pPr>
+                      <a:r>
+                        <a:rPr lang="en-US" sz="1600">
+                          <a:effectLst/>
+                        </a:rPr>
+                        <a:t>1903</a:t>
+                      </a:r>
+                      <a:endParaRPr lang="en-US" sz="1600">
+                        <a:effectLst/>
+                        <a:latin typeface="Calibri" panose="020F0502020204030204" pitchFamily="34" charset="0"/>
+                        <a:ea typeface="Calibri" panose="020F0502020204030204" pitchFamily="34" charset="0"/>
+                        <a:cs typeface="Times New Roman" panose="02020603050405020304" pitchFamily="18" charset="0"/>
+                      </a:endParaRPr>
+                    </a:p>
+                  </a:txBody>
+                  <a:tcPr marL="68580" marR="68580" marT="0" marB="0"/>
+                </a:tc>
+              </a:tr>
+              <a:tr h="340604">
+                <a:tc>
+                  <a:txBody>
+                    <a:bodyPr/>
+                    <a:lstStyle/>
+                    <a:p>
+                      <a:pPr marL="0" marR="0">
+                        <a:lnSpc>
+                          <a:spcPct val="107000"/>
+                        </a:lnSpc>
+                        <a:spcBef>
+                          <a:spcPts val="0"/>
+                        </a:spcBef>
+                        <a:spcAft>
+                          <a:spcPts val="0"/>
+                        </a:spcAft>
+                      </a:pPr>
+                      <a:r>
+                        <a:rPr lang="en-US" sz="1600" dirty="0">
+                          <a:effectLst/>
+                        </a:rPr>
+                        <a:t>Disagree</a:t>
+                      </a:r>
+                      <a:endParaRPr lang="en-US" sz="1600" dirty="0">
+                        <a:effectLst/>
+                        <a:latin typeface="Calibri" panose="020F0502020204030204" pitchFamily="34" charset="0"/>
+                        <a:ea typeface="Calibri" panose="020F0502020204030204" pitchFamily="34" charset="0"/>
+                        <a:cs typeface="Times New Roman" panose="02020603050405020304" pitchFamily="18" charset="0"/>
+                      </a:endParaRPr>
+                    </a:p>
+                  </a:txBody>
+                  <a:tcPr marL="68580" marR="68580" marT="0" marB="0"/>
+                </a:tc>
+                <a:tc>
+                  <a:txBody>
+                    <a:bodyPr/>
+                    <a:lstStyle/>
+                    <a:p>
+                      <a:pPr marL="0" marR="0">
+                        <a:lnSpc>
+                          <a:spcPct val="107000"/>
+                        </a:lnSpc>
+                        <a:spcBef>
+                          <a:spcPts val="0"/>
+                        </a:spcBef>
+                        <a:spcAft>
+                          <a:spcPts val="0"/>
+                        </a:spcAft>
+                      </a:pPr>
+                      <a:r>
+                        <a:rPr lang="en-US" sz="1600">
+                          <a:effectLst/>
+                        </a:rPr>
+                        <a:t>190</a:t>
+                      </a:r>
+                      <a:endParaRPr lang="en-US" sz="1600">
+                        <a:effectLst/>
+                        <a:latin typeface="Calibri" panose="020F0502020204030204" pitchFamily="34" charset="0"/>
+                        <a:ea typeface="Calibri" panose="020F0502020204030204" pitchFamily="34" charset="0"/>
+                        <a:cs typeface="Times New Roman" panose="02020603050405020304" pitchFamily="18" charset="0"/>
+                      </a:endParaRPr>
+                    </a:p>
+                  </a:txBody>
+                  <a:tcPr marL="68580" marR="68580" marT="0" marB="0"/>
+                </a:tc>
+                <a:tc>
+                  <a:txBody>
+                    <a:bodyPr/>
+                    <a:lstStyle/>
+                    <a:p>
+                      <a:pPr marL="0" marR="0">
+                        <a:lnSpc>
+                          <a:spcPct val="107000"/>
+                        </a:lnSpc>
+                        <a:spcBef>
+                          <a:spcPts val="0"/>
+                        </a:spcBef>
+                        <a:spcAft>
+                          <a:spcPts val="0"/>
+                        </a:spcAft>
+                      </a:pPr>
+                      <a:r>
+                        <a:rPr lang="en-US" sz="1600">
+                          <a:effectLst/>
+                        </a:rPr>
+                        <a:t>9</a:t>
+                      </a:r>
+                      <a:endParaRPr lang="en-US" sz="1600">
+                        <a:effectLst/>
+                        <a:latin typeface="Calibri" panose="020F0502020204030204" pitchFamily="34" charset="0"/>
+                        <a:ea typeface="Calibri" panose="020F0502020204030204" pitchFamily="34" charset="0"/>
+                        <a:cs typeface="Times New Roman" panose="02020603050405020304" pitchFamily="18" charset="0"/>
+                      </a:endParaRPr>
+                    </a:p>
+                  </a:txBody>
+                  <a:tcPr marL="68580" marR="68580" marT="0" marB="0"/>
+                </a:tc>
+                <a:tc>
+                  <a:txBody>
+                    <a:bodyPr/>
+                    <a:lstStyle/>
+                    <a:p>
+                      <a:pPr marL="0" marR="0">
+                        <a:lnSpc>
+                          <a:spcPct val="107000"/>
+                        </a:lnSpc>
+                        <a:spcBef>
+                          <a:spcPts val="0"/>
+                        </a:spcBef>
+                        <a:spcAft>
+                          <a:spcPts val="0"/>
+                        </a:spcAft>
+                      </a:pPr>
+                      <a:r>
+                        <a:rPr lang="en-US" sz="1600">
+                          <a:effectLst/>
+                        </a:rPr>
+                        <a:t>276</a:t>
+                      </a:r>
+                      <a:endParaRPr lang="en-US" sz="1600">
+                        <a:effectLst/>
+                        <a:latin typeface="Calibri" panose="020F0502020204030204" pitchFamily="34" charset="0"/>
+                        <a:ea typeface="Calibri" panose="020F0502020204030204" pitchFamily="34" charset="0"/>
+                        <a:cs typeface="Times New Roman" panose="02020603050405020304" pitchFamily="18" charset="0"/>
+                      </a:endParaRPr>
+                    </a:p>
+                  </a:txBody>
+                  <a:tcPr marL="68580" marR="68580" marT="0" marB="0"/>
+                </a:tc>
+                <a:tc>
+                  <a:txBody>
+                    <a:bodyPr/>
+                    <a:lstStyle/>
+                    <a:p>
+                      <a:pPr marL="0" marR="0">
+                        <a:lnSpc>
+                          <a:spcPct val="107000"/>
+                        </a:lnSpc>
+                        <a:spcBef>
+                          <a:spcPts val="0"/>
+                        </a:spcBef>
+                        <a:spcAft>
+                          <a:spcPts val="0"/>
+                        </a:spcAft>
+                      </a:pPr>
+                      <a:r>
+                        <a:rPr lang="en-US" sz="1600">
+                          <a:effectLst/>
+                        </a:rPr>
+                        <a:t>222</a:t>
+                      </a:r>
+                      <a:endParaRPr lang="en-US" sz="1600">
+                        <a:effectLst/>
+                        <a:latin typeface="Calibri" panose="020F0502020204030204" pitchFamily="34" charset="0"/>
+                        <a:ea typeface="Calibri" panose="020F0502020204030204" pitchFamily="34" charset="0"/>
+                        <a:cs typeface="Times New Roman" panose="02020603050405020304" pitchFamily="18" charset="0"/>
+                      </a:endParaRPr>
+                    </a:p>
+                  </a:txBody>
+                  <a:tcPr marL="68580" marR="68580" marT="0" marB="0"/>
+                </a:tc>
+                <a:tc>
+                  <a:txBody>
+                    <a:bodyPr/>
+                    <a:lstStyle/>
+                    <a:p>
+                      <a:pPr marL="0" marR="0">
+                        <a:lnSpc>
+                          <a:spcPct val="107000"/>
+                        </a:lnSpc>
+                        <a:spcBef>
+                          <a:spcPts val="0"/>
+                        </a:spcBef>
+                        <a:spcAft>
+                          <a:spcPts val="0"/>
+                        </a:spcAft>
+                      </a:pPr>
+                      <a:r>
+                        <a:rPr lang="en-US" sz="1600">
+                          <a:effectLst/>
+                        </a:rPr>
+                        <a:t>697</a:t>
+                      </a:r>
+                      <a:endParaRPr lang="en-US" sz="1600">
+                        <a:effectLst/>
+                        <a:latin typeface="Calibri" panose="020F0502020204030204" pitchFamily="34" charset="0"/>
+                        <a:ea typeface="Calibri" panose="020F0502020204030204" pitchFamily="34" charset="0"/>
+                        <a:cs typeface="Times New Roman" panose="02020603050405020304" pitchFamily="18" charset="0"/>
+                      </a:endParaRPr>
+                    </a:p>
+                  </a:txBody>
+                  <a:tcPr marL="68580" marR="68580" marT="0" marB="0"/>
+                </a:tc>
+              </a:tr>
+              <a:tr h="340604">
+                <a:tc>
+                  <a:txBody>
+                    <a:bodyPr/>
+                    <a:lstStyle/>
+                    <a:p>
+                      <a:pPr marL="0" marR="0">
+                        <a:lnSpc>
+                          <a:spcPct val="107000"/>
+                        </a:lnSpc>
+                        <a:spcBef>
+                          <a:spcPts val="0"/>
+                        </a:spcBef>
+                        <a:spcAft>
+                          <a:spcPts val="0"/>
+                        </a:spcAft>
+                      </a:pPr>
+                      <a:r>
+                        <a:rPr lang="en-US" sz="1600">
+                          <a:effectLst/>
+                        </a:rPr>
+                        <a:t>Discuss</a:t>
+                      </a:r>
+                      <a:endParaRPr lang="en-US" sz="1600">
+                        <a:effectLst/>
+                        <a:latin typeface="Calibri" panose="020F0502020204030204" pitchFamily="34" charset="0"/>
+                        <a:ea typeface="Calibri" panose="020F0502020204030204" pitchFamily="34" charset="0"/>
+                        <a:cs typeface="Times New Roman" panose="02020603050405020304" pitchFamily="18" charset="0"/>
+                      </a:endParaRPr>
+                    </a:p>
+                  </a:txBody>
+                  <a:tcPr marL="68580" marR="68580" marT="0" marB="0"/>
+                </a:tc>
+                <a:tc>
+                  <a:txBody>
+                    <a:bodyPr/>
+                    <a:lstStyle/>
+                    <a:p>
+                      <a:pPr marL="0" marR="0">
+                        <a:lnSpc>
+                          <a:spcPct val="107000"/>
+                        </a:lnSpc>
+                        <a:spcBef>
+                          <a:spcPts val="0"/>
+                        </a:spcBef>
+                        <a:spcAft>
+                          <a:spcPts val="0"/>
+                        </a:spcAft>
+                      </a:pPr>
+                      <a:r>
+                        <a:rPr lang="en-US" sz="1600">
+                          <a:effectLst/>
+                        </a:rPr>
+                        <a:t>731</a:t>
+                      </a:r>
+                      <a:endParaRPr lang="en-US" sz="1600">
+                        <a:effectLst/>
+                        <a:latin typeface="Calibri" panose="020F0502020204030204" pitchFamily="34" charset="0"/>
+                        <a:ea typeface="Calibri" panose="020F0502020204030204" pitchFamily="34" charset="0"/>
+                        <a:cs typeface="Times New Roman" panose="02020603050405020304" pitchFamily="18" charset="0"/>
+                      </a:endParaRPr>
+                    </a:p>
+                  </a:txBody>
+                  <a:tcPr marL="68580" marR="68580" marT="0" marB="0"/>
+                </a:tc>
+                <a:tc>
+                  <a:txBody>
+                    <a:bodyPr/>
+                    <a:lstStyle/>
+                    <a:p>
+                      <a:pPr marL="0" marR="0">
+                        <a:lnSpc>
+                          <a:spcPct val="107000"/>
+                        </a:lnSpc>
+                        <a:spcBef>
+                          <a:spcPts val="0"/>
+                        </a:spcBef>
+                        <a:spcAft>
+                          <a:spcPts val="0"/>
+                        </a:spcAft>
+                      </a:pPr>
+                      <a:r>
+                        <a:rPr lang="en-US" sz="1600">
+                          <a:effectLst/>
+                        </a:rPr>
+                        <a:t>4</a:t>
+                      </a:r>
+                      <a:endParaRPr lang="en-US" sz="1600">
+                        <a:effectLst/>
+                        <a:latin typeface="Calibri" panose="020F0502020204030204" pitchFamily="34" charset="0"/>
+                        <a:ea typeface="Calibri" panose="020F0502020204030204" pitchFamily="34" charset="0"/>
+                        <a:cs typeface="Times New Roman" panose="02020603050405020304" pitchFamily="18" charset="0"/>
+                      </a:endParaRPr>
+                    </a:p>
+                  </a:txBody>
+                  <a:tcPr marL="68580" marR="68580" marT="0" marB="0"/>
+                </a:tc>
+                <a:tc>
+                  <a:txBody>
+                    <a:bodyPr/>
+                    <a:lstStyle/>
+                    <a:p>
+                      <a:pPr marL="0" marR="0">
+                        <a:lnSpc>
+                          <a:spcPct val="107000"/>
+                        </a:lnSpc>
+                        <a:spcBef>
+                          <a:spcPts val="0"/>
+                        </a:spcBef>
+                        <a:spcAft>
+                          <a:spcPts val="0"/>
+                        </a:spcAft>
+                      </a:pPr>
+                      <a:r>
+                        <a:rPr lang="en-US" sz="1600">
+                          <a:effectLst/>
+                        </a:rPr>
+                        <a:t>3199</a:t>
+                      </a:r>
+                      <a:endParaRPr lang="en-US" sz="1600">
+                        <a:effectLst/>
+                        <a:latin typeface="Calibri" panose="020F0502020204030204" pitchFamily="34" charset="0"/>
+                        <a:ea typeface="Calibri" panose="020F0502020204030204" pitchFamily="34" charset="0"/>
+                        <a:cs typeface="Times New Roman" panose="02020603050405020304" pitchFamily="18" charset="0"/>
+                      </a:endParaRPr>
+                    </a:p>
+                  </a:txBody>
+                  <a:tcPr marL="68580" marR="68580" marT="0" marB="0"/>
+                </a:tc>
+                <a:tc>
+                  <a:txBody>
+                    <a:bodyPr/>
+                    <a:lstStyle/>
+                    <a:p>
+                      <a:pPr marL="0" marR="0">
+                        <a:lnSpc>
+                          <a:spcPct val="107000"/>
+                        </a:lnSpc>
+                        <a:spcBef>
+                          <a:spcPts val="0"/>
+                        </a:spcBef>
+                        <a:spcAft>
+                          <a:spcPts val="0"/>
+                        </a:spcAft>
+                      </a:pPr>
+                      <a:r>
+                        <a:rPr lang="en-US" sz="1600">
+                          <a:effectLst/>
+                        </a:rPr>
+                        <a:t>530</a:t>
+                      </a:r>
+                      <a:endParaRPr lang="en-US" sz="1600">
+                        <a:effectLst/>
+                        <a:latin typeface="Calibri" panose="020F0502020204030204" pitchFamily="34" charset="0"/>
+                        <a:ea typeface="Calibri" panose="020F0502020204030204" pitchFamily="34" charset="0"/>
+                        <a:cs typeface="Times New Roman" panose="02020603050405020304" pitchFamily="18" charset="0"/>
+                      </a:endParaRPr>
+                    </a:p>
+                  </a:txBody>
+                  <a:tcPr marL="68580" marR="68580" marT="0" marB="0"/>
+                </a:tc>
+                <a:tc>
+                  <a:txBody>
+                    <a:bodyPr/>
+                    <a:lstStyle/>
+                    <a:p>
+                      <a:pPr marL="0" marR="0">
+                        <a:lnSpc>
+                          <a:spcPct val="107000"/>
+                        </a:lnSpc>
+                        <a:spcBef>
+                          <a:spcPts val="0"/>
+                        </a:spcBef>
+                        <a:spcAft>
+                          <a:spcPts val="0"/>
+                        </a:spcAft>
+                      </a:pPr>
+                      <a:r>
+                        <a:rPr lang="en-US" sz="1600">
+                          <a:effectLst/>
+                        </a:rPr>
+                        <a:t>4464</a:t>
+                      </a:r>
+                      <a:endParaRPr lang="en-US" sz="1600">
+                        <a:effectLst/>
+                        <a:latin typeface="Calibri" panose="020F0502020204030204" pitchFamily="34" charset="0"/>
+                        <a:ea typeface="Calibri" panose="020F0502020204030204" pitchFamily="34" charset="0"/>
+                        <a:cs typeface="Times New Roman" panose="02020603050405020304" pitchFamily="18" charset="0"/>
+                      </a:endParaRPr>
+                    </a:p>
+                  </a:txBody>
+                  <a:tcPr marL="68580" marR="68580" marT="0" marB="0"/>
+                </a:tc>
+              </a:tr>
+              <a:tr h="340604">
+                <a:tc>
+                  <a:txBody>
+                    <a:bodyPr/>
+                    <a:lstStyle/>
+                    <a:p>
+                      <a:pPr marL="0" marR="0">
+                        <a:lnSpc>
+                          <a:spcPct val="107000"/>
+                        </a:lnSpc>
+                        <a:spcBef>
+                          <a:spcPts val="0"/>
+                        </a:spcBef>
+                        <a:spcAft>
+                          <a:spcPts val="0"/>
+                        </a:spcAft>
+                      </a:pPr>
+                      <a:r>
+                        <a:rPr lang="en-US" sz="1600">
+                          <a:effectLst/>
+                        </a:rPr>
+                        <a:t>Unrelated</a:t>
+                      </a:r>
+                      <a:endParaRPr lang="en-US" sz="1600">
+                        <a:effectLst/>
+                        <a:latin typeface="Calibri" panose="020F0502020204030204" pitchFamily="34" charset="0"/>
+                        <a:ea typeface="Calibri" panose="020F0502020204030204" pitchFamily="34" charset="0"/>
+                        <a:cs typeface="Times New Roman" panose="02020603050405020304" pitchFamily="18" charset="0"/>
+                      </a:endParaRPr>
+                    </a:p>
+                  </a:txBody>
+                  <a:tcPr marL="68580" marR="68580" marT="0" marB="0"/>
+                </a:tc>
+                <a:tc>
+                  <a:txBody>
+                    <a:bodyPr/>
+                    <a:lstStyle/>
+                    <a:p>
+                      <a:pPr marL="0" marR="0">
+                        <a:lnSpc>
+                          <a:spcPct val="107000"/>
+                        </a:lnSpc>
+                        <a:spcBef>
+                          <a:spcPts val="0"/>
+                        </a:spcBef>
+                        <a:spcAft>
+                          <a:spcPts val="0"/>
+                        </a:spcAft>
+                      </a:pPr>
+                      <a:r>
+                        <a:rPr lang="en-US" sz="1600">
+                          <a:effectLst/>
+                        </a:rPr>
+                        <a:t>52</a:t>
+                      </a:r>
+                      <a:endParaRPr lang="en-US" sz="1600">
+                        <a:effectLst/>
+                        <a:latin typeface="Calibri" panose="020F0502020204030204" pitchFamily="34" charset="0"/>
+                        <a:ea typeface="Calibri" panose="020F0502020204030204" pitchFamily="34" charset="0"/>
+                        <a:cs typeface="Times New Roman" panose="02020603050405020304" pitchFamily="18" charset="0"/>
+                      </a:endParaRPr>
+                    </a:p>
+                  </a:txBody>
+                  <a:tcPr marL="68580" marR="68580" marT="0" marB="0"/>
+                </a:tc>
+                <a:tc>
+                  <a:txBody>
+                    <a:bodyPr/>
+                    <a:lstStyle/>
+                    <a:p>
+                      <a:pPr marL="0" marR="0">
+                        <a:lnSpc>
+                          <a:spcPct val="107000"/>
+                        </a:lnSpc>
+                        <a:spcBef>
+                          <a:spcPts val="0"/>
+                        </a:spcBef>
+                        <a:spcAft>
+                          <a:spcPts val="0"/>
+                        </a:spcAft>
+                      </a:pPr>
+                      <a:r>
+                        <a:rPr lang="en-US" sz="1600">
+                          <a:effectLst/>
+                        </a:rPr>
+                        <a:t>2</a:t>
+                      </a:r>
+                      <a:endParaRPr lang="en-US" sz="1600">
+                        <a:effectLst/>
+                        <a:latin typeface="Calibri" panose="020F0502020204030204" pitchFamily="34" charset="0"/>
+                        <a:ea typeface="Calibri" panose="020F0502020204030204" pitchFamily="34" charset="0"/>
+                        <a:cs typeface="Times New Roman" panose="02020603050405020304" pitchFamily="18" charset="0"/>
+                      </a:endParaRPr>
+                    </a:p>
+                  </a:txBody>
+                  <a:tcPr marL="68580" marR="68580" marT="0" marB="0"/>
+                </a:tc>
+                <a:tc>
+                  <a:txBody>
+                    <a:bodyPr/>
+                    <a:lstStyle/>
+                    <a:p>
+                      <a:pPr marL="0" marR="0">
+                        <a:lnSpc>
+                          <a:spcPct val="107000"/>
+                        </a:lnSpc>
+                        <a:spcBef>
+                          <a:spcPts val="0"/>
+                        </a:spcBef>
+                        <a:spcAft>
+                          <a:spcPts val="0"/>
+                        </a:spcAft>
+                      </a:pPr>
+                      <a:r>
+                        <a:rPr lang="en-US" sz="1600">
+                          <a:effectLst/>
+                        </a:rPr>
+                        <a:t>296</a:t>
+                      </a:r>
+                      <a:endParaRPr lang="en-US" sz="1600">
+                        <a:effectLst/>
+                        <a:latin typeface="Calibri" panose="020F0502020204030204" pitchFamily="34" charset="0"/>
+                        <a:ea typeface="Calibri" panose="020F0502020204030204" pitchFamily="34" charset="0"/>
+                        <a:cs typeface="Times New Roman" panose="02020603050405020304" pitchFamily="18" charset="0"/>
+                      </a:endParaRPr>
+                    </a:p>
+                  </a:txBody>
+                  <a:tcPr marL="68580" marR="68580" marT="0" marB="0"/>
+                </a:tc>
+                <a:tc>
+                  <a:txBody>
+                    <a:bodyPr/>
+                    <a:lstStyle/>
+                    <a:p>
+                      <a:pPr marL="0" marR="0">
+                        <a:lnSpc>
+                          <a:spcPct val="107000"/>
+                        </a:lnSpc>
+                        <a:spcBef>
+                          <a:spcPts val="0"/>
+                        </a:spcBef>
+                        <a:spcAft>
+                          <a:spcPts val="0"/>
+                        </a:spcAft>
+                      </a:pPr>
+                      <a:r>
+                        <a:rPr lang="en-US" sz="1600">
+                          <a:effectLst/>
+                        </a:rPr>
+                        <a:t>17999</a:t>
+                      </a:r>
+                      <a:endParaRPr lang="en-US" sz="1600">
+                        <a:effectLst/>
+                        <a:latin typeface="Calibri" panose="020F0502020204030204" pitchFamily="34" charset="0"/>
+                        <a:ea typeface="Calibri" panose="020F0502020204030204" pitchFamily="34" charset="0"/>
+                        <a:cs typeface="Times New Roman" panose="02020603050405020304" pitchFamily="18" charset="0"/>
+                      </a:endParaRPr>
+                    </a:p>
+                  </a:txBody>
+                  <a:tcPr marL="68580" marR="68580" marT="0" marB="0"/>
+                </a:tc>
+                <a:tc>
+                  <a:txBody>
+                    <a:bodyPr/>
+                    <a:lstStyle/>
+                    <a:p>
+                      <a:pPr marL="0" marR="0">
+                        <a:lnSpc>
+                          <a:spcPct val="107000"/>
+                        </a:lnSpc>
+                        <a:spcBef>
+                          <a:spcPts val="0"/>
+                        </a:spcBef>
+                        <a:spcAft>
+                          <a:spcPts val="0"/>
+                        </a:spcAft>
+                      </a:pPr>
+                      <a:r>
+                        <a:rPr lang="en-US" sz="1600">
+                          <a:effectLst/>
+                        </a:rPr>
+                        <a:t>18349</a:t>
+                      </a:r>
+                      <a:endParaRPr lang="en-US" sz="1600">
+                        <a:effectLst/>
+                        <a:latin typeface="Calibri" panose="020F0502020204030204" pitchFamily="34" charset="0"/>
+                        <a:ea typeface="Calibri" panose="020F0502020204030204" pitchFamily="34" charset="0"/>
+                        <a:cs typeface="Times New Roman" panose="02020603050405020304" pitchFamily="18" charset="0"/>
+                      </a:endParaRPr>
+                    </a:p>
+                  </a:txBody>
+                  <a:tcPr marL="68580" marR="68580" marT="0" marB="0"/>
+                </a:tc>
+              </a:tr>
+              <a:tr h="340604">
+                <a:tc>
+                  <a:txBody>
+                    <a:bodyPr/>
+                    <a:lstStyle/>
+                    <a:p>
+                      <a:pPr marL="0" marR="0">
+                        <a:lnSpc>
+                          <a:spcPct val="107000"/>
+                        </a:lnSpc>
+                        <a:spcBef>
+                          <a:spcPts val="0"/>
+                        </a:spcBef>
+                        <a:spcAft>
+                          <a:spcPts val="0"/>
+                        </a:spcAft>
+                      </a:pPr>
+                      <a:r>
+                        <a:rPr lang="en-US" sz="1600">
+                          <a:effectLst/>
+                        </a:rPr>
+                        <a:t>Overall</a:t>
+                      </a:r>
+                      <a:endParaRPr lang="en-US" sz="1600">
+                        <a:effectLst/>
+                        <a:latin typeface="Calibri" panose="020F0502020204030204" pitchFamily="34" charset="0"/>
+                        <a:ea typeface="Calibri" panose="020F0502020204030204" pitchFamily="34" charset="0"/>
+                        <a:cs typeface="Times New Roman" panose="02020603050405020304" pitchFamily="18" charset="0"/>
+                      </a:endParaRPr>
+                    </a:p>
+                  </a:txBody>
+                  <a:tcPr marL="68580" marR="68580" marT="0" marB="0"/>
+                </a:tc>
+                <a:tc>
+                  <a:txBody>
+                    <a:bodyPr/>
+                    <a:lstStyle/>
+                    <a:p>
+                      <a:pPr marL="0" marR="0">
+                        <a:lnSpc>
+                          <a:spcPct val="107000"/>
+                        </a:lnSpc>
+                        <a:spcBef>
+                          <a:spcPts val="0"/>
+                        </a:spcBef>
+                        <a:spcAft>
+                          <a:spcPts val="0"/>
+                        </a:spcAft>
+                      </a:pPr>
+                      <a:r>
+                        <a:rPr lang="en-US" sz="1600">
+                          <a:effectLst/>
+                        </a:rPr>
+                        <a:t>1924</a:t>
+                      </a:r>
+                      <a:endParaRPr lang="en-US" sz="1600">
+                        <a:effectLst/>
+                        <a:latin typeface="Calibri" panose="020F0502020204030204" pitchFamily="34" charset="0"/>
+                        <a:ea typeface="Calibri" panose="020F0502020204030204" pitchFamily="34" charset="0"/>
+                        <a:cs typeface="Times New Roman" panose="02020603050405020304" pitchFamily="18" charset="0"/>
+                      </a:endParaRPr>
+                    </a:p>
+                  </a:txBody>
+                  <a:tcPr marL="68580" marR="68580" marT="0" marB="0"/>
+                </a:tc>
+                <a:tc>
+                  <a:txBody>
+                    <a:bodyPr/>
+                    <a:lstStyle/>
+                    <a:p>
+                      <a:pPr marL="0" marR="0">
+                        <a:lnSpc>
+                          <a:spcPct val="107000"/>
+                        </a:lnSpc>
+                        <a:spcBef>
+                          <a:spcPts val="0"/>
+                        </a:spcBef>
+                        <a:spcAft>
+                          <a:spcPts val="0"/>
+                        </a:spcAft>
+                      </a:pPr>
+                      <a:r>
+                        <a:rPr lang="en-US" sz="1600">
+                          <a:effectLst/>
+                        </a:rPr>
+                        <a:t>18</a:t>
+                      </a:r>
+                      <a:endParaRPr lang="en-US" sz="1600">
+                        <a:effectLst/>
+                        <a:latin typeface="Calibri" panose="020F0502020204030204" pitchFamily="34" charset="0"/>
+                        <a:ea typeface="Calibri" panose="020F0502020204030204" pitchFamily="34" charset="0"/>
+                        <a:cs typeface="Times New Roman" panose="02020603050405020304" pitchFamily="18" charset="0"/>
+                      </a:endParaRPr>
+                    </a:p>
+                  </a:txBody>
+                  <a:tcPr marL="68580" marR="68580" marT="0" marB="0"/>
+                </a:tc>
+                <a:tc>
+                  <a:txBody>
+                    <a:bodyPr/>
+                    <a:lstStyle/>
+                    <a:p>
+                      <a:pPr marL="0" marR="0">
+                        <a:lnSpc>
+                          <a:spcPct val="107000"/>
+                        </a:lnSpc>
+                        <a:spcBef>
+                          <a:spcPts val="0"/>
+                        </a:spcBef>
+                        <a:spcAft>
+                          <a:spcPts val="0"/>
+                        </a:spcAft>
+                      </a:pPr>
+                      <a:r>
+                        <a:rPr lang="en-US" sz="1600">
+                          <a:effectLst/>
+                        </a:rPr>
+                        <a:t>4484</a:t>
+                      </a:r>
+                      <a:endParaRPr lang="en-US" sz="1600">
+                        <a:effectLst/>
+                        <a:latin typeface="Calibri" panose="020F0502020204030204" pitchFamily="34" charset="0"/>
+                        <a:ea typeface="Calibri" panose="020F0502020204030204" pitchFamily="34" charset="0"/>
+                        <a:cs typeface="Times New Roman" panose="02020603050405020304" pitchFamily="18" charset="0"/>
+                      </a:endParaRPr>
+                    </a:p>
+                  </a:txBody>
+                  <a:tcPr marL="68580" marR="68580" marT="0" marB="0"/>
+                </a:tc>
+                <a:tc>
+                  <a:txBody>
+                    <a:bodyPr/>
+                    <a:lstStyle/>
+                    <a:p>
+                      <a:pPr marL="0" marR="0">
+                        <a:lnSpc>
+                          <a:spcPct val="107000"/>
+                        </a:lnSpc>
+                        <a:spcBef>
+                          <a:spcPts val="0"/>
+                        </a:spcBef>
+                        <a:spcAft>
+                          <a:spcPts val="0"/>
+                        </a:spcAft>
+                      </a:pPr>
+                      <a:r>
+                        <a:rPr lang="en-US" sz="1600">
+                          <a:effectLst/>
+                        </a:rPr>
+                        <a:t>18987</a:t>
+                      </a:r>
+                      <a:endParaRPr lang="en-US" sz="1600">
+                        <a:effectLst/>
+                        <a:latin typeface="Calibri" panose="020F0502020204030204" pitchFamily="34" charset="0"/>
+                        <a:ea typeface="Calibri" panose="020F0502020204030204" pitchFamily="34" charset="0"/>
+                        <a:cs typeface="Times New Roman" panose="02020603050405020304" pitchFamily="18" charset="0"/>
+                      </a:endParaRPr>
+                    </a:p>
+                  </a:txBody>
+                  <a:tcPr marL="68580" marR="68580" marT="0" marB="0"/>
+                </a:tc>
+                <a:tc>
+                  <a:txBody>
+                    <a:bodyPr/>
+                    <a:lstStyle/>
+                    <a:p>
+                      <a:pPr marL="0" marR="0">
+                        <a:lnSpc>
+                          <a:spcPct val="107000"/>
+                        </a:lnSpc>
+                        <a:spcBef>
+                          <a:spcPts val="0"/>
+                        </a:spcBef>
+                        <a:spcAft>
+                          <a:spcPts val="0"/>
+                        </a:spcAft>
+                      </a:pPr>
+                      <a:r>
+                        <a:rPr lang="en-US" sz="1600" dirty="0">
+                          <a:effectLst/>
+                        </a:rPr>
+                        <a:t>25413</a:t>
+                      </a:r>
+                      <a:endParaRPr lang="en-US" sz="1600" dirty="0">
+                        <a:effectLst/>
+                        <a:latin typeface="Calibri" panose="020F0502020204030204" pitchFamily="34" charset="0"/>
+                        <a:ea typeface="Calibri" panose="020F0502020204030204" pitchFamily="34" charset="0"/>
+                        <a:cs typeface="Times New Roman" panose="02020603050405020304" pitchFamily="18" charset="0"/>
+                      </a:endParaRPr>
+                    </a:p>
+                  </a:txBody>
+                  <a:tcPr marL="68580" marR="68580" marT="0" marB="0"/>
+                </a:tc>
+              </a:tr>
+            </a:tbl>
+          </a:graphicData>
+        </a:graphic>
+      </p:graphicFrame>
+      <p:sp>
+        <p:nvSpPr>
+          <p:cNvPr id="5" name="TextBox 4"/>
+          <p:cNvSpPr txBox="1"/>
+          <p:nvPr/>
+        </p:nvSpPr>
+        <p:spPr>
+          <a:xfrm>
+            <a:off x="1286933" y="4597400"/>
+            <a:ext cx="5418667" cy="1477328"/>
+          </a:xfrm>
+          <a:prstGeom prst="rect">
+            <a:avLst/>
+          </a:prstGeom>
+          <a:noFill/>
+        </p:spPr>
+        <p:txBody>
+          <a:bodyPr wrap="square" rtlCol="0">
+            <a:spAutoFit/>
+          </a:bodyPr>
+          <a:lstStyle/>
+          <a:p>
+            <a:r>
+              <a:rPr lang="en-US" dirty="0"/>
+              <a:t>Accuracy: 87.19% (test)</a:t>
+            </a:r>
+          </a:p>
+          <a:p>
+            <a:r>
+              <a:rPr lang="en-US" dirty="0"/>
+              <a:t>FNC Score: 78.42 (Test)</a:t>
+            </a:r>
+          </a:p>
+          <a:p>
+            <a:r>
+              <a:rPr lang="en-US" dirty="0"/>
+              <a:t>Precision: 0.86</a:t>
+            </a:r>
+          </a:p>
+          <a:p>
+            <a:r>
+              <a:rPr lang="en-US" dirty="0"/>
+              <a:t>Recall: 0.87</a:t>
+            </a:r>
+          </a:p>
+          <a:p>
+            <a:r>
+              <a:rPr lang="en-US" dirty="0"/>
+              <a:t>F1 Score: 0.85</a:t>
+            </a:r>
+          </a:p>
+        </p:txBody>
+      </p:sp>
+    </p:spTree>
+    <p:extLst>
+      <p:ext uri="{BB962C8B-B14F-4D97-AF65-F5344CB8AC3E}">
+        <p14:creationId xmlns:p14="http://schemas.microsoft.com/office/powerpoint/2010/main" val="3613177579"/>
+      </p:ext>
+    </p:extLst>
+  </p:cSld>
+  <p:clrMapOvr>
+    <a:masterClrMapping/>
+  </p:clrMapOvr>
+</p:sld>
+</file>
+
+<file path=ppt/slides/slide15.xml><?xml version="1.0" encoding="utf-8"?>
+<p:sld xmlns:a="http://schemas.openxmlformats.org/drawingml/2006/main" xmlns:r="http://schemas.openxmlformats.org/officeDocument/2006/relationships" xmlns:p="http://schemas.openxmlformats.org/presentationml/2006/main">
+  <p:cSld>
+    <p:spTree>
+      <p:nvGrpSpPr>
+        <p:cNvPr id="1" name=""/>
+        <p:cNvGrpSpPr/>
+        <p:nvPr/>
+      </p:nvGrpSpPr>
+      <p:grpSpPr>
+        <a:xfrm>
+          <a:off x="0" y="0"/>
+          <a:ext cx="0" cy="0"/>
+          <a:chOff x="0" y="0"/>
+          <a:chExt cx="0" cy="0"/>
+        </a:xfrm>
+      </p:grpSpPr>
+      <p:sp>
+        <p:nvSpPr>
+          <p:cNvPr id="2" name="Title 1"/>
+          <p:cNvSpPr>
+            <a:spLocks noGrp="1"/>
+          </p:cNvSpPr>
+          <p:nvPr>
+            <p:ph type="title"/>
+          </p:nvPr>
+        </p:nvSpPr>
+        <p:spPr/>
+        <p:txBody>
+          <a:bodyPr/>
+          <a:lstStyle/>
+          <a:p>
+            <a:r>
+              <a:rPr lang="en-US" dirty="0" smtClean="0"/>
+              <a:t>Analysis of Results</a:t>
+            </a:r>
+            <a:endParaRPr lang="en-US" dirty="0"/>
+          </a:p>
+        </p:txBody>
+      </p:sp>
+      <p:sp>
+        <p:nvSpPr>
+          <p:cNvPr id="3" name="Content Placeholder 2"/>
+          <p:cNvSpPr>
+            <a:spLocks noGrp="1"/>
+          </p:cNvSpPr>
+          <p:nvPr>
+            <p:ph idx="1"/>
+          </p:nvPr>
+        </p:nvSpPr>
+        <p:spPr>
+          <a:xfrm>
+            <a:off x="1097280" y="3208867"/>
+            <a:ext cx="10058400" cy="2184399"/>
+          </a:xfrm>
+        </p:spPr>
+        <p:txBody>
+          <a:bodyPr/>
+          <a:lstStyle/>
+          <a:p>
+            <a:pPr>
+              <a:buFont typeface="Wingdings" panose="05000000000000000000" pitchFamily="2" charset="2"/>
+              <a:buChar char="q"/>
+            </a:pPr>
+            <a:r>
+              <a:rPr lang="en-US" sz="2400" dirty="0" smtClean="0"/>
+              <a:t>Standalone Run of Tree Model and Deep Learning Model give us FNC score of 77.59 and  77.277. In contrast, when we use our proposed architecture, which is a combination of both these, we get an FNC score of 78.42. Better!</a:t>
+            </a:r>
+          </a:p>
+          <a:p>
+            <a:pPr>
+              <a:buFont typeface="Wingdings" panose="05000000000000000000" pitchFamily="2" charset="2"/>
+              <a:buChar char="q"/>
+            </a:pPr>
+            <a:r>
+              <a:rPr lang="en-US" sz="2400" dirty="0" smtClean="0"/>
+              <a:t>In contrast to the baseline model, the FNC score obtained is 75.320 and for our proposed model, the FNC score obtained is 78.42. Again, Better!</a:t>
+            </a:r>
+          </a:p>
+          <a:p>
+            <a:pPr marL="0" indent="0">
+              <a:buNone/>
+            </a:pPr>
+            <a:endParaRPr lang="en-US" dirty="0"/>
+          </a:p>
+          <a:p>
+            <a:pPr marL="0" indent="0">
+              <a:buNone/>
+            </a:pPr>
+            <a:endParaRPr lang="en-US" dirty="0" smtClean="0"/>
+          </a:p>
+          <a:p>
+            <a:pPr marL="0" indent="0">
+              <a:buNone/>
+            </a:pPr>
+            <a:endParaRPr lang="en-US" dirty="0" smtClean="0"/>
+          </a:p>
+          <a:p>
+            <a:pPr>
+              <a:buFont typeface="Wingdings" panose="05000000000000000000" pitchFamily="2" charset="2"/>
+              <a:buChar char="q"/>
+            </a:pPr>
+            <a:endParaRPr lang="en-US" dirty="0"/>
+          </a:p>
+          <a:p>
+            <a:pPr>
+              <a:buFont typeface="Wingdings" panose="05000000000000000000" pitchFamily="2" charset="2"/>
+              <a:buChar char="q"/>
+            </a:pPr>
+            <a:endParaRPr lang="en-US" dirty="0" smtClean="0"/>
+          </a:p>
+          <a:p>
+            <a:endParaRPr lang="en-US" dirty="0" smtClean="0"/>
+          </a:p>
+        </p:txBody>
+      </p:sp>
+      <p:pic>
+        <p:nvPicPr>
+          <p:cNvPr id="4" name="Picture 3"/>
+          <p:cNvPicPr>
+            <a:picLocks noChangeAspect="1"/>
+          </p:cNvPicPr>
+          <p:nvPr/>
+        </p:nvPicPr>
+        <p:blipFill>
+          <a:blip r:embed="rId2">
+            <a:extLst>
+              <a:ext uri="{28A0092B-C50C-407E-A947-70E740481C1C}">
+                <a14:useLocalDpi xmlns:a14="http://schemas.microsoft.com/office/drawing/2010/main" val="0"/>
+              </a:ext>
+            </a:extLst>
+          </a:blip>
+          <a:stretch>
+            <a:fillRect/>
+          </a:stretch>
+        </p:blipFill>
+        <p:spPr>
+          <a:xfrm>
+            <a:off x="6891867" y="539536"/>
+            <a:ext cx="4263813" cy="2395648"/>
+          </a:xfrm>
+          <a:prstGeom prst="rect">
+            <a:avLst/>
+          </a:prstGeom>
+        </p:spPr>
+      </p:pic>
+    </p:spTree>
+    <p:extLst>
+      <p:ext uri="{BB962C8B-B14F-4D97-AF65-F5344CB8AC3E}">
+        <p14:creationId xmlns:p14="http://schemas.microsoft.com/office/powerpoint/2010/main" val="155705152"/>
+      </p:ext>
+    </p:extLst>
+  </p:cSld>
+  <p:clrMapOvr>
+    <a:masterClrMapping/>
+  </p:clrMapOvr>
+</p:sld>
+</file>
+
+<file path=ppt/slides/slide16.xml><?xml version="1.0" encoding="utf-8"?>
+<p:sld xmlns:a="http://schemas.openxmlformats.org/drawingml/2006/main" xmlns:r="http://schemas.openxmlformats.org/officeDocument/2006/relationships" xmlns:p="http://schemas.openxmlformats.org/presentationml/2006/main">
+  <p:cSld>
+    <p:spTree>
+      <p:nvGrpSpPr>
+        <p:cNvPr id="1" name=""/>
+        <p:cNvGrpSpPr/>
+        <p:nvPr/>
+      </p:nvGrpSpPr>
+      <p:grpSpPr>
+        <a:xfrm>
+          <a:off x="0" y="0"/>
+          <a:ext cx="0" cy="0"/>
+          <a:chOff x="0" y="0"/>
+          <a:chExt cx="0" cy="0"/>
+        </a:xfrm>
+      </p:grpSpPr>
+      <p:sp>
+        <p:nvSpPr>
+          <p:cNvPr id="6" name="Rounded Rectangle 5"/>
+          <p:cNvSpPr/>
+          <p:nvPr/>
+        </p:nvSpPr>
+        <p:spPr>
+          <a:xfrm>
+            <a:off x="7298267" y="101600"/>
+            <a:ext cx="4013200" cy="1498600"/>
+          </a:xfrm>
+          <a:prstGeom prst="roundRect">
+            <a:avLst/>
+          </a:prstGeom>
+        </p:spPr>
+        <p:style>
+          <a:lnRef idx="1">
+            <a:schemeClr val="accent1"/>
+          </a:lnRef>
+          <a:fillRef idx="2">
+            <a:schemeClr val="accent1"/>
+          </a:fillRef>
+          <a:effectRef idx="1">
+            <a:schemeClr val="accent1"/>
+          </a:effectRef>
+          <a:fontRef idx="minor">
+            <a:schemeClr val="dk1"/>
+          </a:fontRef>
+        </p:style>
+        <p:txBody>
+          <a:bodyPr rtlCol="0" anchor="ctr"/>
+          <a:lstStyle/>
+          <a:p>
+            <a:pPr algn="ctr"/>
+            <a:endParaRPr lang="en-US"/>
+          </a:p>
+        </p:txBody>
+      </p:sp>
+      <p:sp>
+        <p:nvSpPr>
+          <p:cNvPr id="2" name="Title 1"/>
+          <p:cNvSpPr>
+            <a:spLocks noGrp="1"/>
+          </p:cNvSpPr>
+          <p:nvPr>
+            <p:ph type="title"/>
+          </p:nvPr>
+        </p:nvSpPr>
+        <p:spPr>
+          <a:xfrm>
+            <a:off x="1097280" y="308958"/>
+            <a:ext cx="10058400" cy="814493"/>
+          </a:xfrm>
+        </p:spPr>
+        <p:txBody>
+          <a:bodyPr/>
+          <a:lstStyle/>
+          <a:p>
+            <a:r>
+              <a:rPr lang="en-US" dirty="0" smtClean="0"/>
+              <a:t>Comparative Analysis</a:t>
+            </a:r>
+            <a:endParaRPr lang="en-US" dirty="0"/>
+          </a:p>
+        </p:txBody>
+      </p:sp>
+      <p:graphicFrame>
+        <p:nvGraphicFramePr>
+          <p:cNvPr id="4" name="Content Placeholder 3"/>
+          <p:cNvGraphicFramePr>
+            <a:graphicFrameLocks noGrp="1"/>
+          </p:cNvGraphicFramePr>
+          <p:nvPr>
+            <p:ph idx="1"/>
+            <p:extLst>
+              <p:ext uri="{D42A27DB-BD31-4B8C-83A1-F6EECF244321}">
+                <p14:modId xmlns:p14="http://schemas.microsoft.com/office/powerpoint/2010/main" val="4085809248"/>
+              </p:ext>
+            </p:extLst>
+          </p:nvPr>
+        </p:nvGraphicFramePr>
+        <p:xfrm>
+          <a:off x="1096963" y="1744134"/>
+          <a:ext cx="10155024" cy="4093407"/>
+        </p:xfrm>
+        <a:graphic>
+          <a:graphicData uri="http://schemas.openxmlformats.org/drawingml/2006/table">
+            <a:tbl>
+              <a:tblPr firstRow="1" bandRow="1">
+                <a:tableStyleId>{5C22544A-7EE6-4342-B048-85BDC9FD1C3A}</a:tableStyleId>
+              </a:tblPr>
+              <a:tblGrid>
+                <a:gridCol w="1624330"/>
+                <a:gridCol w="1346124"/>
+                <a:gridCol w="1436914"/>
+                <a:gridCol w="1436914"/>
+                <a:gridCol w="1436914"/>
+                <a:gridCol w="1436914"/>
+                <a:gridCol w="1436914"/>
+              </a:tblGrid>
+              <a:tr h="432221">
+                <a:tc>
+                  <a:txBody>
+                    <a:bodyPr/>
+                    <a:lstStyle/>
+                    <a:p>
+                      <a:r>
+                        <a:rPr lang="en-US" sz="1600" dirty="0" smtClean="0"/>
+                        <a:t>Method</a:t>
+                      </a:r>
+                      <a:endParaRPr lang="en-US" sz="1600" dirty="0"/>
+                    </a:p>
+                  </a:txBody>
+                  <a:tcPr/>
+                </a:tc>
+                <a:tc>
+                  <a:txBody>
+                    <a:bodyPr/>
+                    <a:lstStyle/>
+                    <a:p>
+                      <a:pPr marL="0" marR="0" indent="0" algn="l" defTabSz="914400" rtl="0" eaLnBrk="1" fontAlgn="auto" latinLnBrk="0" hangingPunct="1">
+                        <a:lnSpc>
+                          <a:spcPct val="100000"/>
+                        </a:lnSpc>
+                        <a:spcBef>
+                          <a:spcPts val="0"/>
+                        </a:spcBef>
+                        <a:spcAft>
+                          <a:spcPts val="0"/>
+                        </a:spcAft>
+                        <a:buClrTx/>
+                        <a:buSzTx/>
+                        <a:buFontTx/>
+                        <a:buNone/>
+                        <a:tabLst/>
+                        <a:defRPr/>
+                      </a:pPr>
+                      <a:r>
+                        <a:rPr lang="en-US" sz="1600" dirty="0" smtClean="0"/>
+                        <a:t>Score</a:t>
+                      </a:r>
+                      <a:r>
+                        <a:rPr lang="en-US" sz="1600" b="1" kern="1200" baseline="-25000" dirty="0" smtClean="0">
+                          <a:solidFill>
+                            <a:schemeClr val="lt1"/>
+                          </a:solidFill>
+                          <a:effectLst/>
+                          <a:latin typeface="+mn-lt"/>
+                          <a:ea typeface="+mn-ea"/>
+                          <a:cs typeface="+mn-cs"/>
+                        </a:rPr>
+                        <a:t>FNC</a:t>
+                      </a:r>
+                      <a:endParaRPr lang="en-US" sz="1600" b="1" kern="1200" dirty="0" smtClean="0">
+                        <a:solidFill>
+                          <a:schemeClr val="lt1"/>
+                        </a:solidFill>
+                        <a:effectLst/>
+                        <a:latin typeface="+mn-lt"/>
+                        <a:ea typeface="+mn-ea"/>
+                        <a:cs typeface="+mn-cs"/>
+                      </a:endParaRPr>
+                    </a:p>
+                  </a:txBody>
+                  <a:tcPr/>
+                </a:tc>
+                <a:tc>
+                  <a:txBody>
+                    <a:bodyPr/>
+                    <a:lstStyle/>
+                    <a:p>
+                      <a:r>
+                        <a:rPr lang="en-US" sz="1600" dirty="0" smtClean="0"/>
+                        <a:t>Agree</a:t>
+                      </a:r>
+                      <a:endParaRPr lang="en-US" sz="1600" dirty="0"/>
+                    </a:p>
+                  </a:txBody>
+                  <a:tcPr/>
+                </a:tc>
+                <a:tc>
+                  <a:txBody>
+                    <a:bodyPr/>
+                    <a:lstStyle/>
+                    <a:p>
+                      <a:r>
+                        <a:rPr lang="en-US" sz="1600" dirty="0" smtClean="0"/>
+                        <a:t>Disagree</a:t>
+                      </a:r>
+                      <a:endParaRPr lang="en-US" sz="1600" dirty="0"/>
+                    </a:p>
+                  </a:txBody>
+                  <a:tcPr/>
+                </a:tc>
+                <a:tc>
+                  <a:txBody>
+                    <a:bodyPr/>
+                    <a:lstStyle/>
+                    <a:p>
+                      <a:r>
+                        <a:rPr lang="en-US" sz="1600" dirty="0" smtClean="0"/>
+                        <a:t>Discuss</a:t>
+                      </a:r>
+                      <a:endParaRPr lang="en-US" sz="1600" dirty="0"/>
+                    </a:p>
+                  </a:txBody>
+                  <a:tcPr/>
+                </a:tc>
+                <a:tc>
+                  <a:txBody>
+                    <a:bodyPr/>
+                    <a:lstStyle/>
+                    <a:p>
+                      <a:r>
+                        <a:rPr lang="en-US" sz="1600" dirty="0" smtClean="0"/>
+                        <a:t>Unrelated</a:t>
+                      </a:r>
+                      <a:endParaRPr lang="en-US" sz="1600" dirty="0"/>
+                    </a:p>
+                  </a:txBody>
+                  <a:tcPr/>
+                </a:tc>
+                <a:tc>
+                  <a:txBody>
+                    <a:bodyPr/>
+                    <a:lstStyle/>
+                    <a:p>
+                      <a:r>
+                        <a:rPr lang="en-US" sz="1600" dirty="0" smtClean="0"/>
+                        <a:t>Overall</a:t>
+                      </a:r>
+                      <a:endParaRPr lang="en-US" sz="1600" dirty="0"/>
+                    </a:p>
+                  </a:txBody>
+                  <a:tcPr/>
+                </a:tc>
+              </a:tr>
+              <a:tr h="344650">
+                <a:tc>
+                  <a:txBody>
+                    <a:bodyPr/>
+                    <a:lstStyle/>
+                    <a:p>
+                      <a:r>
+                        <a:rPr lang="en-US" sz="1600" dirty="0" smtClean="0"/>
+                        <a:t>FNC-1 Baseline</a:t>
+                      </a:r>
+                      <a:endParaRPr lang="en-US" sz="1600" dirty="0"/>
+                    </a:p>
+                  </a:txBody>
+                  <a:tcPr/>
+                </a:tc>
+                <a:tc>
+                  <a:txBody>
+                    <a:bodyPr/>
+                    <a:lstStyle/>
+                    <a:p>
+                      <a:r>
+                        <a:rPr lang="en-US" sz="1600" dirty="0" smtClean="0"/>
+                        <a:t>75.20</a:t>
+                      </a:r>
+                      <a:endParaRPr lang="en-US" sz="1600" dirty="0"/>
+                    </a:p>
+                  </a:txBody>
+                  <a:tcPr/>
+                </a:tc>
+                <a:tc>
+                  <a:txBody>
+                    <a:bodyPr/>
+                    <a:lstStyle/>
+                    <a:p>
+                      <a:r>
+                        <a:rPr lang="en-US" sz="1600" dirty="0" smtClean="0"/>
+                        <a:t>9.09</a:t>
+                      </a:r>
+                      <a:endParaRPr lang="en-US" sz="1600" dirty="0"/>
+                    </a:p>
+                  </a:txBody>
+                  <a:tcPr/>
+                </a:tc>
+                <a:tc>
+                  <a:txBody>
+                    <a:bodyPr/>
+                    <a:lstStyle/>
+                    <a:p>
+                      <a:r>
+                        <a:rPr lang="en-US" sz="1600" dirty="0" smtClean="0"/>
+                        <a:t>1.00</a:t>
+                      </a:r>
+                      <a:endParaRPr lang="en-US" sz="1600" dirty="0"/>
+                    </a:p>
+                  </a:txBody>
+                  <a:tcPr/>
+                </a:tc>
+                <a:tc>
+                  <a:txBody>
+                    <a:bodyPr/>
+                    <a:lstStyle/>
+                    <a:p>
+                      <a:r>
+                        <a:rPr lang="en-US" sz="1600" dirty="0" smtClean="0"/>
+                        <a:t>79.65</a:t>
+                      </a:r>
+                      <a:endParaRPr lang="en-US" sz="1600" dirty="0"/>
+                    </a:p>
+                  </a:txBody>
+                  <a:tcPr/>
+                </a:tc>
+                <a:tc>
+                  <a:txBody>
+                    <a:bodyPr/>
+                    <a:lstStyle/>
+                    <a:p>
+                      <a:r>
+                        <a:rPr lang="en-US" sz="1600" dirty="0" smtClean="0"/>
+                        <a:t>97.97</a:t>
+                      </a:r>
+                      <a:endParaRPr lang="en-US" sz="1600" dirty="0"/>
+                    </a:p>
+                  </a:txBody>
+                  <a:tcPr/>
+                </a:tc>
+                <a:tc>
+                  <a:txBody>
+                    <a:bodyPr/>
+                    <a:lstStyle/>
+                    <a:p>
+                      <a:r>
+                        <a:rPr lang="en-US" sz="1600" dirty="0" smtClean="0"/>
+                        <a:t>85.44</a:t>
+                      </a:r>
+                      <a:endParaRPr lang="en-US" sz="1600" dirty="0"/>
+                    </a:p>
+                  </a:txBody>
+                  <a:tcPr/>
+                </a:tc>
+              </a:tr>
+              <a:tr h="344650">
+                <a:tc>
+                  <a:txBody>
+                    <a:bodyPr/>
+                    <a:lstStyle/>
+                    <a:p>
+                      <a:r>
+                        <a:rPr lang="en-US" sz="1600" dirty="0" smtClean="0"/>
+                        <a:t>WOrd2Vec</a:t>
+                      </a:r>
+                      <a:endParaRPr lang="en-US" sz="1600" dirty="0"/>
+                    </a:p>
+                  </a:txBody>
+                  <a:tcPr/>
+                </a:tc>
+                <a:tc>
+                  <a:txBody>
+                    <a:bodyPr/>
+                    <a:lstStyle/>
+                    <a:p>
+                      <a:r>
+                        <a:rPr lang="en-US" sz="1600" dirty="0" smtClean="0"/>
+                        <a:t>75.78</a:t>
+                      </a:r>
+                      <a:endParaRPr lang="en-US" sz="1600" dirty="0"/>
+                    </a:p>
+                  </a:txBody>
+                  <a:tcPr/>
+                </a:tc>
+                <a:tc>
+                  <a:txBody>
+                    <a:bodyPr/>
+                    <a:lstStyle/>
+                    <a:p>
+                      <a:r>
+                        <a:rPr lang="en-US" sz="1600" dirty="0" smtClean="0"/>
+                        <a:t>50.70</a:t>
+                      </a:r>
+                      <a:endParaRPr lang="en-US" sz="1600" dirty="0"/>
+                    </a:p>
+                  </a:txBody>
+                  <a:tcPr/>
+                </a:tc>
+                <a:tc>
+                  <a:txBody>
+                    <a:bodyPr/>
+                    <a:lstStyle/>
+                    <a:p>
+                      <a:r>
+                        <a:rPr lang="en-US" sz="1600" dirty="0" smtClean="0"/>
+                        <a:t>9.61</a:t>
+                      </a:r>
+                      <a:endParaRPr lang="en-US" sz="1600" dirty="0"/>
+                    </a:p>
+                  </a:txBody>
+                  <a:tcPr/>
+                </a:tc>
+                <a:tc>
+                  <a:txBody>
+                    <a:bodyPr/>
+                    <a:lstStyle/>
+                    <a:p>
+                      <a:r>
+                        <a:rPr lang="en-US" sz="1600" dirty="0" smtClean="0"/>
+                        <a:t>53.38</a:t>
+                      </a:r>
+                      <a:endParaRPr lang="en-US" sz="1600" dirty="0"/>
+                    </a:p>
+                  </a:txBody>
+                  <a:tcPr/>
+                </a:tc>
+                <a:tc>
+                  <a:txBody>
+                    <a:bodyPr/>
+                    <a:lstStyle/>
+                    <a:p>
+                      <a:r>
+                        <a:rPr lang="en-US" sz="1600" dirty="0" smtClean="0"/>
+                        <a:t>96.05</a:t>
+                      </a:r>
+                      <a:endParaRPr lang="en-US" sz="1600" dirty="0"/>
+                    </a:p>
+                  </a:txBody>
+                  <a:tcPr/>
+                </a:tc>
+                <a:tc>
+                  <a:txBody>
+                    <a:bodyPr/>
+                    <a:lstStyle/>
+                    <a:p>
+                      <a:r>
+                        <a:rPr lang="en-US" sz="1600" dirty="0" smtClean="0"/>
+                        <a:t>82.79</a:t>
+                      </a:r>
+                      <a:endParaRPr lang="en-US" sz="1600" dirty="0"/>
+                    </a:p>
+                  </a:txBody>
+                  <a:tcPr/>
+                </a:tc>
+              </a:tr>
+              <a:tr h="344650">
+                <a:tc>
+                  <a:txBody>
+                    <a:bodyPr/>
+                    <a:lstStyle/>
+                    <a:p>
+                      <a:r>
+                        <a:rPr lang="en-US" sz="1600" dirty="0" smtClean="0"/>
+                        <a:t>TF-IDF Features</a:t>
+                      </a:r>
+                      <a:endParaRPr lang="en-US" sz="1600" dirty="0"/>
+                    </a:p>
+                  </a:txBody>
+                  <a:tcPr/>
+                </a:tc>
+                <a:tc>
+                  <a:txBody>
+                    <a:bodyPr/>
+                    <a:lstStyle/>
+                    <a:p>
+                      <a:r>
+                        <a:rPr lang="en-US" sz="1600" dirty="0" smtClean="0"/>
+                        <a:t>81.72</a:t>
+                      </a:r>
+                      <a:endParaRPr lang="en-US" sz="1600" dirty="0"/>
+                    </a:p>
+                  </a:txBody>
+                  <a:tcPr/>
+                </a:tc>
+                <a:tc>
+                  <a:txBody>
+                    <a:bodyPr/>
+                    <a:lstStyle/>
+                    <a:p>
+                      <a:r>
+                        <a:rPr lang="en-US" sz="1600" dirty="0" smtClean="0"/>
+                        <a:t>44.04</a:t>
+                      </a:r>
+                      <a:endParaRPr lang="en-US" sz="1600" dirty="0"/>
+                    </a:p>
+                  </a:txBody>
+                  <a:tcPr/>
+                </a:tc>
+                <a:tc>
+                  <a:txBody>
+                    <a:bodyPr/>
+                    <a:lstStyle/>
+                    <a:p>
+                      <a:r>
+                        <a:rPr lang="en-US" sz="1600" dirty="0" smtClean="0"/>
+                        <a:t>6.60</a:t>
+                      </a:r>
+                      <a:endParaRPr lang="en-US" sz="1600" dirty="0"/>
+                    </a:p>
+                  </a:txBody>
+                  <a:tcPr/>
+                </a:tc>
+                <a:tc>
+                  <a:txBody>
+                    <a:bodyPr/>
+                    <a:lstStyle/>
+                    <a:p>
+                      <a:r>
+                        <a:rPr lang="en-US" sz="1600" dirty="0" smtClean="0"/>
+                        <a:t>81.38</a:t>
+                      </a:r>
+                      <a:endParaRPr lang="en-US" sz="1600" dirty="0"/>
+                    </a:p>
+                  </a:txBody>
+                  <a:tcPr/>
+                </a:tc>
+                <a:tc>
+                  <a:txBody>
+                    <a:bodyPr/>
+                    <a:lstStyle/>
+                    <a:p>
+                      <a:r>
+                        <a:rPr lang="en-US" sz="1600" dirty="0" smtClean="0"/>
+                        <a:t>97.90</a:t>
+                      </a:r>
+                      <a:endParaRPr lang="en-US" sz="1600" dirty="0"/>
+                    </a:p>
+                  </a:txBody>
+                  <a:tcPr/>
+                </a:tc>
+                <a:tc>
+                  <a:txBody>
+                    <a:bodyPr/>
+                    <a:lstStyle/>
+                    <a:p>
+                      <a:r>
+                        <a:rPr lang="en-US" sz="1600" dirty="0" smtClean="0"/>
+                        <a:t>88.46</a:t>
+                      </a:r>
+                      <a:endParaRPr lang="en-US" sz="1600" dirty="0"/>
+                    </a:p>
+                  </a:txBody>
+                  <a:tcPr/>
+                </a:tc>
+              </a:tr>
+              <a:tr h="344650">
+                <a:tc>
+                  <a:txBody>
+                    <a:bodyPr/>
+                    <a:lstStyle/>
+                    <a:p>
+                      <a:r>
+                        <a:rPr lang="en-US" sz="1600" dirty="0" smtClean="0"/>
+                        <a:t>SOLAT</a:t>
+                      </a:r>
+                      <a:r>
+                        <a:rPr lang="en-US" sz="1600" baseline="0" dirty="0" smtClean="0"/>
+                        <a:t> in SWEN</a:t>
+                      </a:r>
+                      <a:endParaRPr lang="en-US" sz="1600" dirty="0"/>
+                    </a:p>
+                  </a:txBody>
+                  <a:tcPr/>
+                </a:tc>
+                <a:tc>
+                  <a:txBody>
+                    <a:bodyPr/>
+                    <a:lstStyle/>
+                    <a:p>
+                      <a:r>
+                        <a:rPr lang="en-US" sz="1600" dirty="0" smtClean="0"/>
+                        <a:t>82.05</a:t>
+                      </a:r>
+                      <a:endParaRPr lang="en-US" sz="1600" dirty="0"/>
+                    </a:p>
+                  </a:txBody>
+                  <a:tcPr/>
+                </a:tc>
+                <a:tc>
+                  <a:txBody>
+                    <a:bodyPr/>
+                    <a:lstStyle/>
+                    <a:p>
+                      <a:r>
+                        <a:rPr lang="en-US" sz="1600" dirty="0" smtClean="0"/>
+                        <a:t>58.50</a:t>
+                      </a:r>
+                      <a:endParaRPr lang="en-US" sz="1600" dirty="0"/>
+                    </a:p>
+                  </a:txBody>
+                  <a:tcPr/>
+                </a:tc>
+                <a:tc>
+                  <a:txBody>
+                    <a:bodyPr/>
+                    <a:lstStyle/>
+                    <a:p>
+                      <a:r>
+                        <a:rPr lang="en-US" sz="1600" dirty="0" smtClean="0"/>
+                        <a:t>1.86</a:t>
+                      </a:r>
+                      <a:endParaRPr lang="en-US" sz="1600" dirty="0"/>
+                    </a:p>
+                  </a:txBody>
+                  <a:tcPr/>
+                </a:tc>
+                <a:tc>
+                  <a:txBody>
+                    <a:bodyPr/>
+                    <a:lstStyle/>
+                    <a:p>
+                      <a:r>
+                        <a:rPr lang="en-US" sz="1600" dirty="0" smtClean="0"/>
+                        <a:t>76.18</a:t>
+                      </a:r>
+                      <a:endParaRPr lang="en-US" sz="1600" dirty="0"/>
+                    </a:p>
+                  </a:txBody>
+                  <a:tcPr/>
+                </a:tc>
+                <a:tc>
+                  <a:txBody>
+                    <a:bodyPr/>
+                    <a:lstStyle/>
+                    <a:p>
+                      <a:r>
+                        <a:rPr lang="en-US" sz="1600" dirty="0" smtClean="0"/>
+                        <a:t>98.70</a:t>
+                      </a:r>
+                      <a:endParaRPr lang="en-US" sz="1600" dirty="0"/>
+                    </a:p>
+                  </a:txBody>
+                  <a:tcPr/>
+                </a:tc>
+                <a:tc>
+                  <a:txBody>
+                    <a:bodyPr/>
+                    <a:lstStyle/>
+                    <a:p>
+                      <a:r>
+                        <a:rPr lang="en-US" sz="1600" dirty="0" smtClean="0"/>
+                        <a:t>89.08</a:t>
+                      </a:r>
+                      <a:endParaRPr lang="en-US" sz="1600" dirty="0"/>
+                    </a:p>
+                  </a:txBody>
+                  <a:tcPr/>
+                </a:tc>
+              </a:tr>
+              <a:tr h="344650">
+                <a:tc>
+                  <a:txBody>
+                    <a:bodyPr/>
+                    <a:lstStyle/>
+                    <a:p>
+                      <a:r>
+                        <a:rPr lang="en-US" sz="1600" dirty="0" err="1" smtClean="0"/>
+                        <a:t>Athene</a:t>
+                      </a:r>
+                      <a:endParaRPr lang="en-US" sz="1600" dirty="0"/>
+                    </a:p>
+                  </a:txBody>
+                  <a:tcPr/>
+                </a:tc>
+                <a:tc>
+                  <a:txBody>
+                    <a:bodyPr/>
+                    <a:lstStyle/>
+                    <a:p>
+                      <a:r>
+                        <a:rPr lang="en-US" sz="1600" dirty="0" smtClean="0"/>
+                        <a:t>81.97</a:t>
+                      </a:r>
+                      <a:endParaRPr lang="en-US" sz="1600" dirty="0"/>
+                    </a:p>
+                  </a:txBody>
+                  <a:tcPr/>
+                </a:tc>
+                <a:tc>
+                  <a:txBody>
+                    <a:bodyPr/>
+                    <a:lstStyle/>
+                    <a:p>
+                      <a:r>
+                        <a:rPr lang="en-US" sz="1600" dirty="0" smtClean="0"/>
+                        <a:t>44.72</a:t>
+                      </a:r>
+                      <a:endParaRPr lang="en-US" sz="1600" dirty="0"/>
+                    </a:p>
+                  </a:txBody>
+                  <a:tcPr/>
+                </a:tc>
+                <a:tc>
+                  <a:txBody>
+                    <a:bodyPr/>
+                    <a:lstStyle/>
+                    <a:p>
+                      <a:r>
+                        <a:rPr lang="en-US" sz="1600" dirty="0" smtClean="0"/>
+                        <a:t>9.47</a:t>
+                      </a:r>
+                      <a:endParaRPr lang="en-US" sz="1600" dirty="0"/>
+                    </a:p>
+                  </a:txBody>
+                  <a:tcPr/>
+                </a:tc>
+                <a:tc>
+                  <a:txBody>
+                    <a:bodyPr/>
+                    <a:lstStyle/>
+                    <a:p>
+                      <a:r>
+                        <a:rPr lang="en-US" sz="1600" dirty="0" smtClean="0"/>
+                        <a:t>80.89</a:t>
+                      </a:r>
+                      <a:endParaRPr lang="en-US" sz="1600" dirty="0"/>
+                    </a:p>
+                  </a:txBody>
+                  <a:tcPr/>
+                </a:tc>
+                <a:tc>
+                  <a:txBody>
+                    <a:bodyPr/>
+                    <a:lstStyle/>
+                    <a:p>
+                      <a:r>
+                        <a:rPr lang="en-US" sz="1600" dirty="0" smtClean="0"/>
+                        <a:t>99.25</a:t>
+                      </a:r>
+                      <a:endParaRPr lang="en-US" sz="1600" dirty="0"/>
+                    </a:p>
+                  </a:txBody>
+                  <a:tcPr/>
+                </a:tc>
+                <a:tc>
+                  <a:txBody>
+                    <a:bodyPr/>
+                    <a:lstStyle/>
+                    <a:p>
+                      <a:r>
+                        <a:rPr lang="en-US" sz="1600" dirty="0" smtClean="0"/>
+                        <a:t>89.50</a:t>
+                      </a:r>
+                      <a:endParaRPr lang="en-US" sz="1600" dirty="0"/>
+                    </a:p>
+                  </a:txBody>
+                  <a:tcPr/>
+                </a:tc>
+              </a:tr>
+              <a:tr h="359128">
+                <a:tc>
+                  <a:txBody>
+                    <a:bodyPr/>
+                    <a:lstStyle/>
+                    <a:p>
+                      <a:r>
+                        <a:rPr lang="en-US" sz="1600" dirty="0" smtClean="0"/>
+                        <a:t>UCL M/C Reading</a:t>
+                      </a:r>
+                      <a:endParaRPr lang="en-US" sz="1600" dirty="0"/>
+                    </a:p>
+                  </a:txBody>
+                  <a:tcPr/>
+                </a:tc>
+                <a:tc>
+                  <a:txBody>
+                    <a:bodyPr/>
+                    <a:lstStyle/>
+                    <a:p>
+                      <a:r>
+                        <a:rPr lang="en-US" sz="1600" dirty="0" smtClean="0"/>
+                        <a:t>81.72</a:t>
+                      </a:r>
+                      <a:endParaRPr lang="en-US" sz="1600" dirty="0"/>
+                    </a:p>
+                  </a:txBody>
+                  <a:tcPr/>
+                </a:tc>
+                <a:tc>
+                  <a:txBody>
+                    <a:bodyPr/>
+                    <a:lstStyle/>
+                    <a:p>
+                      <a:r>
+                        <a:rPr lang="en-US" sz="1600" dirty="0" smtClean="0"/>
+                        <a:t>44.04</a:t>
+                      </a:r>
+                      <a:endParaRPr lang="en-US" sz="1600" dirty="0"/>
+                    </a:p>
+                  </a:txBody>
+                  <a:tcPr/>
+                </a:tc>
+                <a:tc>
+                  <a:txBody>
+                    <a:bodyPr/>
+                    <a:lstStyle/>
+                    <a:p>
+                      <a:r>
+                        <a:rPr lang="en-US" sz="1600" dirty="0" smtClean="0"/>
+                        <a:t>6.60</a:t>
+                      </a:r>
+                      <a:endParaRPr lang="en-US" sz="1600" dirty="0"/>
+                    </a:p>
+                  </a:txBody>
+                  <a:tcPr/>
+                </a:tc>
+                <a:tc>
+                  <a:txBody>
+                    <a:bodyPr/>
+                    <a:lstStyle/>
+                    <a:p>
+                      <a:r>
+                        <a:rPr lang="en-US" sz="1600" dirty="0" smtClean="0"/>
+                        <a:t>81.38</a:t>
+                      </a:r>
+                      <a:endParaRPr lang="en-US" sz="1600" dirty="0"/>
+                    </a:p>
+                  </a:txBody>
+                  <a:tcPr/>
+                </a:tc>
+                <a:tc>
+                  <a:txBody>
+                    <a:bodyPr/>
+                    <a:lstStyle/>
+                    <a:p>
+                      <a:r>
+                        <a:rPr lang="en-US" sz="1600" dirty="0" smtClean="0"/>
+                        <a:t>97.90</a:t>
+                      </a:r>
+                      <a:endParaRPr lang="en-US" sz="1600" dirty="0"/>
+                    </a:p>
+                  </a:txBody>
+                  <a:tcPr/>
+                </a:tc>
+                <a:tc>
+                  <a:txBody>
+                    <a:bodyPr/>
+                    <a:lstStyle/>
+                    <a:p>
+                      <a:r>
+                        <a:rPr lang="en-US" sz="1600" dirty="0" smtClean="0"/>
+                        <a:t>88.46</a:t>
+                      </a:r>
+                      <a:endParaRPr lang="en-US" sz="1600" dirty="0"/>
+                    </a:p>
+                  </a:txBody>
+                  <a:tcPr/>
+                </a:tc>
+              </a:tr>
+              <a:tr h="372534">
+                <a:tc>
+                  <a:txBody>
+                    <a:bodyPr/>
+                    <a:lstStyle/>
+                    <a:p>
+                      <a:r>
+                        <a:rPr lang="en-US" sz="1600" dirty="0" smtClean="0"/>
+                        <a:t>Tree Model </a:t>
+                      </a:r>
+                      <a:endParaRPr lang="en-US" sz="1600" dirty="0"/>
+                    </a:p>
+                  </a:txBody>
+                  <a:tcPr/>
+                </a:tc>
+                <a:tc>
+                  <a:txBody>
+                    <a:bodyPr/>
+                    <a:lstStyle/>
+                    <a:p>
+                      <a:r>
+                        <a:rPr lang="en-US" sz="1600" dirty="0" smtClean="0"/>
+                        <a:t>77.59</a:t>
+                      </a:r>
+                      <a:endParaRPr lang="en-US" sz="1600" dirty="0"/>
+                    </a:p>
+                  </a:txBody>
+                  <a:tcPr/>
+                </a:tc>
+                <a:tc>
+                  <a:txBody>
+                    <a:bodyPr/>
+                    <a:lstStyle/>
+                    <a:p>
+                      <a:pPr marL="0" marR="0" indent="0" algn="l" defTabSz="914400" rtl="0" eaLnBrk="1" fontAlgn="auto" latinLnBrk="0" hangingPunct="1">
+                        <a:lnSpc>
+                          <a:spcPct val="100000"/>
+                        </a:lnSpc>
+                        <a:spcBef>
+                          <a:spcPts val="0"/>
+                        </a:spcBef>
+                        <a:spcAft>
+                          <a:spcPts val="0"/>
+                        </a:spcAft>
+                        <a:buClrTx/>
+                        <a:buSzTx/>
+                        <a:buFontTx/>
+                        <a:buNone/>
+                        <a:tabLst/>
+                        <a:defRPr/>
+                      </a:pPr>
+                      <a:r>
+                        <a:rPr lang="en-US" sz="1600" dirty="0" smtClean="0"/>
+                        <a:t>0.554</a:t>
+                      </a:r>
+                    </a:p>
+                  </a:txBody>
+                  <a:tcPr/>
+                </a:tc>
+                <a:tc>
+                  <a:txBody>
+                    <a:bodyPr/>
+                    <a:lstStyle/>
+                    <a:p>
+                      <a:pPr marL="0" marR="0" indent="0" algn="l" defTabSz="914400" rtl="0" eaLnBrk="1" fontAlgn="auto" latinLnBrk="0" hangingPunct="1">
+                        <a:lnSpc>
+                          <a:spcPct val="100000"/>
+                        </a:lnSpc>
+                        <a:spcBef>
+                          <a:spcPts val="0"/>
+                        </a:spcBef>
+                        <a:spcAft>
+                          <a:spcPts val="0"/>
+                        </a:spcAft>
+                        <a:buClrTx/>
+                        <a:buSzTx/>
+                        <a:buFontTx/>
+                        <a:buNone/>
+                        <a:tabLst/>
+                        <a:defRPr/>
+                      </a:pPr>
+                      <a:r>
+                        <a:rPr lang="en-US" sz="1600" dirty="0" smtClean="0"/>
+                        <a:t>0.028</a:t>
+                      </a:r>
+                    </a:p>
+                  </a:txBody>
+                  <a:tcPr/>
+                </a:tc>
+                <a:tc>
+                  <a:txBody>
+                    <a:bodyPr/>
+                    <a:lstStyle/>
+                    <a:p>
+                      <a:r>
+                        <a:rPr lang="en-US" sz="1600" dirty="0" smtClean="0"/>
+                        <a:t>0.6650</a:t>
+                      </a:r>
+                      <a:endParaRPr lang="en-US" sz="1600" dirty="0"/>
+                    </a:p>
+                  </a:txBody>
+                  <a:tcPr/>
+                </a:tc>
+                <a:tc>
+                  <a:txBody>
+                    <a:bodyPr/>
+                    <a:lstStyle/>
+                    <a:p>
+                      <a:r>
+                        <a:rPr lang="en-US" sz="1600" dirty="0" smtClean="0"/>
+                        <a:t>0.9798</a:t>
+                      </a:r>
+                      <a:endParaRPr lang="en-US" sz="1600" dirty="0"/>
+                    </a:p>
+                  </a:txBody>
+                  <a:tcPr/>
+                </a:tc>
+                <a:tc>
+                  <a:txBody>
+                    <a:bodyPr/>
+                    <a:lstStyle/>
+                    <a:p>
+                      <a:r>
+                        <a:rPr lang="en-US" sz="1600" dirty="0" smtClean="0"/>
+                        <a:t>86.46</a:t>
+                      </a:r>
+                    </a:p>
+                  </a:txBody>
+                  <a:tcPr/>
+                </a:tc>
+              </a:tr>
+              <a:tr h="603137">
+                <a:tc>
+                  <a:txBody>
+                    <a:bodyPr/>
+                    <a:lstStyle/>
+                    <a:p>
+                      <a:r>
+                        <a:rPr lang="en-US" sz="1600" dirty="0" smtClean="0"/>
+                        <a:t>Deep Learning Model</a:t>
+                      </a:r>
+                      <a:endParaRPr lang="en-US" sz="1600" dirty="0"/>
+                    </a:p>
+                  </a:txBody>
+                  <a:tcPr/>
+                </a:tc>
+                <a:tc>
+                  <a:txBody>
+                    <a:bodyPr/>
+                    <a:lstStyle/>
+                    <a:p>
+                      <a:r>
+                        <a:rPr lang="en-US" sz="1600" dirty="0" smtClean="0"/>
+                        <a:t>77.277</a:t>
+                      </a:r>
+                      <a:endParaRPr lang="en-US" sz="1600" dirty="0"/>
+                    </a:p>
+                  </a:txBody>
+                  <a:tcPr/>
+                </a:tc>
+                <a:tc>
+                  <a:txBody>
+                    <a:bodyPr/>
+                    <a:lstStyle/>
+                    <a:p>
+                      <a:r>
+                        <a:rPr lang="en-US" sz="1600" dirty="0" smtClean="0"/>
+                        <a:t>0.4198</a:t>
+                      </a:r>
+                      <a:endParaRPr lang="en-US" sz="1600" dirty="0"/>
+                    </a:p>
+                  </a:txBody>
+                  <a:tcPr/>
+                </a:tc>
+                <a:tc>
+                  <a:txBody>
+                    <a:bodyPr/>
+                    <a:lstStyle/>
+                    <a:p>
+                      <a:r>
+                        <a:rPr lang="en-US" sz="1600" dirty="0" smtClean="0"/>
+                        <a:t>0.0028</a:t>
+                      </a:r>
+                      <a:endParaRPr lang="en-US" sz="1600" dirty="0"/>
+                    </a:p>
+                  </a:txBody>
+                  <a:tcPr/>
+                </a:tc>
+                <a:tc>
+                  <a:txBody>
+                    <a:bodyPr/>
+                    <a:lstStyle/>
+                    <a:p>
+                      <a:r>
+                        <a:rPr lang="en-US" sz="1600" dirty="0" smtClean="0"/>
+                        <a:t>0.1357</a:t>
+                      </a:r>
+                      <a:endParaRPr lang="en-US" sz="1600" dirty="0"/>
+                    </a:p>
+                  </a:txBody>
+                  <a:tcPr/>
+                </a:tc>
+                <a:tc>
+                  <a:txBody>
+                    <a:bodyPr/>
+                    <a:lstStyle/>
+                    <a:p>
+                      <a:r>
+                        <a:rPr lang="en-US" sz="1600" dirty="0" smtClean="0"/>
+                        <a:t>0.9788</a:t>
+                      </a:r>
+                      <a:endParaRPr lang="en-US" sz="1600" dirty="0"/>
+                    </a:p>
+                  </a:txBody>
+                  <a:tcPr/>
+                </a:tc>
+                <a:tc>
+                  <a:txBody>
+                    <a:bodyPr/>
+                    <a:lstStyle/>
+                    <a:p>
+                      <a:r>
+                        <a:rPr lang="en-US" sz="1600" dirty="0" smtClean="0"/>
+                        <a:t>86.58</a:t>
+                      </a:r>
+                    </a:p>
+                  </a:txBody>
+                  <a:tcPr/>
+                </a:tc>
+              </a:tr>
+              <a:tr h="603137">
+                <a:tc>
+                  <a:txBody>
+                    <a:bodyPr/>
+                    <a:lstStyle/>
+                    <a:p>
+                      <a:r>
+                        <a:rPr lang="en-US" sz="1600" dirty="0" smtClean="0"/>
+                        <a:t>Proposed Model</a:t>
+                      </a:r>
+                      <a:endParaRPr lang="en-US" sz="1600" dirty="0"/>
+                    </a:p>
+                  </a:txBody>
+                  <a:tcPr/>
+                </a:tc>
+                <a:tc>
+                  <a:txBody>
+                    <a:bodyPr/>
+                    <a:lstStyle/>
+                    <a:p>
+                      <a:r>
+                        <a:rPr lang="en-US" sz="1600" b="1" dirty="0" smtClean="0"/>
+                        <a:t>78.42</a:t>
+                      </a:r>
+                      <a:endParaRPr lang="en-US" sz="1600" b="1" dirty="0"/>
+                    </a:p>
+                  </a:txBody>
+                  <a:tcPr/>
+                </a:tc>
+                <a:tc>
+                  <a:txBody>
+                    <a:bodyPr/>
+                    <a:lstStyle/>
+                    <a:p>
+                      <a:r>
+                        <a:rPr lang="en-US" sz="1600" dirty="0" smtClean="0"/>
+                        <a:t>0.499</a:t>
+                      </a:r>
+                      <a:endParaRPr lang="en-US" sz="1600" dirty="0"/>
+                    </a:p>
+                  </a:txBody>
+                  <a:tcPr/>
+                </a:tc>
+                <a:tc>
+                  <a:txBody>
+                    <a:bodyPr/>
+                    <a:lstStyle/>
+                    <a:p>
+                      <a:r>
+                        <a:rPr lang="en-US" sz="1600" dirty="0" smtClean="0"/>
+                        <a:t>0.0129</a:t>
+                      </a:r>
+                      <a:endParaRPr lang="en-US" sz="1600" dirty="0"/>
+                    </a:p>
+                  </a:txBody>
+                  <a:tcPr/>
+                </a:tc>
+                <a:tc>
+                  <a:txBody>
+                    <a:bodyPr/>
+                    <a:lstStyle/>
+                    <a:p>
+                      <a:r>
+                        <a:rPr lang="en-US" sz="1600" dirty="0" smtClean="0"/>
+                        <a:t>0.7166</a:t>
+                      </a:r>
+                      <a:endParaRPr lang="en-US" sz="1600" dirty="0"/>
+                    </a:p>
+                  </a:txBody>
+                  <a:tcPr/>
+                </a:tc>
+                <a:tc>
+                  <a:txBody>
+                    <a:bodyPr/>
+                    <a:lstStyle/>
+                    <a:p>
+                      <a:r>
+                        <a:rPr lang="en-US" sz="1600" dirty="0" smtClean="0"/>
+                        <a:t>0.9808</a:t>
+                      </a:r>
+                      <a:endParaRPr lang="en-US" sz="1600" dirty="0"/>
+                    </a:p>
+                  </a:txBody>
+                  <a:tcPr/>
+                </a:tc>
+                <a:tc>
+                  <a:txBody>
+                    <a:bodyPr/>
+                    <a:lstStyle/>
+                    <a:p>
+                      <a:r>
+                        <a:rPr lang="en-US" sz="1600" b="1" dirty="0" smtClean="0"/>
+                        <a:t>87.19</a:t>
+                      </a:r>
+                    </a:p>
+                  </a:txBody>
+                  <a:tcPr/>
+                </a:tc>
+              </a:tr>
+            </a:tbl>
+          </a:graphicData>
+        </a:graphic>
+      </p:graphicFrame>
+      <p:sp>
+        <p:nvSpPr>
+          <p:cNvPr id="5" name="TextBox 4"/>
+          <p:cNvSpPr txBox="1"/>
+          <p:nvPr/>
+        </p:nvSpPr>
+        <p:spPr>
+          <a:xfrm>
+            <a:off x="7416800" y="143933"/>
+            <a:ext cx="3738880" cy="1384995"/>
+          </a:xfrm>
+          <a:prstGeom prst="rect">
+            <a:avLst/>
+          </a:prstGeom>
+          <a:noFill/>
+        </p:spPr>
+        <p:txBody>
+          <a:bodyPr wrap="square" rtlCol="0">
+            <a:spAutoFit/>
+          </a:bodyPr>
+          <a:lstStyle/>
+          <a:p>
+            <a:r>
+              <a:rPr lang="en-US" sz="1400" dirty="0" smtClean="0"/>
+              <a:t>Performance of diﬀerent models on FNC-1 Test Dataset. The ﬁrst half of the table shows the baselines, followed by the top-4 submissions, and diﬀerent architectures used in our work. Column 2-5 shows the class-wise accuracy in % while the last column shows the overall accuracy</a:t>
+            </a:r>
+            <a:endParaRPr lang="en-US" sz="1400" dirty="0"/>
+          </a:p>
+        </p:txBody>
+      </p:sp>
+    </p:spTree>
+    <p:extLst>
+      <p:ext uri="{BB962C8B-B14F-4D97-AF65-F5344CB8AC3E}">
+        <p14:creationId xmlns:p14="http://schemas.microsoft.com/office/powerpoint/2010/main" val="2022016277"/>
+      </p:ext>
+    </p:extLst>
+  </p:cSld>
+  <p:clrMapOvr>
+    <a:masterClrMapping/>
+  </p:clrMapOvr>
+</p:sld>
+</file>
+
+<file path=ppt/slides/slide17.xml><?xml version="1.0" encoding="utf-8"?>
+<p:sld xmlns:a="http://schemas.openxmlformats.org/drawingml/2006/main" xmlns:r="http://schemas.openxmlformats.org/officeDocument/2006/relationships" xmlns:p="http://schemas.openxmlformats.org/presentationml/2006/main">
+  <p:cSld>
+    <p:spTree>
+      <p:nvGrpSpPr>
+        <p:cNvPr id="1" name=""/>
+        <p:cNvGrpSpPr/>
+        <p:nvPr/>
+      </p:nvGrpSpPr>
+      <p:grpSpPr>
+        <a:xfrm>
+          <a:off x="0" y="0"/>
+          <a:ext cx="0" cy="0"/>
+          <a:chOff x="0" y="0"/>
+          <a:chExt cx="0" cy="0"/>
+        </a:xfrm>
+      </p:grpSpPr>
+      <p:sp>
+        <p:nvSpPr>
+          <p:cNvPr id="2" name="Title 1"/>
+          <p:cNvSpPr>
+            <a:spLocks noGrp="1"/>
+          </p:cNvSpPr>
+          <p:nvPr>
+            <p:ph type="title"/>
+          </p:nvPr>
+        </p:nvSpPr>
+        <p:spPr/>
+        <p:txBody>
+          <a:bodyPr/>
+          <a:lstStyle/>
+          <a:p>
+            <a:r>
+              <a:rPr lang="en-US" dirty="0" smtClean="0"/>
+              <a:t>Challenges</a:t>
+            </a:r>
+            <a:endParaRPr lang="en-US" dirty="0"/>
+          </a:p>
+        </p:txBody>
+      </p:sp>
+      <p:sp>
+        <p:nvSpPr>
+          <p:cNvPr id="3" name="Content Placeholder 2"/>
+          <p:cNvSpPr>
+            <a:spLocks noGrp="1"/>
+          </p:cNvSpPr>
+          <p:nvPr>
+            <p:ph idx="1"/>
+          </p:nvPr>
+        </p:nvSpPr>
+        <p:spPr/>
+        <p:txBody>
+          <a:bodyPr/>
+          <a:lstStyle/>
+          <a:p>
+            <a:r>
+              <a:rPr lang="en-US" u="sng" dirty="0" smtClean="0"/>
+              <a:t>Implementation Challenges:</a:t>
+            </a:r>
+          </a:p>
+          <a:p>
+            <a:pPr>
+              <a:buFont typeface="Wingdings" panose="05000000000000000000" pitchFamily="2" charset="2"/>
+              <a:buChar char="§"/>
+            </a:pPr>
+            <a:r>
+              <a:rPr lang="en-US" dirty="0" smtClean="0"/>
+              <a:t>The major challenge faced while implementing our model was the computation lack-off due to which the process became tedious than normal</a:t>
+            </a:r>
+          </a:p>
+          <a:p>
+            <a:pPr marL="0" indent="0">
+              <a:buNone/>
+            </a:pPr>
+            <a:r>
+              <a:rPr lang="en-US" u="sng" dirty="0" smtClean="0"/>
+              <a:t>Other Challenges: </a:t>
+            </a:r>
+          </a:p>
+          <a:p>
+            <a:pPr>
+              <a:buFont typeface="Wingdings" panose="05000000000000000000" pitchFamily="2" charset="2"/>
+              <a:buChar char="§"/>
+            </a:pPr>
+            <a:r>
+              <a:rPr lang="en-US" dirty="0"/>
+              <a:t>News characteristics such as timeliness and </a:t>
+            </a:r>
+            <a:r>
+              <a:rPr lang="en-US" dirty="0" smtClean="0"/>
+              <a:t>oddity indicate </a:t>
+            </a:r>
+            <a:r>
+              <a:rPr lang="en-US" dirty="0"/>
+              <a:t>that the detection of fake news does not follow that of other fake information, e.g., fake statements and fake reviews, and thus brings about new challenges</a:t>
+            </a:r>
+            <a:r>
+              <a:rPr lang="en-US" dirty="0" smtClean="0"/>
+              <a:t>.</a:t>
+            </a:r>
+          </a:p>
+          <a:p>
+            <a:pPr>
+              <a:buFont typeface="Wingdings" panose="05000000000000000000" pitchFamily="2" charset="2"/>
+              <a:buChar char="§"/>
+            </a:pPr>
+            <a:r>
+              <a:rPr lang="en-US" b="1" dirty="0" smtClean="0"/>
+              <a:t>However the challenge much more bigger than fake news is civic reasoning in a social media environment which any AI algorithm can’t seem to monitor. </a:t>
+            </a:r>
+            <a:endParaRPr lang="en-US" b="1" u="sng" dirty="0"/>
+          </a:p>
+        </p:txBody>
+      </p:sp>
+    </p:spTree>
+    <p:extLst>
+      <p:ext uri="{BB962C8B-B14F-4D97-AF65-F5344CB8AC3E}">
+        <p14:creationId xmlns:p14="http://schemas.microsoft.com/office/powerpoint/2010/main" val="183990878"/>
+      </p:ext>
+    </p:extLst>
+  </p:cSld>
+  <p:clrMapOvr>
+    <a:masterClrMapping/>
+  </p:clrMapOvr>
+</p:sld>
+</file>
+
+<file path=ppt/slides/slide18.xml><?xml version="1.0" encoding="utf-8"?>
+<p:sld xmlns:a="http://schemas.openxmlformats.org/drawingml/2006/main" xmlns:r="http://schemas.openxmlformats.org/officeDocument/2006/relationships" xmlns:p="http://schemas.openxmlformats.org/presentationml/2006/main">
+  <p:cSld>
+    <p:spTree>
+      <p:nvGrpSpPr>
+        <p:cNvPr id="1" name=""/>
+        <p:cNvGrpSpPr/>
+        <p:nvPr/>
+      </p:nvGrpSpPr>
+      <p:grpSpPr>
+        <a:xfrm>
+          <a:off x="0" y="0"/>
+          <a:ext cx="0" cy="0"/>
+          <a:chOff x="0" y="0"/>
+          <a:chExt cx="0" cy="0"/>
+        </a:xfrm>
+      </p:grpSpPr>
+      <p:sp>
+        <p:nvSpPr>
+          <p:cNvPr id="2" name="Title 1"/>
+          <p:cNvSpPr>
+            <a:spLocks noGrp="1"/>
+          </p:cNvSpPr>
+          <p:nvPr>
+            <p:ph type="title"/>
+          </p:nvPr>
+        </p:nvSpPr>
+        <p:spPr/>
+        <p:txBody>
+          <a:bodyPr/>
+          <a:lstStyle/>
+          <a:p>
+            <a:r>
+              <a:rPr lang="en-US" dirty="0" smtClean="0"/>
+              <a:t>Conclusion and Future Scope</a:t>
+            </a:r>
+            <a:endParaRPr lang="en-US" dirty="0"/>
+          </a:p>
+        </p:txBody>
+      </p:sp>
+      <p:sp>
+        <p:nvSpPr>
+          <p:cNvPr id="3" name="Content Placeholder 2"/>
+          <p:cNvSpPr>
+            <a:spLocks noGrp="1"/>
+          </p:cNvSpPr>
+          <p:nvPr>
+            <p:ph idx="1"/>
+          </p:nvPr>
+        </p:nvSpPr>
+        <p:spPr/>
+        <p:txBody>
+          <a:bodyPr/>
+          <a:lstStyle/>
+          <a:p>
+            <a:pPr>
+              <a:buFont typeface="Wingdings" panose="05000000000000000000" pitchFamily="2" charset="2"/>
+              <a:buChar char="§"/>
+            </a:pPr>
+            <a:r>
+              <a:rPr lang="en-US" sz="2400" dirty="0"/>
+              <a:t>Since the challenge’s metric is highly affected by the imbalanced class distribution of the test data, the FNC score used for </a:t>
+            </a:r>
+            <a:r>
+              <a:rPr lang="en-US" sz="2400" dirty="0" smtClean="0"/>
+              <a:t>measuring performance can be considered as a weak metric. However, use of F1 score can provide a levelled evaluation. </a:t>
+            </a:r>
+            <a:endParaRPr lang="en-US" sz="2400" dirty="0"/>
+          </a:p>
+          <a:p>
+            <a:pPr>
+              <a:buFont typeface="Wingdings" panose="05000000000000000000" pitchFamily="2" charset="2"/>
+              <a:buChar char="§"/>
+            </a:pPr>
+            <a:r>
+              <a:rPr lang="en-US" sz="2400" dirty="0" smtClean="0"/>
+              <a:t>More </a:t>
+            </a:r>
+            <a:r>
+              <a:rPr lang="en-US" sz="2400" dirty="0"/>
+              <a:t>sophisticated machine learning techniques are needed, which have a deeper semantic understanding, and are able to determine the stance on the basis of propositional content instead of relying on lexical features. </a:t>
+            </a:r>
+            <a:endParaRPr lang="en-US" sz="2400" dirty="0" smtClean="0"/>
+          </a:p>
+          <a:p>
+            <a:pPr>
+              <a:buFont typeface="Wingdings" panose="05000000000000000000" pitchFamily="2" charset="2"/>
+              <a:buChar char="§"/>
+            </a:pPr>
+            <a:r>
+              <a:rPr lang="en-US" sz="2400" dirty="0" smtClean="0"/>
+              <a:t>We can incorporate more detailed datasets and also include news articles with images in them to expand the deliverables.</a:t>
+            </a:r>
+            <a:endParaRPr lang="en-US" sz="2400" dirty="0"/>
+          </a:p>
+          <a:p>
+            <a:endParaRPr lang="en-US" dirty="0"/>
+          </a:p>
+        </p:txBody>
+      </p:sp>
+    </p:spTree>
+    <p:extLst>
+      <p:ext uri="{BB962C8B-B14F-4D97-AF65-F5344CB8AC3E}">
+        <p14:creationId xmlns:p14="http://schemas.microsoft.com/office/powerpoint/2010/main" val="2213896315"/>
+      </p:ext>
+    </p:extLst>
+  </p:cSld>
+  <p:clrMapOvr>
+    <a:masterClrMapping/>
+  </p:clrMapOvr>
+</p:sld>
+</file>
+
+<file path=ppt/slides/slide19.xml><?xml version="1.0" encoding="utf-8"?>
+<p:sld xmlns:a="http://schemas.openxmlformats.org/drawingml/2006/main" xmlns:r="http://schemas.openxmlformats.org/officeDocument/2006/relationships" xmlns:p="http://schemas.openxmlformats.org/presentationml/2006/main">
+  <p:cSld>
+    <p:spTree>
+      <p:nvGrpSpPr>
+        <p:cNvPr id="1" name=""/>
+        <p:cNvGrpSpPr/>
+        <p:nvPr/>
+      </p:nvGrpSpPr>
+      <p:grpSpPr>
+        <a:xfrm>
+          <a:off x="0" y="0"/>
+          <a:ext cx="0" cy="0"/>
+          <a:chOff x="0" y="0"/>
+          <a:chExt cx="0" cy="0"/>
+        </a:xfrm>
+      </p:grpSpPr>
+      <p:sp>
+        <p:nvSpPr>
+          <p:cNvPr id="2" name="Title 1"/>
+          <p:cNvSpPr>
+            <a:spLocks noGrp="1"/>
+          </p:cNvSpPr>
+          <p:nvPr>
+            <p:ph type="title"/>
+          </p:nvPr>
+        </p:nvSpPr>
+        <p:spPr/>
+        <p:txBody>
+          <a:bodyPr/>
+          <a:lstStyle/>
+          <a:p>
+            <a:pPr algn="ctr"/>
+            <a:r>
+              <a:rPr lang="en-US" dirty="0" smtClean="0">
+                <a:solidFill>
+                  <a:schemeClr val="tx2"/>
+                </a:solidFill>
+              </a:rPr>
+              <a:t>THANK YOU</a:t>
+            </a:r>
+            <a:endParaRPr lang="en-US" dirty="0">
+              <a:solidFill>
+                <a:schemeClr val="tx2"/>
+              </a:solidFill>
+            </a:endParaRPr>
+          </a:p>
+        </p:txBody>
+      </p:sp>
+      <p:sp>
+        <p:nvSpPr>
+          <p:cNvPr id="3" name="Content Placeholder 2"/>
+          <p:cNvSpPr>
+            <a:spLocks noGrp="1"/>
+          </p:cNvSpPr>
+          <p:nvPr>
+            <p:ph idx="1"/>
+          </p:nvPr>
+        </p:nvSpPr>
+        <p:spPr/>
+        <p:txBody>
+          <a:bodyPr/>
+          <a:lstStyle/>
+          <a:p>
+            <a:pPr algn="ctr"/>
+            <a:r>
+              <a:rPr lang="en-US" dirty="0" smtClean="0"/>
+              <a:t>(And Beware of Fake News!)</a:t>
+            </a:r>
+            <a:endParaRPr lang="en-US" dirty="0"/>
+          </a:p>
+        </p:txBody>
+      </p:sp>
+      <p:pic>
+        <p:nvPicPr>
+          <p:cNvPr id="4" name="Picture 3"/>
+          <p:cNvPicPr>
+            <a:picLocks noChangeAspect="1"/>
+          </p:cNvPicPr>
+          <p:nvPr/>
+        </p:nvPicPr>
+        <p:blipFill>
+          <a:blip r:embed="rId2">
+            <a:extLst>
+              <a:ext uri="{28A0092B-C50C-407E-A947-70E740481C1C}">
+                <a14:useLocalDpi xmlns:a14="http://schemas.microsoft.com/office/drawing/2010/main" val="0"/>
+              </a:ext>
+            </a:extLst>
+          </a:blip>
+          <a:stretch>
+            <a:fillRect/>
+          </a:stretch>
+        </p:blipFill>
+        <p:spPr>
+          <a:xfrm>
+            <a:off x="6824962" y="2374371"/>
+            <a:ext cx="4330718" cy="2510895"/>
+          </a:xfrm>
+          <a:prstGeom prst="rect">
+            <a:avLst/>
+          </a:prstGeom>
+        </p:spPr>
+      </p:pic>
+      <p:pic>
+        <p:nvPicPr>
+          <p:cNvPr id="5" name="Picture 4"/>
+          <p:cNvPicPr>
+            <a:picLocks noChangeAspect="1"/>
+          </p:cNvPicPr>
+          <p:nvPr/>
+        </p:nvPicPr>
+        <p:blipFill>
+          <a:blip r:embed="rId3" cstate="print">
+            <a:extLst>
+              <a:ext uri="{28A0092B-C50C-407E-A947-70E740481C1C}">
+                <a14:useLocalDpi xmlns:a14="http://schemas.microsoft.com/office/drawing/2010/main" val="0"/>
+              </a:ext>
+            </a:extLst>
+          </a:blip>
+          <a:stretch>
+            <a:fillRect/>
+          </a:stretch>
+        </p:blipFill>
+        <p:spPr>
+          <a:xfrm>
+            <a:off x="734309" y="2374371"/>
+            <a:ext cx="4161704" cy="2510895"/>
+          </a:xfrm>
+          <a:prstGeom prst="rect">
+            <a:avLst/>
+          </a:prstGeom>
+        </p:spPr>
+      </p:pic>
+      <p:sp>
+        <p:nvSpPr>
+          <p:cNvPr id="7" name="&quot;No&quot; Symbol 6"/>
+          <p:cNvSpPr/>
+          <p:nvPr/>
+        </p:nvSpPr>
+        <p:spPr>
+          <a:xfrm>
+            <a:off x="1960024" y="2604874"/>
+            <a:ext cx="1710274" cy="1874838"/>
+          </a:xfrm>
+          <a:custGeom>
+            <a:avLst/>
+            <a:gdLst>
+              <a:gd name="connsiteX0" fmla="*/ 0 w 1710273"/>
+              <a:gd name="connsiteY0" fmla="*/ 937419 h 1874838"/>
+              <a:gd name="connsiteX1" fmla="*/ 855137 w 1710273"/>
+              <a:gd name="connsiteY1" fmla="*/ 0 h 1874838"/>
+              <a:gd name="connsiteX2" fmla="*/ 1710274 w 1710273"/>
+              <a:gd name="connsiteY2" fmla="*/ 937419 h 1874838"/>
+              <a:gd name="connsiteX3" fmla="*/ 855137 w 1710273"/>
+              <a:gd name="connsiteY3" fmla="*/ 1874838 h 1874838"/>
+              <a:gd name="connsiteX4" fmla="*/ 0 w 1710273"/>
+              <a:gd name="connsiteY4" fmla="*/ 937419 h 1874838"/>
+              <a:gd name="connsiteX5" fmla="*/ 1324924 w 1710273"/>
+              <a:gd name="connsiteY5" fmla="*/ 1231501 h 1874838"/>
+              <a:gd name="connsiteX6" fmla="*/ 1274411 w 1710273"/>
+              <a:gd name="connsiteY6" fmla="*/ 554946 h 1874838"/>
+              <a:gd name="connsiteX7" fmla="*/ 586074 w 1710273"/>
+              <a:gd name="connsiteY7" fmla="*/ 404530 h 1874838"/>
+              <a:gd name="connsiteX8" fmla="*/ 1324924 w 1710273"/>
+              <a:gd name="connsiteY8" fmla="*/ 1231501 h 1874838"/>
+              <a:gd name="connsiteX9" fmla="*/ 385349 w 1710273"/>
+              <a:gd name="connsiteY9" fmla="*/ 643337 h 1874838"/>
+              <a:gd name="connsiteX10" fmla="*/ 435862 w 1710273"/>
+              <a:gd name="connsiteY10" fmla="*/ 1319892 h 1874838"/>
+              <a:gd name="connsiteX11" fmla="*/ 1124199 w 1710273"/>
+              <a:gd name="connsiteY11" fmla="*/ 1470308 h 1874838"/>
+              <a:gd name="connsiteX12" fmla="*/ 385349 w 1710273"/>
+              <a:gd name="connsiteY12" fmla="*/ 643337 h 1874838"/>
+              <a:gd name="connsiteX0" fmla="*/ 0 w 1710274"/>
+              <a:gd name="connsiteY0" fmla="*/ 937419 h 1874838"/>
+              <a:gd name="connsiteX1" fmla="*/ 855137 w 1710274"/>
+              <a:gd name="connsiteY1" fmla="*/ 0 h 1874838"/>
+              <a:gd name="connsiteX2" fmla="*/ 1710274 w 1710274"/>
+              <a:gd name="connsiteY2" fmla="*/ 937419 h 1874838"/>
+              <a:gd name="connsiteX3" fmla="*/ 855137 w 1710274"/>
+              <a:gd name="connsiteY3" fmla="*/ 1874838 h 1874838"/>
+              <a:gd name="connsiteX4" fmla="*/ 0 w 1710274"/>
+              <a:gd name="connsiteY4" fmla="*/ 937419 h 1874838"/>
+              <a:gd name="connsiteX5" fmla="*/ 1324924 w 1710274"/>
+              <a:gd name="connsiteY5" fmla="*/ 1231501 h 1874838"/>
+              <a:gd name="connsiteX6" fmla="*/ 1274411 w 1710274"/>
+              <a:gd name="connsiteY6" fmla="*/ 554946 h 1874838"/>
+              <a:gd name="connsiteX7" fmla="*/ 586074 w 1710274"/>
+              <a:gd name="connsiteY7" fmla="*/ 404530 h 1874838"/>
+              <a:gd name="connsiteX8" fmla="*/ 1324924 w 1710274"/>
+              <a:gd name="connsiteY8" fmla="*/ 1231501 h 1874838"/>
+              <a:gd name="connsiteX9" fmla="*/ 292216 w 1710274"/>
+              <a:gd name="connsiteY9" fmla="*/ 541737 h 1874838"/>
+              <a:gd name="connsiteX10" fmla="*/ 435862 w 1710274"/>
+              <a:gd name="connsiteY10" fmla="*/ 1319892 h 1874838"/>
+              <a:gd name="connsiteX11" fmla="*/ 1124199 w 1710274"/>
+              <a:gd name="connsiteY11" fmla="*/ 1470308 h 1874838"/>
+              <a:gd name="connsiteX12" fmla="*/ 292216 w 1710274"/>
+              <a:gd name="connsiteY12" fmla="*/ 541737 h 1874838"/>
+              <a:gd name="connsiteX0" fmla="*/ 0 w 1710274"/>
+              <a:gd name="connsiteY0" fmla="*/ 937419 h 1874838"/>
+              <a:gd name="connsiteX1" fmla="*/ 855137 w 1710274"/>
+              <a:gd name="connsiteY1" fmla="*/ 0 h 1874838"/>
+              <a:gd name="connsiteX2" fmla="*/ 1710274 w 1710274"/>
+              <a:gd name="connsiteY2" fmla="*/ 937419 h 1874838"/>
+              <a:gd name="connsiteX3" fmla="*/ 855137 w 1710274"/>
+              <a:gd name="connsiteY3" fmla="*/ 1874838 h 1874838"/>
+              <a:gd name="connsiteX4" fmla="*/ 0 w 1710274"/>
+              <a:gd name="connsiteY4" fmla="*/ 937419 h 1874838"/>
+              <a:gd name="connsiteX5" fmla="*/ 1324924 w 1710274"/>
+              <a:gd name="connsiteY5" fmla="*/ 1231501 h 1874838"/>
+              <a:gd name="connsiteX6" fmla="*/ 1274411 w 1710274"/>
+              <a:gd name="connsiteY6" fmla="*/ 554946 h 1874838"/>
+              <a:gd name="connsiteX7" fmla="*/ 586074 w 1710274"/>
+              <a:gd name="connsiteY7" fmla="*/ 404530 h 1874838"/>
+              <a:gd name="connsiteX8" fmla="*/ 1324924 w 1710274"/>
+              <a:gd name="connsiteY8" fmla="*/ 1231501 h 1874838"/>
+              <a:gd name="connsiteX9" fmla="*/ 292216 w 1710274"/>
+              <a:gd name="connsiteY9" fmla="*/ 541737 h 1874838"/>
+              <a:gd name="connsiteX10" fmla="*/ 435862 w 1710274"/>
+              <a:gd name="connsiteY10" fmla="*/ 1319892 h 1874838"/>
+              <a:gd name="connsiteX11" fmla="*/ 1225799 w 1710274"/>
+              <a:gd name="connsiteY11" fmla="*/ 1588841 h 1874838"/>
+              <a:gd name="connsiteX12" fmla="*/ 292216 w 1710274"/>
+              <a:gd name="connsiteY12" fmla="*/ 541737 h 1874838"/>
+              <a:gd name="connsiteX0" fmla="*/ 0 w 1710274"/>
+              <a:gd name="connsiteY0" fmla="*/ 937419 h 1874838"/>
+              <a:gd name="connsiteX1" fmla="*/ 855137 w 1710274"/>
+              <a:gd name="connsiteY1" fmla="*/ 0 h 1874838"/>
+              <a:gd name="connsiteX2" fmla="*/ 1710274 w 1710274"/>
+              <a:gd name="connsiteY2" fmla="*/ 937419 h 1874838"/>
+              <a:gd name="connsiteX3" fmla="*/ 855137 w 1710274"/>
+              <a:gd name="connsiteY3" fmla="*/ 1874838 h 1874838"/>
+              <a:gd name="connsiteX4" fmla="*/ 0 w 1710274"/>
+              <a:gd name="connsiteY4" fmla="*/ 937419 h 1874838"/>
+              <a:gd name="connsiteX5" fmla="*/ 1324924 w 1710274"/>
+              <a:gd name="connsiteY5" fmla="*/ 1231501 h 1874838"/>
+              <a:gd name="connsiteX6" fmla="*/ 1274411 w 1710274"/>
+              <a:gd name="connsiteY6" fmla="*/ 554946 h 1874838"/>
+              <a:gd name="connsiteX7" fmla="*/ 586074 w 1710274"/>
+              <a:gd name="connsiteY7" fmla="*/ 404530 h 1874838"/>
+              <a:gd name="connsiteX8" fmla="*/ 1324924 w 1710274"/>
+              <a:gd name="connsiteY8" fmla="*/ 1231501 h 1874838"/>
+              <a:gd name="connsiteX9" fmla="*/ 292216 w 1710274"/>
+              <a:gd name="connsiteY9" fmla="*/ 541737 h 1874838"/>
+              <a:gd name="connsiteX10" fmla="*/ 368129 w 1710274"/>
+              <a:gd name="connsiteY10" fmla="*/ 1429959 h 1874838"/>
+              <a:gd name="connsiteX11" fmla="*/ 1225799 w 1710274"/>
+              <a:gd name="connsiteY11" fmla="*/ 1588841 h 1874838"/>
+              <a:gd name="connsiteX12" fmla="*/ 292216 w 1710274"/>
+              <a:gd name="connsiteY12" fmla="*/ 541737 h 1874838"/>
+              <a:gd name="connsiteX0" fmla="*/ 0 w 1710274"/>
+              <a:gd name="connsiteY0" fmla="*/ 937419 h 1874838"/>
+              <a:gd name="connsiteX1" fmla="*/ 855137 w 1710274"/>
+              <a:gd name="connsiteY1" fmla="*/ 0 h 1874838"/>
+              <a:gd name="connsiteX2" fmla="*/ 1710274 w 1710274"/>
+              <a:gd name="connsiteY2" fmla="*/ 937419 h 1874838"/>
+              <a:gd name="connsiteX3" fmla="*/ 855137 w 1710274"/>
+              <a:gd name="connsiteY3" fmla="*/ 1874838 h 1874838"/>
+              <a:gd name="connsiteX4" fmla="*/ 0 w 1710274"/>
+              <a:gd name="connsiteY4" fmla="*/ 937419 h 1874838"/>
+              <a:gd name="connsiteX5" fmla="*/ 1324924 w 1710274"/>
+              <a:gd name="connsiteY5" fmla="*/ 1231501 h 1874838"/>
+              <a:gd name="connsiteX6" fmla="*/ 1384478 w 1710274"/>
+              <a:gd name="connsiteY6" fmla="*/ 495680 h 1874838"/>
+              <a:gd name="connsiteX7" fmla="*/ 586074 w 1710274"/>
+              <a:gd name="connsiteY7" fmla="*/ 404530 h 1874838"/>
+              <a:gd name="connsiteX8" fmla="*/ 1324924 w 1710274"/>
+              <a:gd name="connsiteY8" fmla="*/ 1231501 h 1874838"/>
+              <a:gd name="connsiteX9" fmla="*/ 292216 w 1710274"/>
+              <a:gd name="connsiteY9" fmla="*/ 541737 h 1874838"/>
+              <a:gd name="connsiteX10" fmla="*/ 368129 w 1710274"/>
+              <a:gd name="connsiteY10" fmla="*/ 1429959 h 1874838"/>
+              <a:gd name="connsiteX11" fmla="*/ 1225799 w 1710274"/>
+              <a:gd name="connsiteY11" fmla="*/ 1588841 h 1874838"/>
+              <a:gd name="connsiteX12" fmla="*/ 292216 w 1710274"/>
+              <a:gd name="connsiteY12" fmla="*/ 541737 h 1874838"/>
+              <a:gd name="connsiteX0" fmla="*/ 0 w 1710274"/>
+              <a:gd name="connsiteY0" fmla="*/ 937419 h 1874838"/>
+              <a:gd name="connsiteX1" fmla="*/ 855137 w 1710274"/>
+              <a:gd name="connsiteY1" fmla="*/ 0 h 1874838"/>
+              <a:gd name="connsiteX2" fmla="*/ 1710274 w 1710274"/>
+              <a:gd name="connsiteY2" fmla="*/ 937419 h 1874838"/>
+              <a:gd name="connsiteX3" fmla="*/ 855137 w 1710274"/>
+              <a:gd name="connsiteY3" fmla="*/ 1874838 h 1874838"/>
+              <a:gd name="connsiteX4" fmla="*/ 0 w 1710274"/>
+              <a:gd name="connsiteY4" fmla="*/ 937419 h 1874838"/>
+              <a:gd name="connsiteX5" fmla="*/ 1443458 w 1710274"/>
+              <a:gd name="connsiteY5" fmla="*/ 1400834 h 1874838"/>
+              <a:gd name="connsiteX6" fmla="*/ 1384478 w 1710274"/>
+              <a:gd name="connsiteY6" fmla="*/ 495680 h 1874838"/>
+              <a:gd name="connsiteX7" fmla="*/ 586074 w 1710274"/>
+              <a:gd name="connsiteY7" fmla="*/ 404530 h 1874838"/>
+              <a:gd name="connsiteX8" fmla="*/ 1443458 w 1710274"/>
+              <a:gd name="connsiteY8" fmla="*/ 1400834 h 1874838"/>
+              <a:gd name="connsiteX9" fmla="*/ 292216 w 1710274"/>
+              <a:gd name="connsiteY9" fmla="*/ 541737 h 1874838"/>
+              <a:gd name="connsiteX10" fmla="*/ 368129 w 1710274"/>
+              <a:gd name="connsiteY10" fmla="*/ 1429959 h 1874838"/>
+              <a:gd name="connsiteX11" fmla="*/ 1225799 w 1710274"/>
+              <a:gd name="connsiteY11" fmla="*/ 1588841 h 1874838"/>
+              <a:gd name="connsiteX12" fmla="*/ 292216 w 1710274"/>
+              <a:gd name="connsiteY12" fmla="*/ 541737 h 1874838"/>
+              <a:gd name="connsiteX0" fmla="*/ 0 w 1710274"/>
+              <a:gd name="connsiteY0" fmla="*/ 937419 h 1874838"/>
+              <a:gd name="connsiteX1" fmla="*/ 855137 w 1710274"/>
+              <a:gd name="connsiteY1" fmla="*/ 0 h 1874838"/>
+              <a:gd name="connsiteX2" fmla="*/ 1710274 w 1710274"/>
+              <a:gd name="connsiteY2" fmla="*/ 937419 h 1874838"/>
+              <a:gd name="connsiteX3" fmla="*/ 855137 w 1710274"/>
+              <a:gd name="connsiteY3" fmla="*/ 1874838 h 1874838"/>
+              <a:gd name="connsiteX4" fmla="*/ 0 w 1710274"/>
+              <a:gd name="connsiteY4" fmla="*/ 937419 h 1874838"/>
+              <a:gd name="connsiteX5" fmla="*/ 1443458 w 1710274"/>
+              <a:gd name="connsiteY5" fmla="*/ 1400834 h 1874838"/>
+              <a:gd name="connsiteX6" fmla="*/ 1384478 w 1710274"/>
+              <a:gd name="connsiteY6" fmla="*/ 495680 h 1874838"/>
+              <a:gd name="connsiteX7" fmla="*/ 526808 w 1710274"/>
+              <a:gd name="connsiteY7" fmla="*/ 336797 h 1874838"/>
+              <a:gd name="connsiteX8" fmla="*/ 1443458 w 1710274"/>
+              <a:gd name="connsiteY8" fmla="*/ 1400834 h 1874838"/>
+              <a:gd name="connsiteX9" fmla="*/ 292216 w 1710274"/>
+              <a:gd name="connsiteY9" fmla="*/ 541737 h 1874838"/>
+              <a:gd name="connsiteX10" fmla="*/ 368129 w 1710274"/>
+              <a:gd name="connsiteY10" fmla="*/ 1429959 h 1874838"/>
+              <a:gd name="connsiteX11" fmla="*/ 1225799 w 1710274"/>
+              <a:gd name="connsiteY11" fmla="*/ 1588841 h 1874838"/>
+              <a:gd name="connsiteX12" fmla="*/ 292216 w 1710274"/>
+              <a:gd name="connsiteY12" fmla="*/ 541737 h 1874838"/>
+              <a:gd name="connsiteX0" fmla="*/ 0 w 1710274"/>
+              <a:gd name="connsiteY0" fmla="*/ 937419 h 1874838"/>
+              <a:gd name="connsiteX1" fmla="*/ 855137 w 1710274"/>
+              <a:gd name="connsiteY1" fmla="*/ 0 h 1874838"/>
+              <a:gd name="connsiteX2" fmla="*/ 1710274 w 1710274"/>
+              <a:gd name="connsiteY2" fmla="*/ 937419 h 1874838"/>
+              <a:gd name="connsiteX3" fmla="*/ 855137 w 1710274"/>
+              <a:gd name="connsiteY3" fmla="*/ 1874838 h 1874838"/>
+              <a:gd name="connsiteX4" fmla="*/ 0 w 1710274"/>
+              <a:gd name="connsiteY4" fmla="*/ 937419 h 1874838"/>
+              <a:gd name="connsiteX5" fmla="*/ 1443458 w 1710274"/>
+              <a:gd name="connsiteY5" fmla="*/ 1400834 h 1874838"/>
+              <a:gd name="connsiteX6" fmla="*/ 1401411 w 1710274"/>
+              <a:gd name="connsiteY6" fmla="*/ 470280 h 1874838"/>
+              <a:gd name="connsiteX7" fmla="*/ 526808 w 1710274"/>
+              <a:gd name="connsiteY7" fmla="*/ 336797 h 1874838"/>
+              <a:gd name="connsiteX8" fmla="*/ 1443458 w 1710274"/>
+              <a:gd name="connsiteY8" fmla="*/ 1400834 h 1874838"/>
+              <a:gd name="connsiteX9" fmla="*/ 292216 w 1710274"/>
+              <a:gd name="connsiteY9" fmla="*/ 541737 h 1874838"/>
+              <a:gd name="connsiteX10" fmla="*/ 368129 w 1710274"/>
+              <a:gd name="connsiteY10" fmla="*/ 1429959 h 1874838"/>
+              <a:gd name="connsiteX11" fmla="*/ 1225799 w 1710274"/>
+              <a:gd name="connsiteY11" fmla="*/ 1588841 h 1874838"/>
+              <a:gd name="connsiteX12" fmla="*/ 292216 w 1710274"/>
+              <a:gd name="connsiteY12" fmla="*/ 541737 h 1874838"/>
+              <a:gd name="connsiteX0" fmla="*/ 0 w 1710274"/>
+              <a:gd name="connsiteY0" fmla="*/ 937419 h 1874838"/>
+              <a:gd name="connsiteX1" fmla="*/ 855137 w 1710274"/>
+              <a:gd name="connsiteY1" fmla="*/ 0 h 1874838"/>
+              <a:gd name="connsiteX2" fmla="*/ 1710274 w 1710274"/>
+              <a:gd name="connsiteY2" fmla="*/ 937419 h 1874838"/>
+              <a:gd name="connsiteX3" fmla="*/ 855137 w 1710274"/>
+              <a:gd name="connsiteY3" fmla="*/ 1874838 h 1874838"/>
+              <a:gd name="connsiteX4" fmla="*/ 0 w 1710274"/>
+              <a:gd name="connsiteY4" fmla="*/ 937419 h 1874838"/>
+              <a:gd name="connsiteX5" fmla="*/ 1443458 w 1710274"/>
+              <a:gd name="connsiteY5" fmla="*/ 1400834 h 1874838"/>
+              <a:gd name="connsiteX6" fmla="*/ 1367544 w 1710274"/>
+              <a:gd name="connsiteY6" fmla="*/ 512613 h 1874838"/>
+              <a:gd name="connsiteX7" fmla="*/ 526808 w 1710274"/>
+              <a:gd name="connsiteY7" fmla="*/ 336797 h 1874838"/>
+              <a:gd name="connsiteX8" fmla="*/ 1443458 w 1710274"/>
+              <a:gd name="connsiteY8" fmla="*/ 1400834 h 1874838"/>
+              <a:gd name="connsiteX9" fmla="*/ 292216 w 1710274"/>
+              <a:gd name="connsiteY9" fmla="*/ 541737 h 1874838"/>
+              <a:gd name="connsiteX10" fmla="*/ 368129 w 1710274"/>
+              <a:gd name="connsiteY10" fmla="*/ 1429959 h 1874838"/>
+              <a:gd name="connsiteX11" fmla="*/ 1225799 w 1710274"/>
+              <a:gd name="connsiteY11" fmla="*/ 1588841 h 1874838"/>
+              <a:gd name="connsiteX12" fmla="*/ 292216 w 1710274"/>
+              <a:gd name="connsiteY12" fmla="*/ 541737 h 1874838"/>
+              <a:gd name="connsiteX0" fmla="*/ 0 w 1710274"/>
+              <a:gd name="connsiteY0" fmla="*/ 937419 h 1874838"/>
+              <a:gd name="connsiteX1" fmla="*/ 855137 w 1710274"/>
+              <a:gd name="connsiteY1" fmla="*/ 0 h 1874838"/>
+              <a:gd name="connsiteX2" fmla="*/ 1710274 w 1710274"/>
+              <a:gd name="connsiteY2" fmla="*/ 937419 h 1874838"/>
+              <a:gd name="connsiteX3" fmla="*/ 855137 w 1710274"/>
+              <a:gd name="connsiteY3" fmla="*/ 1874838 h 1874838"/>
+              <a:gd name="connsiteX4" fmla="*/ 0 w 1710274"/>
+              <a:gd name="connsiteY4" fmla="*/ 937419 h 1874838"/>
+              <a:gd name="connsiteX5" fmla="*/ 1443458 w 1710274"/>
+              <a:gd name="connsiteY5" fmla="*/ 1400834 h 1874838"/>
+              <a:gd name="connsiteX6" fmla="*/ 1367544 w 1710274"/>
+              <a:gd name="connsiteY6" fmla="*/ 512613 h 1874838"/>
+              <a:gd name="connsiteX7" fmla="*/ 526808 w 1710274"/>
+              <a:gd name="connsiteY7" fmla="*/ 336797 h 1874838"/>
+              <a:gd name="connsiteX8" fmla="*/ 1443458 w 1710274"/>
+              <a:gd name="connsiteY8" fmla="*/ 1400834 h 1874838"/>
+              <a:gd name="connsiteX9" fmla="*/ 292216 w 1710274"/>
+              <a:gd name="connsiteY9" fmla="*/ 541737 h 1874838"/>
+              <a:gd name="connsiteX10" fmla="*/ 368129 w 1710274"/>
+              <a:gd name="connsiteY10" fmla="*/ 1379159 h 1874838"/>
+              <a:gd name="connsiteX11" fmla="*/ 1225799 w 1710274"/>
+              <a:gd name="connsiteY11" fmla="*/ 1588841 h 1874838"/>
+              <a:gd name="connsiteX12" fmla="*/ 292216 w 1710274"/>
+              <a:gd name="connsiteY12" fmla="*/ 541737 h 1874838"/>
+              <a:gd name="connsiteX0" fmla="*/ 0 w 1710274"/>
+              <a:gd name="connsiteY0" fmla="*/ 937419 h 1874838"/>
+              <a:gd name="connsiteX1" fmla="*/ 855137 w 1710274"/>
+              <a:gd name="connsiteY1" fmla="*/ 0 h 1874838"/>
+              <a:gd name="connsiteX2" fmla="*/ 1710274 w 1710274"/>
+              <a:gd name="connsiteY2" fmla="*/ 937419 h 1874838"/>
+              <a:gd name="connsiteX3" fmla="*/ 855137 w 1710274"/>
+              <a:gd name="connsiteY3" fmla="*/ 1874838 h 1874838"/>
+              <a:gd name="connsiteX4" fmla="*/ 0 w 1710274"/>
+              <a:gd name="connsiteY4" fmla="*/ 937419 h 1874838"/>
+              <a:gd name="connsiteX5" fmla="*/ 1443458 w 1710274"/>
+              <a:gd name="connsiteY5" fmla="*/ 1400834 h 1874838"/>
+              <a:gd name="connsiteX6" fmla="*/ 1367544 w 1710274"/>
+              <a:gd name="connsiteY6" fmla="*/ 512613 h 1874838"/>
+              <a:gd name="connsiteX7" fmla="*/ 526808 w 1710274"/>
+              <a:gd name="connsiteY7" fmla="*/ 336797 h 1874838"/>
+              <a:gd name="connsiteX8" fmla="*/ 1443458 w 1710274"/>
+              <a:gd name="connsiteY8" fmla="*/ 1400834 h 1874838"/>
+              <a:gd name="connsiteX9" fmla="*/ 292216 w 1710274"/>
+              <a:gd name="connsiteY9" fmla="*/ 541737 h 1874838"/>
+              <a:gd name="connsiteX10" fmla="*/ 342729 w 1710274"/>
+              <a:gd name="connsiteY10" fmla="*/ 1429959 h 1874838"/>
+              <a:gd name="connsiteX11" fmla="*/ 1225799 w 1710274"/>
+              <a:gd name="connsiteY11" fmla="*/ 1588841 h 1874838"/>
+              <a:gd name="connsiteX12" fmla="*/ 292216 w 1710274"/>
+              <a:gd name="connsiteY12" fmla="*/ 541737 h 1874838"/>
+              <a:gd name="connsiteX0" fmla="*/ 0 w 1710274"/>
+              <a:gd name="connsiteY0" fmla="*/ 937419 h 1874838"/>
+              <a:gd name="connsiteX1" fmla="*/ 855137 w 1710274"/>
+              <a:gd name="connsiteY1" fmla="*/ 0 h 1874838"/>
+              <a:gd name="connsiteX2" fmla="*/ 1710274 w 1710274"/>
+              <a:gd name="connsiteY2" fmla="*/ 937419 h 1874838"/>
+              <a:gd name="connsiteX3" fmla="*/ 855137 w 1710274"/>
+              <a:gd name="connsiteY3" fmla="*/ 1874838 h 1874838"/>
+              <a:gd name="connsiteX4" fmla="*/ 0 w 1710274"/>
+              <a:gd name="connsiteY4" fmla="*/ 937419 h 1874838"/>
+              <a:gd name="connsiteX5" fmla="*/ 1443458 w 1710274"/>
+              <a:gd name="connsiteY5" fmla="*/ 1400834 h 1874838"/>
+              <a:gd name="connsiteX6" fmla="*/ 1350610 w 1710274"/>
+              <a:gd name="connsiteY6" fmla="*/ 436413 h 1874838"/>
+              <a:gd name="connsiteX7" fmla="*/ 526808 w 1710274"/>
+              <a:gd name="connsiteY7" fmla="*/ 336797 h 1874838"/>
+              <a:gd name="connsiteX8" fmla="*/ 1443458 w 1710274"/>
+              <a:gd name="connsiteY8" fmla="*/ 1400834 h 1874838"/>
+              <a:gd name="connsiteX9" fmla="*/ 292216 w 1710274"/>
+              <a:gd name="connsiteY9" fmla="*/ 541737 h 1874838"/>
+              <a:gd name="connsiteX10" fmla="*/ 342729 w 1710274"/>
+              <a:gd name="connsiteY10" fmla="*/ 1429959 h 1874838"/>
+              <a:gd name="connsiteX11" fmla="*/ 1225799 w 1710274"/>
+              <a:gd name="connsiteY11" fmla="*/ 1588841 h 1874838"/>
+              <a:gd name="connsiteX12" fmla="*/ 292216 w 1710274"/>
+              <a:gd name="connsiteY12" fmla="*/ 541737 h 1874838"/>
+              <a:gd name="connsiteX0" fmla="*/ 0 w 1710274"/>
+              <a:gd name="connsiteY0" fmla="*/ 937419 h 1874838"/>
+              <a:gd name="connsiteX1" fmla="*/ 855137 w 1710274"/>
+              <a:gd name="connsiteY1" fmla="*/ 0 h 1874838"/>
+              <a:gd name="connsiteX2" fmla="*/ 1710274 w 1710274"/>
+              <a:gd name="connsiteY2" fmla="*/ 937419 h 1874838"/>
+              <a:gd name="connsiteX3" fmla="*/ 855137 w 1710274"/>
+              <a:gd name="connsiteY3" fmla="*/ 1874838 h 1874838"/>
+              <a:gd name="connsiteX4" fmla="*/ 0 w 1710274"/>
+              <a:gd name="connsiteY4" fmla="*/ 937419 h 1874838"/>
+              <a:gd name="connsiteX5" fmla="*/ 1409591 w 1710274"/>
+              <a:gd name="connsiteY5" fmla="*/ 1383901 h 1874838"/>
+              <a:gd name="connsiteX6" fmla="*/ 1350610 w 1710274"/>
+              <a:gd name="connsiteY6" fmla="*/ 436413 h 1874838"/>
+              <a:gd name="connsiteX7" fmla="*/ 526808 w 1710274"/>
+              <a:gd name="connsiteY7" fmla="*/ 336797 h 1874838"/>
+              <a:gd name="connsiteX8" fmla="*/ 1409591 w 1710274"/>
+              <a:gd name="connsiteY8" fmla="*/ 1383901 h 1874838"/>
+              <a:gd name="connsiteX9" fmla="*/ 292216 w 1710274"/>
+              <a:gd name="connsiteY9" fmla="*/ 541737 h 1874838"/>
+              <a:gd name="connsiteX10" fmla="*/ 342729 w 1710274"/>
+              <a:gd name="connsiteY10" fmla="*/ 1429959 h 1874838"/>
+              <a:gd name="connsiteX11" fmla="*/ 1225799 w 1710274"/>
+              <a:gd name="connsiteY11" fmla="*/ 1588841 h 1874838"/>
+              <a:gd name="connsiteX12" fmla="*/ 292216 w 1710274"/>
+              <a:gd name="connsiteY12" fmla="*/ 541737 h 1874838"/>
+            </a:gdLst>
+            <a:ahLst/>
+            <a:cxnLst>
+              <a:cxn ang="0">
+                <a:pos x="connsiteX0" y="connsiteY0"/>
+              </a:cxn>
+              <a:cxn ang="0">
+                <a:pos x="connsiteX1" y="connsiteY1"/>
+              </a:cxn>
+              <a:cxn ang="0">
+                <a:pos x="connsiteX2" y="connsiteY2"/>
+              </a:cxn>
+              <a:cxn ang="0">
+                <a:pos x="connsiteX3" y="connsiteY3"/>
+              </a:cxn>
+              <a:cxn ang="0">
+                <a:pos x="connsiteX4" y="connsiteY4"/>
+              </a:cxn>
+              <a:cxn ang="0">
+                <a:pos x="connsiteX5" y="connsiteY5"/>
+              </a:cxn>
+              <a:cxn ang="0">
+                <a:pos x="connsiteX6" y="connsiteY6"/>
+              </a:cxn>
+              <a:cxn ang="0">
+                <a:pos x="connsiteX7" y="connsiteY7"/>
+              </a:cxn>
+              <a:cxn ang="0">
+                <a:pos x="connsiteX8" y="connsiteY8"/>
+              </a:cxn>
+              <a:cxn ang="0">
+                <a:pos x="connsiteX9" y="connsiteY9"/>
+              </a:cxn>
+              <a:cxn ang="0">
+                <a:pos x="connsiteX10" y="connsiteY10"/>
+              </a:cxn>
+              <a:cxn ang="0">
+                <a:pos x="connsiteX11" y="connsiteY11"/>
+              </a:cxn>
+              <a:cxn ang="0">
+                <a:pos x="connsiteX12" y="connsiteY12"/>
+              </a:cxn>
+            </a:cxnLst>
+            <a:rect l="l" t="t" r="r" b="b"/>
+            <a:pathLst>
+              <a:path w="1710274" h="1874838">
+                <a:moveTo>
+                  <a:pt x="0" y="937419"/>
+                </a:moveTo>
+                <a:cubicBezTo>
+                  <a:pt x="0" y="419697"/>
+                  <a:pt x="382858" y="0"/>
+                  <a:pt x="855137" y="0"/>
+                </a:cubicBezTo>
+                <a:cubicBezTo>
+                  <a:pt x="1327416" y="0"/>
+                  <a:pt x="1710274" y="419697"/>
+                  <a:pt x="1710274" y="937419"/>
+                </a:cubicBezTo>
+                <a:cubicBezTo>
+                  <a:pt x="1710274" y="1455141"/>
+                  <a:pt x="1327416" y="1874838"/>
+                  <a:pt x="855137" y="1874838"/>
+                </a:cubicBezTo>
+                <a:cubicBezTo>
+                  <a:pt x="382858" y="1874838"/>
+                  <a:pt x="0" y="1455141"/>
+                  <a:pt x="0" y="937419"/>
+                </a:cubicBezTo>
+                <a:close/>
+                <a:moveTo>
+                  <a:pt x="1409591" y="1383901"/>
+                </a:moveTo>
+                <a:cubicBezTo>
+                  <a:pt x="1511544" y="1167025"/>
+                  <a:pt x="1497741" y="610930"/>
+                  <a:pt x="1350610" y="436413"/>
+                </a:cubicBezTo>
+                <a:cubicBezTo>
+                  <a:pt x="1203480" y="261896"/>
+                  <a:pt x="756711" y="182222"/>
+                  <a:pt x="526808" y="336797"/>
+                </a:cubicBezTo>
+                <a:lnTo>
+                  <a:pt x="1409591" y="1383901"/>
+                </a:lnTo>
+                <a:close/>
+                <a:moveTo>
+                  <a:pt x="292216" y="541737"/>
+                </a:moveTo>
+                <a:cubicBezTo>
+                  <a:pt x="190263" y="758613"/>
+                  <a:pt x="210132" y="1236402"/>
+                  <a:pt x="342729" y="1429959"/>
+                </a:cubicBezTo>
+                <a:cubicBezTo>
+                  <a:pt x="507739" y="1670831"/>
+                  <a:pt x="995896" y="1743416"/>
+                  <a:pt x="1225799" y="1588841"/>
+                </a:cubicBezTo>
+                <a:lnTo>
+                  <a:pt x="292216" y="541737"/>
+                </a:lnTo>
+                <a:close/>
+              </a:path>
+            </a:pathLst>
+          </a:custGeom>
+          <a:solidFill>
+            <a:srgbClr val="FF0000"/>
+          </a:solidFill>
+          <a:ln>
+            <a:solidFill>
+              <a:srgbClr val="FF0000"/>
+            </a:solidFill>
+          </a:ln>
+          <a:effectLst>
+            <a:softEdge rad="12700"/>
+          </a:effectLst>
+        </p:spPr>
+        <p:style>
+          <a:lnRef idx="2">
+            <a:schemeClr val="accent1"/>
+          </a:lnRef>
+          <a:fillRef idx="1">
+            <a:schemeClr val="lt1"/>
+          </a:fillRef>
+          <a:effectRef idx="0">
+            <a:schemeClr val="accent1"/>
+          </a:effectRef>
+          <a:fontRef idx="minor">
+            <a:schemeClr val="dk1"/>
+          </a:fontRef>
+        </p:style>
+        <p:txBody>
+          <a:bodyPr rtlCol="0" anchor="ctr"/>
+          <a:lstStyle/>
+          <a:p>
+            <a:pPr algn="ctr"/>
+            <a:endParaRPr lang="en-US">
+              <a:solidFill>
+                <a:schemeClr val="tx1"/>
+              </a:solidFill>
+            </a:endParaRPr>
+          </a:p>
+        </p:txBody>
+      </p:sp>
+    </p:spTree>
+    <p:extLst>
+      <p:ext uri="{BB962C8B-B14F-4D97-AF65-F5344CB8AC3E}">
+        <p14:creationId xmlns:p14="http://schemas.microsoft.com/office/powerpoint/2010/main" val="2281376787"/>
       </p:ext>
     </p:extLst>
   </p:cSld>
@@ -4116,7 +11762,7 @@
             </a:pPr>
             <a:r>
               <a:rPr lang="en-US" dirty="0" smtClean="0"/>
-              <a:t>Model Structure</a:t>
+              <a:t>Model Structure and Hyperparameters</a:t>
             </a:r>
           </a:p>
           <a:p>
@@ -4127,6 +11773,16 @@
             <a:r>
               <a:rPr lang="en-US" dirty="0" smtClean="0"/>
               <a:t>Observations</a:t>
+            </a:r>
+          </a:p>
+          <a:p>
+            <a:pPr>
+              <a:buFont typeface="Wingdings" panose="05000000000000000000" pitchFamily="2" charset="2"/>
+              <a:buChar char="q"/>
+            </a:pPr>
+            <a:r>
+              <a:rPr lang="en-US" dirty="0" smtClean="0"/>
+              <a:t>Result Analysis</a:t>
             </a:r>
           </a:p>
           <a:p>
@@ -4870,7 +12526,7 @@
           <a:p>
             <a:r>
               <a:rPr lang="en-US" dirty="0" smtClean="0"/>
-              <a:t>Model Structure</a:t>
+              <a:t>Model Architecture</a:t>
             </a:r>
             <a:endParaRPr lang="en-US" dirty="0"/>
           </a:p>
@@ -4976,7 +12632,71 @@
           <a:bodyPr/>
           <a:lstStyle/>
           <a:p>
+            <a:r>
+              <a:rPr lang="en-US" dirty="0" smtClean="0"/>
+              <a:t> </a:t>
+            </a:r>
             <a:endParaRPr lang="en-US" dirty="0"/>
+          </a:p>
+        </p:txBody>
+      </p:sp>
+      <p:pic>
+        <p:nvPicPr>
+          <p:cNvPr id="4" name="Picture 3"/>
+          <p:cNvPicPr>
+            <a:picLocks noChangeAspect="1"/>
+          </p:cNvPicPr>
+          <p:nvPr/>
+        </p:nvPicPr>
+        <p:blipFill>
+          <a:blip r:embed="rId2">
+            <a:extLst>
+              <a:ext uri="{28A0092B-C50C-407E-A947-70E740481C1C}">
+                <a14:useLocalDpi xmlns:a14="http://schemas.microsoft.com/office/drawing/2010/main" val="0"/>
+              </a:ext>
+            </a:extLst>
+          </a:blip>
+          <a:stretch>
+            <a:fillRect/>
+          </a:stretch>
+        </p:blipFill>
+        <p:spPr>
+          <a:xfrm>
+            <a:off x="1258148" y="2173289"/>
+            <a:ext cx="8707120" cy="4050436"/>
+          </a:xfrm>
+          <a:prstGeom prst="rect">
+            <a:avLst/>
+          </a:prstGeom>
+        </p:spPr>
+      </p:pic>
+      <p:sp>
+        <p:nvSpPr>
+          <p:cNvPr id="5" name="TextBox 4"/>
+          <p:cNvSpPr txBox="1"/>
+          <p:nvPr/>
+        </p:nvSpPr>
+        <p:spPr>
+          <a:xfrm>
+            <a:off x="1165014" y="1103237"/>
+            <a:ext cx="10058400" cy="646331"/>
+          </a:xfrm>
+          <a:prstGeom prst="rect">
+            <a:avLst/>
+          </a:prstGeom>
+          <a:noFill/>
+        </p:spPr>
+        <p:txBody>
+          <a:bodyPr wrap="square" rtlCol="0">
+            <a:spAutoFit/>
+          </a:bodyPr>
+          <a:lstStyle/>
+          <a:p>
+            <a:r>
+              <a:rPr lang="en-US" dirty="0" smtClean="0"/>
+              <a:t>(2) Proposed Architecture : It is a combined model of tree-based model and deep learning model giving equal weightage to both.  </a:t>
+            </a:r>
+            <a:endParaRPr lang="en-US" dirty="0" smtClean="0"/>
           </a:p>
         </p:txBody>
       </p:sp>
@@ -5025,33 +12745,1358 @@
           <a:bodyPr/>
           <a:lstStyle/>
           <a:p>
-            <a:endParaRPr lang="en-US"/>
+            <a:r>
+              <a:rPr lang="en-US" dirty="0" smtClean="0"/>
+              <a:t>Hyperparameters</a:t>
+            </a:r>
+            <a:endParaRPr lang="en-US" dirty="0"/>
           </a:p>
         </p:txBody>
       </p:sp>
-      <p:sp>
-        <p:nvSpPr>
-          <p:cNvPr id="3" name="Content Placeholder 2"/>
-          <p:cNvSpPr>
-            <a:spLocks noGrp="1"/>
-          </p:cNvSpPr>
+      <p:graphicFrame>
+        <p:nvGraphicFramePr>
+          <p:cNvPr id="4" name="Content Placeholder 3"/>
+          <p:cNvGraphicFramePr>
+            <a:graphicFrameLocks noGrp="1"/>
+          </p:cNvGraphicFramePr>
           <p:nvPr>
             <p:ph idx="1"/>
+            <p:extLst>
+              <p:ext uri="{D42A27DB-BD31-4B8C-83A1-F6EECF244321}">
+                <p14:modId xmlns:p14="http://schemas.microsoft.com/office/powerpoint/2010/main" val="4168698440"/>
+              </p:ext>
+            </p:extLst>
           </p:nvPr>
-        </p:nvSpPr>
-        <p:spPr/>
-        <p:txBody>
-          <a:bodyPr/>
-          <a:lstStyle/>
-          <a:p>
-            <a:endParaRPr lang="en-US"/>
-          </a:p>
-        </p:txBody>
-      </p:sp>
+        </p:nvGraphicFramePr>
+        <p:xfrm>
+          <a:off x="1201209" y="1824653"/>
+          <a:ext cx="9483725" cy="1998182"/>
+        </p:xfrm>
+        <a:graphic>
+          <a:graphicData uri="http://schemas.openxmlformats.org/drawingml/2006/table">
+            <a:tbl>
+              <a:tblPr firstRow="1" firstCol="1" bandRow="1">
+                <a:tableStyleId>{5C22544A-7EE6-4342-B048-85BDC9FD1C3A}</a:tableStyleId>
+              </a:tblPr>
+              <a:tblGrid>
+                <a:gridCol w="1896745"/>
+                <a:gridCol w="1896745"/>
+                <a:gridCol w="1896745"/>
+                <a:gridCol w="1896745"/>
+                <a:gridCol w="1896745"/>
+              </a:tblGrid>
+              <a:tr h="314220">
+                <a:tc>
+                  <a:txBody>
+                    <a:bodyPr/>
+                    <a:lstStyle/>
+                    <a:p>
+                      <a:pPr marL="0" marR="0">
+                        <a:lnSpc>
+                          <a:spcPct val="107000"/>
+                        </a:lnSpc>
+                        <a:spcBef>
+                          <a:spcPts val="0"/>
+                        </a:spcBef>
+                        <a:spcAft>
+                          <a:spcPts val="0"/>
+                        </a:spcAft>
+                      </a:pPr>
+                      <a:r>
+                        <a:rPr lang="en-US" sz="1600" dirty="0">
+                          <a:effectLst/>
+                        </a:rPr>
+                        <a:t>Hyperparameters</a:t>
+                      </a:r>
+                      <a:endParaRPr lang="en-US" sz="1600" dirty="0">
+                        <a:effectLst/>
+                        <a:latin typeface="Calibri" panose="020F0502020204030204" pitchFamily="34" charset="0"/>
+                        <a:ea typeface="Calibri" panose="020F0502020204030204" pitchFamily="34" charset="0"/>
+                        <a:cs typeface="Times New Roman" panose="02020603050405020304" pitchFamily="18" charset="0"/>
+                      </a:endParaRPr>
+                    </a:p>
+                  </a:txBody>
+                  <a:tcPr marL="68580" marR="68580" marT="0" marB="0"/>
+                </a:tc>
+                <a:tc>
+                  <a:txBody>
+                    <a:bodyPr/>
+                    <a:lstStyle/>
+                    <a:p>
+                      <a:pPr marL="0" marR="0">
+                        <a:lnSpc>
+                          <a:spcPct val="107000"/>
+                        </a:lnSpc>
+                        <a:spcBef>
+                          <a:spcPts val="0"/>
+                        </a:spcBef>
+                        <a:spcAft>
+                          <a:spcPts val="0"/>
+                        </a:spcAft>
+                      </a:pPr>
+                      <a:r>
+                        <a:rPr lang="en-US" sz="1600">
+                          <a:effectLst/>
+                        </a:rPr>
+                        <a:t> TF-IDF vectors</a:t>
+                      </a:r>
+                      <a:endParaRPr lang="en-US" sz="1600">
+                        <a:effectLst/>
+                        <a:latin typeface="Calibri" panose="020F0502020204030204" pitchFamily="34" charset="0"/>
+                        <a:ea typeface="Calibri" panose="020F0502020204030204" pitchFamily="34" charset="0"/>
+                        <a:cs typeface="Times New Roman" panose="02020603050405020304" pitchFamily="18" charset="0"/>
+                      </a:endParaRPr>
+                    </a:p>
+                  </a:txBody>
+                  <a:tcPr marL="68580" marR="68580" marT="0" marB="0"/>
+                </a:tc>
+                <a:tc>
+                  <a:txBody>
+                    <a:bodyPr/>
+                    <a:lstStyle/>
+                    <a:p>
+                      <a:pPr marL="0" marR="0">
+                        <a:lnSpc>
+                          <a:spcPct val="107000"/>
+                        </a:lnSpc>
+                        <a:spcBef>
+                          <a:spcPts val="0"/>
+                        </a:spcBef>
+                        <a:spcAft>
+                          <a:spcPts val="0"/>
+                        </a:spcAft>
+                      </a:pPr>
+                      <a:r>
+                        <a:rPr lang="en-US" sz="1600">
+                          <a:effectLst/>
+                        </a:rPr>
+                        <a:t>Sentiment Features</a:t>
+                      </a:r>
+                      <a:endParaRPr lang="en-US" sz="1600">
+                        <a:effectLst/>
+                        <a:latin typeface="Calibri" panose="020F0502020204030204" pitchFamily="34" charset="0"/>
+                        <a:ea typeface="Calibri" panose="020F0502020204030204" pitchFamily="34" charset="0"/>
+                        <a:cs typeface="Times New Roman" panose="02020603050405020304" pitchFamily="18" charset="0"/>
+                      </a:endParaRPr>
+                    </a:p>
+                  </a:txBody>
+                  <a:tcPr marL="68580" marR="68580" marT="0" marB="0"/>
+                </a:tc>
+                <a:tc>
+                  <a:txBody>
+                    <a:bodyPr/>
+                    <a:lstStyle/>
+                    <a:p>
+                      <a:pPr marL="0" marR="0">
+                        <a:lnSpc>
+                          <a:spcPct val="107000"/>
+                        </a:lnSpc>
+                        <a:spcBef>
+                          <a:spcPts val="0"/>
+                        </a:spcBef>
+                        <a:spcAft>
+                          <a:spcPts val="0"/>
+                        </a:spcAft>
+                      </a:pPr>
+                      <a:r>
+                        <a:rPr lang="en-US" sz="1600">
+                          <a:effectLst/>
+                        </a:rPr>
+                        <a:t> Word2Vec Features</a:t>
+                      </a:r>
+                      <a:endParaRPr lang="en-US" sz="1600">
+                        <a:effectLst/>
+                        <a:latin typeface="Calibri" panose="020F0502020204030204" pitchFamily="34" charset="0"/>
+                        <a:ea typeface="Calibri" panose="020F0502020204030204" pitchFamily="34" charset="0"/>
+                        <a:cs typeface="Times New Roman" panose="02020603050405020304" pitchFamily="18" charset="0"/>
+                      </a:endParaRPr>
+                    </a:p>
+                  </a:txBody>
+                  <a:tcPr marL="68580" marR="68580" marT="0" marB="0"/>
+                </a:tc>
+                <a:tc>
+                  <a:txBody>
+                    <a:bodyPr/>
+                    <a:lstStyle/>
+                    <a:p>
+                      <a:pPr marL="0" marR="0">
+                        <a:lnSpc>
+                          <a:spcPct val="107000"/>
+                        </a:lnSpc>
+                        <a:spcBef>
+                          <a:spcPts val="0"/>
+                        </a:spcBef>
+                        <a:spcAft>
+                          <a:spcPts val="0"/>
+                        </a:spcAft>
+                      </a:pPr>
+                      <a:r>
+                        <a:rPr lang="en-US" sz="1600">
+                          <a:effectLst/>
+                        </a:rPr>
+                        <a:t> Baseline Features</a:t>
+                      </a:r>
+                      <a:endParaRPr lang="en-US" sz="1600">
+                        <a:effectLst/>
+                        <a:latin typeface="Calibri" panose="020F0502020204030204" pitchFamily="34" charset="0"/>
+                        <a:ea typeface="Calibri" panose="020F0502020204030204" pitchFamily="34" charset="0"/>
+                        <a:cs typeface="Times New Roman" panose="02020603050405020304" pitchFamily="18" charset="0"/>
+                      </a:endParaRPr>
+                    </a:p>
+                  </a:txBody>
+                  <a:tcPr marL="68580" marR="68580" marT="0" marB="0"/>
+                </a:tc>
+              </a:tr>
+              <a:tr h="299258">
+                <a:tc>
+                  <a:txBody>
+                    <a:bodyPr/>
+                    <a:lstStyle/>
+                    <a:p>
+                      <a:pPr marL="0" marR="0">
+                        <a:lnSpc>
+                          <a:spcPct val="107000"/>
+                        </a:lnSpc>
+                        <a:spcBef>
+                          <a:spcPts val="0"/>
+                        </a:spcBef>
+                        <a:spcAft>
+                          <a:spcPts val="0"/>
+                        </a:spcAft>
+                      </a:pPr>
+                      <a:r>
+                        <a:rPr lang="en-US" sz="1600" dirty="0">
+                          <a:effectLst/>
+                        </a:rPr>
+                        <a:t>MLP Layers</a:t>
+                      </a:r>
+                      <a:endParaRPr lang="en-US" sz="1600" dirty="0">
+                        <a:effectLst/>
+                        <a:latin typeface="Calibri" panose="020F0502020204030204" pitchFamily="34" charset="0"/>
+                        <a:ea typeface="Calibri" panose="020F0502020204030204" pitchFamily="34" charset="0"/>
+                        <a:cs typeface="Times New Roman" panose="02020603050405020304" pitchFamily="18" charset="0"/>
+                      </a:endParaRPr>
+                    </a:p>
+                  </a:txBody>
+                  <a:tcPr marL="68580" marR="68580" marT="0" marB="0"/>
+                </a:tc>
+                <a:tc>
+                  <a:txBody>
+                    <a:bodyPr/>
+                    <a:lstStyle/>
+                    <a:p>
+                      <a:pPr marL="0" marR="0">
+                        <a:lnSpc>
+                          <a:spcPct val="107000"/>
+                        </a:lnSpc>
+                        <a:spcBef>
+                          <a:spcPts val="0"/>
+                        </a:spcBef>
+                        <a:spcAft>
+                          <a:spcPts val="0"/>
+                        </a:spcAft>
+                      </a:pPr>
+                      <a:r>
+                        <a:rPr lang="en-US" sz="1600" dirty="0">
+                          <a:effectLst/>
+                        </a:rPr>
+                        <a:t>6</a:t>
+                      </a:r>
+                      <a:endParaRPr lang="en-US" sz="1600" dirty="0">
+                        <a:effectLst/>
+                        <a:latin typeface="Calibri" panose="020F0502020204030204" pitchFamily="34" charset="0"/>
+                        <a:ea typeface="Calibri" panose="020F0502020204030204" pitchFamily="34" charset="0"/>
+                        <a:cs typeface="Times New Roman" panose="02020603050405020304" pitchFamily="18" charset="0"/>
+                      </a:endParaRPr>
+                    </a:p>
+                  </a:txBody>
+                  <a:tcPr marL="68580" marR="68580" marT="0" marB="0"/>
+                </a:tc>
+                <a:tc>
+                  <a:txBody>
+                    <a:bodyPr/>
+                    <a:lstStyle/>
+                    <a:p>
+                      <a:pPr marL="0" marR="0">
+                        <a:lnSpc>
+                          <a:spcPct val="107000"/>
+                        </a:lnSpc>
+                        <a:spcBef>
+                          <a:spcPts val="0"/>
+                        </a:spcBef>
+                        <a:spcAft>
+                          <a:spcPts val="0"/>
+                        </a:spcAft>
+                      </a:pPr>
+                      <a:r>
+                        <a:rPr lang="en-US" sz="1600">
+                          <a:effectLst/>
+                        </a:rPr>
+                        <a:t>2</a:t>
+                      </a:r>
+                      <a:endParaRPr lang="en-US" sz="1600">
+                        <a:effectLst/>
+                        <a:latin typeface="Calibri" panose="020F0502020204030204" pitchFamily="34" charset="0"/>
+                        <a:ea typeface="Calibri" panose="020F0502020204030204" pitchFamily="34" charset="0"/>
+                        <a:cs typeface="Times New Roman" panose="02020603050405020304" pitchFamily="18" charset="0"/>
+                      </a:endParaRPr>
+                    </a:p>
+                  </a:txBody>
+                  <a:tcPr marL="68580" marR="68580" marT="0" marB="0"/>
+                </a:tc>
+                <a:tc>
+                  <a:txBody>
+                    <a:bodyPr/>
+                    <a:lstStyle/>
+                    <a:p>
+                      <a:pPr marL="0" marR="0">
+                        <a:lnSpc>
+                          <a:spcPct val="107000"/>
+                        </a:lnSpc>
+                        <a:spcBef>
+                          <a:spcPts val="0"/>
+                        </a:spcBef>
+                        <a:spcAft>
+                          <a:spcPts val="0"/>
+                        </a:spcAft>
+                      </a:pPr>
+                      <a:r>
+                        <a:rPr lang="en-US" sz="1600">
+                          <a:effectLst/>
+                        </a:rPr>
+                        <a:t>5</a:t>
+                      </a:r>
+                      <a:endParaRPr lang="en-US" sz="1600">
+                        <a:effectLst/>
+                        <a:latin typeface="Calibri" panose="020F0502020204030204" pitchFamily="34" charset="0"/>
+                        <a:ea typeface="Calibri" panose="020F0502020204030204" pitchFamily="34" charset="0"/>
+                        <a:cs typeface="Times New Roman" panose="02020603050405020304" pitchFamily="18" charset="0"/>
+                      </a:endParaRPr>
+                    </a:p>
+                  </a:txBody>
+                  <a:tcPr marL="68580" marR="68580" marT="0" marB="0"/>
+                </a:tc>
+                <a:tc>
+                  <a:txBody>
+                    <a:bodyPr/>
+                    <a:lstStyle/>
+                    <a:p>
+                      <a:pPr marL="0" marR="0">
+                        <a:lnSpc>
+                          <a:spcPct val="107000"/>
+                        </a:lnSpc>
+                        <a:spcBef>
+                          <a:spcPts val="0"/>
+                        </a:spcBef>
+                        <a:spcAft>
+                          <a:spcPts val="0"/>
+                        </a:spcAft>
+                      </a:pPr>
+                      <a:r>
+                        <a:rPr lang="en-US" sz="1600">
+                          <a:effectLst/>
+                        </a:rPr>
+                        <a:t>2</a:t>
+                      </a:r>
+                      <a:endParaRPr lang="en-US" sz="1600">
+                        <a:effectLst/>
+                        <a:latin typeface="Calibri" panose="020F0502020204030204" pitchFamily="34" charset="0"/>
+                        <a:ea typeface="Calibri" panose="020F0502020204030204" pitchFamily="34" charset="0"/>
+                        <a:cs typeface="Times New Roman" panose="02020603050405020304" pitchFamily="18" charset="0"/>
+                      </a:endParaRPr>
+                    </a:p>
+                  </a:txBody>
+                  <a:tcPr marL="68580" marR="68580" marT="0" marB="0"/>
+                </a:tc>
+              </a:tr>
+              <a:tr h="563603">
+                <a:tc>
+                  <a:txBody>
+                    <a:bodyPr/>
+                    <a:lstStyle/>
+                    <a:p>
+                      <a:pPr marL="0" marR="0">
+                        <a:lnSpc>
+                          <a:spcPct val="107000"/>
+                        </a:lnSpc>
+                        <a:spcBef>
+                          <a:spcPts val="0"/>
+                        </a:spcBef>
+                        <a:spcAft>
+                          <a:spcPts val="0"/>
+                        </a:spcAft>
+                      </a:pPr>
+                      <a:r>
+                        <a:rPr lang="en-US" sz="1600">
+                          <a:effectLst/>
+                        </a:rPr>
+                        <a:t>MLP Neurons</a:t>
+                      </a:r>
+                      <a:endParaRPr lang="en-US" sz="1600">
+                        <a:effectLst/>
+                        <a:latin typeface="Calibri" panose="020F0502020204030204" pitchFamily="34" charset="0"/>
+                        <a:ea typeface="Calibri" panose="020F0502020204030204" pitchFamily="34" charset="0"/>
+                        <a:cs typeface="Times New Roman" panose="02020603050405020304" pitchFamily="18" charset="0"/>
+                      </a:endParaRPr>
+                    </a:p>
+                  </a:txBody>
+                  <a:tcPr marL="68580" marR="68580" marT="0" marB="0"/>
+                </a:tc>
+                <a:tc>
+                  <a:txBody>
+                    <a:bodyPr/>
+                    <a:lstStyle/>
+                    <a:p>
+                      <a:pPr marL="0" marR="0">
+                        <a:lnSpc>
+                          <a:spcPct val="107000"/>
+                        </a:lnSpc>
+                        <a:spcBef>
+                          <a:spcPts val="0"/>
+                        </a:spcBef>
+                        <a:spcAft>
+                          <a:spcPts val="0"/>
+                        </a:spcAft>
+                      </a:pPr>
+                      <a:r>
+                        <a:rPr lang="en-US" sz="1600" dirty="0">
+                          <a:effectLst/>
+                        </a:rPr>
+                        <a:t>[8000, 10000, 2000, 750, 100, 40]</a:t>
+                      </a:r>
+                      <a:endParaRPr lang="en-US" sz="1600" dirty="0">
+                        <a:effectLst/>
+                        <a:latin typeface="Calibri" panose="020F0502020204030204" pitchFamily="34" charset="0"/>
+                        <a:ea typeface="Calibri" panose="020F0502020204030204" pitchFamily="34" charset="0"/>
+                        <a:cs typeface="Times New Roman" panose="02020603050405020304" pitchFamily="18" charset="0"/>
+                      </a:endParaRPr>
+                    </a:p>
+                  </a:txBody>
+                  <a:tcPr marL="68580" marR="68580" marT="0" marB="0"/>
+                </a:tc>
+                <a:tc>
+                  <a:txBody>
+                    <a:bodyPr/>
+                    <a:lstStyle/>
+                    <a:p>
+                      <a:pPr marL="0" marR="0">
+                        <a:lnSpc>
+                          <a:spcPct val="107000"/>
+                        </a:lnSpc>
+                        <a:spcBef>
+                          <a:spcPts val="0"/>
+                        </a:spcBef>
+                        <a:spcAft>
+                          <a:spcPts val="0"/>
+                        </a:spcAft>
+                      </a:pPr>
+                      <a:r>
+                        <a:rPr lang="en-US" sz="1600" dirty="0">
+                          <a:effectLst/>
+                        </a:rPr>
+                        <a:t>[8, 40]</a:t>
+                      </a:r>
+                      <a:endParaRPr lang="en-US" sz="1600" dirty="0">
+                        <a:effectLst/>
+                        <a:latin typeface="Calibri" panose="020F0502020204030204" pitchFamily="34" charset="0"/>
+                        <a:ea typeface="Calibri" panose="020F0502020204030204" pitchFamily="34" charset="0"/>
+                        <a:cs typeface="Times New Roman" panose="02020603050405020304" pitchFamily="18" charset="0"/>
+                      </a:endParaRPr>
+                    </a:p>
+                  </a:txBody>
+                  <a:tcPr marL="68580" marR="68580" marT="0" marB="0"/>
+                </a:tc>
+                <a:tc>
+                  <a:txBody>
+                    <a:bodyPr/>
+                    <a:lstStyle/>
+                    <a:p>
+                      <a:pPr marL="0" marR="0">
+                        <a:lnSpc>
+                          <a:spcPct val="107000"/>
+                        </a:lnSpc>
+                        <a:spcBef>
+                          <a:spcPts val="0"/>
+                        </a:spcBef>
+                        <a:spcAft>
+                          <a:spcPts val="0"/>
+                        </a:spcAft>
+                      </a:pPr>
+                      <a:r>
+                        <a:rPr lang="en-US" sz="1600">
+                          <a:effectLst/>
+                        </a:rPr>
+                        <a:t>[600, 1000, 50, 100, 40]</a:t>
+                      </a:r>
+                      <a:endParaRPr lang="en-US" sz="1600">
+                        <a:effectLst/>
+                        <a:latin typeface="Calibri" panose="020F0502020204030204" pitchFamily="34" charset="0"/>
+                        <a:ea typeface="Calibri" panose="020F0502020204030204" pitchFamily="34" charset="0"/>
+                        <a:cs typeface="Times New Roman" panose="02020603050405020304" pitchFamily="18" charset="0"/>
+                      </a:endParaRPr>
+                    </a:p>
+                  </a:txBody>
+                  <a:tcPr marL="68580" marR="68580" marT="0" marB="0"/>
+                </a:tc>
+                <a:tc>
+                  <a:txBody>
+                    <a:bodyPr/>
+                    <a:lstStyle/>
+                    <a:p>
+                      <a:pPr marL="0" marR="0">
+                        <a:lnSpc>
+                          <a:spcPct val="107000"/>
+                        </a:lnSpc>
+                        <a:spcBef>
+                          <a:spcPts val="0"/>
+                        </a:spcBef>
+                        <a:spcAft>
+                          <a:spcPts val="0"/>
+                        </a:spcAft>
+                      </a:pPr>
+                      <a:r>
+                        <a:rPr lang="en-US" sz="1600">
+                          <a:effectLst/>
+                        </a:rPr>
+                        <a:t>[18, 40]</a:t>
+                      </a:r>
+                      <a:endParaRPr lang="en-US" sz="1600">
+                        <a:effectLst/>
+                        <a:latin typeface="Calibri" panose="020F0502020204030204" pitchFamily="34" charset="0"/>
+                        <a:ea typeface="Calibri" panose="020F0502020204030204" pitchFamily="34" charset="0"/>
+                        <a:cs typeface="Times New Roman" panose="02020603050405020304" pitchFamily="18" charset="0"/>
+                      </a:endParaRPr>
+                    </a:p>
+                  </a:txBody>
+                  <a:tcPr marL="68580" marR="68580" marT="0" marB="0"/>
+                </a:tc>
+              </a:tr>
+              <a:tr h="458209">
+                <a:tc>
+                  <a:txBody>
+                    <a:bodyPr/>
+                    <a:lstStyle/>
+                    <a:p>
+                      <a:pPr marL="0" marR="0">
+                        <a:lnSpc>
+                          <a:spcPct val="107000"/>
+                        </a:lnSpc>
+                        <a:spcBef>
+                          <a:spcPts val="0"/>
+                        </a:spcBef>
+                        <a:spcAft>
+                          <a:spcPts val="0"/>
+                        </a:spcAft>
+                      </a:pPr>
+                      <a:r>
+                        <a:rPr lang="en-US" sz="1600">
+                          <a:effectLst/>
+                        </a:rPr>
+                        <a:t>Dropout</a:t>
+                      </a:r>
+                      <a:endParaRPr lang="en-US" sz="1600">
+                        <a:effectLst/>
+                        <a:latin typeface="Calibri" panose="020F0502020204030204" pitchFamily="34" charset="0"/>
+                        <a:ea typeface="Calibri" panose="020F0502020204030204" pitchFamily="34" charset="0"/>
+                        <a:cs typeface="Times New Roman" panose="02020603050405020304" pitchFamily="18" charset="0"/>
+                      </a:endParaRPr>
+                    </a:p>
+                  </a:txBody>
+                  <a:tcPr marL="68580" marR="68580" marT="0" marB="0"/>
+                </a:tc>
+                <a:tc>
+                  <a:txBody>
+                    <a:bodyPr/>
+                    <a:lstStyle/>
+                    <a:p>
+                      <a:pPr marL="0" marR="0">
+                        <a:lnSpc>
+                          <a:spcPct val="107000"/>
+                        </a:lnSpc>
+                        <a:spcBef>
+                          <a:spcPts val="0"/>
+                        </a:spcBef>
+                        <a:spcAft>
+                          <a:spcPts val="0"/>
+                        </a:spcAft>
+                      </a:pPr>
+                      <a:r>
+                        <a:rPr lang="en-US" sz="1600" dirty="0">
+                          <a:effectLst/>
+                        </a:rPr>
+                        <a:t>[0.5, 0.5, 0.25, -, -, -]</a:t>
+                      </a:r>
+                      <a:endParaRPr lang="en-US" sz="1600" dirty="0">
+                        <a:effectLst/>
+                        <a:latin typeface="Calibri" panose="020F0502020204030204" pitchFamily="34" charset="0"/>
+                        <a:ea typeface="Calibri" panose="020F0502020204030204" pitchFamily="34" charset="0"/>
+                        <a:cs typeface="Times New Roman" panose="02020603050405020304" pitchFamily="18" charset="0"/>
+                      </a:endParaRPr>
+                    </a:p>
+                  </a:txBody>
+                  <a:tcPr marL="68580" marR="68580" marT="0" marB="0"/>
+                </a:tc>
+                <a:tc>
+                  <a:txBody>
+                    <a:bodyPr/>
+                    <a:lstStyle/>
+                    <a:p>
+                      <a:pPr marL="0" marR="0">
+                        <a:lnSpc>
+                          <a:spcPct val="107000"/>
+                        </a:lnSpc>
+                        <a:spcBef>
+                          <a:spcPts val="0"/>
+                        </a:spcBef>
+                        <a:spcAft>
+                          <a:spcPts val="0"/>
+                        </a:spcAft>
+                      </a:pPr>
+                      <a:r>
+                        <a:rPr lang="en-US" sz="1600" dirty="0">
+                          <a:effectLst/>
+                        </a:rPr>
+                        <a:t>[-,-]</a:t>
+                      </a:r>
+                      <a:endParaRPr lang="en-US" sz="1600" dirty="0">
+                        <a:effectLst/>
+                        <a:latin typeface="Calibri" panose="020F0502020204030204" pitchFamily="34" charset="0"/>
+                        <a:ea typeface="Calibri" panose="020F0502020204030204" pitchFamily="34" charset="0"/>
+                        <a:cs typeface="Times New Roman" panose="02020603050405020304" pitchFamily="18" charset="0"/>
+                      </a:endParaRPr>
+                    </a:p>
+                  </a:txBody>
+                  <a:tcPr marL="68580" marR="68580" marT="0" marB="0"/>
+                </a:tc>
+                <a:tc>
+                  <a:txBody>
+                    <a:bodyPr/>
+                    <a:lstStyle/>
+                    <a:p>
+                      <a:pPr marL="0" marR="0">
+                        <a:lnSpc>
+                          <a:spcPct val="107000"/>
+                        </a:lnSpc>
+                        <a:spcBef>
+                          <a:spcPts val="0"/>
+                        </a:spcBef>
+                        <a:spcAft>
+                          <a:spcPts val="0"/>
+                        </a:spcAft>
+                      </a:pPr>
+                      <a:r>
+                        <a:rPr lang="en-US" sz="1600">
+                          <a:effectLst/>
+                        </a:rPr>
+                        <a:t>[0.25, 0.125, 0.1, 0.1, -]</a:t>
+                      </a:r>
+                      <a:endParaRPr lang="en-US" sz="1600">
+                        <a:effectLst/>
+                        <a:latin typeface="Calibri" panose="020F0502020204030204" pitchFamily="34" charset="0"/>
+                        <a:ea typeface="Calibri" panose="020F0502020204030204" pitchFamily="34" charset="0"/>
+                        <a:cs typeface="Times New Roman" panose="02020603050405020304" pitchFamily="18" charset="0"/>
+                      </a:endParaRPr>
+                    </a:p>
+                  </a:txBody>
+                  <a:tcPr marL="68580" marR="68580" marT="0" marB="0"/>
+                </a:tc>
+                <a:tc>
+                  <a:txBody>
+                    <a:bodyPr/>
+                    <a:lstStyle/>
+                    <a:p>
+                      <a:pPr marL="0" marR="0">
+                        <a:lnSpc>
+                          <a:spcPct val="107000"/>
+                        </a:lnSpc>
+                        <a:spcBef>
+                          <a:spcPts val="0"/>
+                        </a:spcBef>
+                        <a:spcAft>
+                          <a:spcPts val="0"/>
+                        </a:spcAft>
+                      </a:pPr>
+                      <a:r>
+                        <a:rPr lang="en-US" sz="1600" dirty="0">
+                          <a:effectLst/>
+                        </a:rPr>
+                        <a:t>[-,-]</a:t>
+                      </a:r>
+                      <a:endParaRPr lang="en-US" sz="1600" dirty="0">
+                        <a:effectLst/>
+                        <a:latin typeface="Calibri" panose="020F0502020204030204" pitchFamily="34" charset="0"/>
+                        <a:ea typeface="Calibri" panose="020F0502020204030204" pitchFamily="34" charset="0"/>
+                        <a:cs typeface="Times New Roman" panose="02020603050405020304" pitchFamily="18" charset="0"/>
+                      </a:endParaRPr>
+                    </a:p>
+                  </a:txBody>
+                  <a:tcPr marL="68580" marR="68580" marT="0" marB="0"/>
+                </a:tc>
+              </a:tr>
+              <a:tr h="299258">
+                <a:tc>
+                  <a:txBody>
+                    <a:bodyPr/>
+                    <a:lstStyle/>
+                    <a:p>
+                      <a:pPr marL="0" marR="0">
+                        <a:lnSpc>
+                          <a:spcPct val="107000"/>
+                        </a:lnSpc>
+                        <a:spcBef>
+                          <a:spcPts val="0"/>
+                        </a:spcBef>
+                        <a:spcAft>
+                          <a:spcPts val="0"/>
+                        </a:spcAft>
+                      </a:pPr>
+                      <a:r>
+                        <a:rPr lang="en-US" sz="1600">
+                          <a:effectLst/>
+                        </a:rPr>
+                        <a:t>Activation</a:t>
+                      </a:r>
+                      <a:endParaRPr lang="en-US" sz="1600">
+                        <a:effectLst/>
+                        <a:latin typeface="Calibri" panose="020F0502020204030204" pitchFamily="34" charset="0"/>
+                        <a:ea typeface="Calibri" panose="020F0502020204030204" pitchFamily="34" charset="0"/>
+                        <a:cs typeface="Times New Roman" panose="02020603050405020304" pitchFamily="18" charset="0"/>
+                      </a:endParaRPr>
+                    </a:p>
+                  </a:txBody>
+                  <a:tcPr marL="68580" marR="68580" marT="0" marB="0"/>
+                </a:tc>
+                <a:tc>
+                  <a:txBody>
+                    <a:bodyPr/>
+                    <a:lstStyle/>
+                    <a:p>
+                      <a:pPr marL="0" marR="0">
+                        <a:lnSpc>
+                          <a:spcPct val="107000"/>
+                        </a:lnSpc>
+                        <a:spcBef>
+                          <a:spcPts val="0"/>
+                        </a:spcBef>
+                        <a:spcAft>
+                          <a:spcPts val="0"/>
+                        </a:spcAft>
+                      </a:pPr>
+                      <a:r>
+                        <a:rPr lang="en-US" sz="1600">
+                          <a:effectLst/>
+                        </a:rPr>
+                        <a:t>Re-Lu</a:t>
+                      </a:r>
+                      <a:endParaRPr lang="en-US" sz="1600">
+                        <a:effectLst/>
+                        <a:latin typeface="Calibri" panose="020F0502020204030204" pitchFamily="34" charset="0"/>
+                        <a:ea typeface="Calibri" panose="020F0502020204030204" pitchFamily="34" charset="0"/>
+                        <a:cs typeface="Times New Roman" panose="02020603050405020304" pitchFamily="18" charset="0"/>
+                      </a:endParaRPr>
+                    </a:p>
+                  </a:txBody>
+                  <a:tcPr marL="68580" marR="68580" marT="0" marB="0"/>
+                </a:tc>
+                <a:tc>
+                  <a:txBody>
+                    <a:bodyPr/>
+                    <a:lstStyle/>
+                    <a:p>
+                      <a:pPr marL="0" marR="0">
+                        <a:lnSpc>
+                          <a:spcPct val="107000"/>
+                        </a:lnSpc>
+                        <a:spcBef>
+                          <a:spcPts val="0"/>
+                        </a:spcBef>
+                        <a:spcAft>
+                          <a:spcPts val="0"/>
+                        </a:spcAft>
+                      </a:pPr>
+                      <a:r>
+                        <a:rPr lang="en-US" sz="1600" dirty="0">
+                          <a:effectLst/>
+                        </a:rPr>
+                        <a:t>Re-Lu</a:t>
+                      </a:r>
+                      <a:endParaRPr lang="en-US" sz="1600" dirty="0">
+                        <a:effectLst/>
+                        <a:latin typeface="Calibri" panose="020F0502020204030204" pitchFamily="34" charset="0"/>
+                        <a:ea typeface="Calibri" panose="020F0502020204030204" pitchFamily="34" charset="0"/>
+                        <a:cs typeface="Times New Roman" panose="02020603050405020304" pitchFamily="18" charset="0"/>
+                      </a:endParaRPr>
+                    </a:p>
+                  </a:txBody>
+                  <a:tcPr marL="68580" marR="68580" marT="0" marB="0"/>
+                </a:tc>
+                <a:tc>
+                  <a:txBody>
+                    <a:bodyPr/>
+                    <a:lstStyle/>
+                    <a:p>
+                      <a:pPr marL="0" marR="0">
+                        <a:lnSpc>
+                          <a:spcPct val="107000"/>
+                        </a:lnSpc>
+                        <a:spcBef>
+                          <a:spcPts val="0"/>
+                        </a:spcBef>
+                        <a:spcAft>
+                          <a:spcPts val="0"/>
+                        </a:spcAft>
+                      </a:pPr>
+                      <a:r>
+                        <a:rPr lang="en-US" sz="1600" dirty="0">
+                          <a:effectLst/>
+                        </a:rPr>
+                        <a:t>Re-Lu</a:t>
+                      </a:r>
+                      <a:endParaRPr lang="en-US" sz="1600" dirty="0">
+                        <a:effectLst/>
+                        <a:latin typeface="Calibri" panose="020F0502020204030204" pitchFamily="34" charset="0"/>
+                        <a:ea typeface="Calibri" panose="020F0502020204030204" pitchFamily="34" charset="0"/>
+                        <a:cs typeface="Times New Roman" panose="02020603050405020304" pitchFamily="18" charset="0"/>
+                      </a:endParaRPr>
+                    </a:p>
+                  </a:txBody>
+                  <a:tcPr marL="68580" marR="68580" marT="0" marB="0"/>
+                </a:tc>
+                <a:tc>
+                  <a:txBody>
+                    <a:bodyPr/>
+                    <a:lstStyle/>
+                    <a:p>
+                      <a:pPr marL="0" marR="0">
+                        <a:lnSpc>
+                          <a:spcPct val="107000"/>
+                        </a:lnSpc>
+                        <a:spcBef>
+                          <a:spcPts val="0"/>
+                        </a:spcBef>
+                        <a:spcAft>
+                          <a:spcPts val="0"/>
+                        </a:spcAft>
+                      </a:pPr>
+                      <a:r>
+                        <a:rPr lang="en-US" sz="1600" dirty="0">
+                          <a:effectLst/>
+                        </a:rPr>
+                        <a:t>Re-Lu</a:t>
+                      </a:r>
+                      <a:endParaRPr lang="en-US" sz="1600" dirty="0">
+                        <a:effectLst/>
+                        <a:latin typeface="Calibri" panose="020F0502020204030204" pitchFamily="34" charset="0"/>
+                        <a:ea typeface="Calibri" panose="020F0502020204030204" pitchFamily="34" charset="0"/>
+                        <a:cs typeface="Times New Roman" panose="02020603050405020304" pitchFamily="18" charset="0"/>
+                      </a:endParaRPr>
+                    </a:p>
+                  </a:txBody>
+                  <a:tcPr marL="68580" marR="68580" marT="0" marB="0"/>
+                </a:tc>
+              </a:tr>
+            </a:tbl>
+          </a:graphicData>
+        </a:graphic>
+      </p:graphicFrame>
+      <p:graphicFrame>
+        <p:nvGraphicFramePr>
+          <p:cNvPr id="5" name="Table 4"/>
+          <p:cNvGraphicFramePr>
+            <a:graphicFrameLocks noGrp="1"/>
+          </p:cNvGraphicFramePr>
+          <p:nvPr>
+            <p:extLst>
+              <p:ext uri="{D42A27DB-BD31-4B8C-83A1-F6EECF244321}">
+                <p14:modId xmlns:p14="http://schemas.microsoft.com/office/powerpoint/2010/main" val="3965583940"/>
+              </p:ext>
+            </p:extLst>
+          </p:nvPr>
+        </p:nvGraphicFramePr>
+        <p:xfrm>
+          <a:off x="1244067" y="3936671"/>
+          <a:ext cx="9398532" cy="1745107"/>
+        </p:xfrm>
+        <a:graphic>
+          <a:graphicData uri="http://schemas.openxmlformats.org/drawingml/2006/table">
+            <a:tbl>
+              <a:tblPr firstRow="1" firstCol="1" bandRow="1">
+                <a:tableStyleId>{5C22544A-7EE6-4342-B048-85BDC9FD1C3A}</a:tableStyleId>
+              </a:tblPr>
+              <a:tblGrid>
+                <a:gridCol w="4699266"/>
+                <a:gridCol w="4699266"/>
+              </a:tblGrid>
+              <a:tr h="221390">
+                <a:tc>
+                  <a:txBody>
+                    <a:bodyPr/>
+                    <a:lstStyle/>
+                    <a:p>
+                      <a:pPr marL="0" marR="0">
+                        <a:lnSpc>
+                          <a:spcPct val="107000"/>
+                        </a:lnSpc>
+                        <a:spcBef>
+                          <a:spcPts val="0"/>
+                        </a:spcBef>
+                        <a:spcAft>
+                          <a:spcPts val="0"/>
+                        </a:spcAft>
+                      </a:pPr>
+                      <a:r>
+                        <a:rPr lang="en-US" sz="1600" dirty="0">
+                          <a:effectLst/>
+                        </a:rPr>
+                        <a:t>MLP Layers</a:t>
+                      </a:r>
+                      <a:endParaRPr lang="en-US" sz="1600" dirty="0">
+                        <a:effectLst/>
+                        <a:latin typeface="Calibri" panose="020F0502020204030204" pitchFamily="34" charset="0"/>
+                        <a:ea typeface="Calibri" panose="020F0502020204030204" pitchFamily="34" charset="0"/>
+                        <a:cs typeface="Times New Roman" panose="02020603050405020304" pitchFamily="18" charset="0"/>
+                      </a:endParaRPr>
+                    </a:p>
+                  </a:txBody>
+                  <a:tcPr marL="68580" marR="68580" marT="0" marB="0"/>
+                </a:tc>
+                <a:tc>
+                  <a:txBody>
+                    <a:bodyPr/>
+                    <a:lstStyle/>
+                    <a:p>
+                      <a:pPr marL="0" marR="0">
+                        <a:lnSpc>
+                          <a:spcPct val="107000"/>
+                        </a:lnSpc>
+                        <a:spcBef>
+                          <a:spcPts val="0"/>
+                        </a:spcBef>
+                        <a:spcAft>
+                          <a:spcPts val="0"/>
+                        </a:spcAft>
+                      </a:pPr>
+                      <a:r>
+                        <a:rPr lang="en-US" sz="1600" dirty="0">
+                          <a:effectLst/>
+                        </a:rPr>
+                        <a:t>1</a:t>
+                      </a:r>
+                      <a:endParaRPr lang="en-US" sz="1600" dirty="0">
+                        <a:effectLst/>
+                        <a:latin typeface="Calibri" panose="020F0502020204030204" pitchFamily="34" charset="0"/>
+                        <a:ea typeface="Calibri" panose="020F0502020204030204" pitchFamily="34" charset="0"/>
+                        <a:cs typeface="Times New Roman" panose="02020603050405020304" pitchFamily="18" charset="0"/>
+                      </a:endParaRPr>
+                    </a:p>
+                  </a:txBody>
+                  <a:tcPr marL="68580" marR="68580" marT="0" marB="0"/>
+                </a:tc>
+              </a:tr>
+              <a:tr h="221390">
+                <a:tc>
+                  <a:txBody>
+                    <a:bodyPr/>
+                    <a:lstStyle/>
+                    <a:p>
+                      <a:pPr marL="0" marR="0">
+                        <a:lnSpc>
+                          <a:spcPct val="107000"/>
+                        </a:lnSpc>
+                        <a:spcBef>
+                          <a:spcPts val="0"/>
+                        </a:spcBef>
+                        <a:spcAft>
+                          <a:spcPts val="0"/>
+                        </a:spcAft>
+                      </a:pPr>
+                      <a:r>
+                        <a:rPr lang="en-US" sz="1600" dirty="0">
+                          <a:effectLst/>
+                        </a:rPr>
+                        <a:t>MLP Neurons</a:t>
+                      </a:r>
+                      <a:endParaRPr lang="en-US" sz="1600" dirty="0">
+                        <a:effectLst/>
+                        <a:latin typeface="Calibri" panose="020F0502020204030204" pitchFamily="34" charset="0"/>
+                        <a:ea typeface="Calibri" panose="020F0502020204030204" pitchFamily="34" charset="0"/>
+                        <a:cs typeface="Times New Roman" panose="02020603050405020304" pitchFamily="18" charset="0"/>
+                      </a:endParaRPr>
+                    </a:p>
+                  </a:txBody>
+                  <a:tcPr marL="68580" marR="68580" marT="0" marB="0"/>
+                </a:tc>
+                <a:tc>
+                  <a:txBody>
+                    <a:bodyPr/>
+                    <a:lstStyle/>
+                    <a:p>
+                      <a:pPr marL="0" marR="0">
+                        <a:lnSpc>
+                          <a:spcPct val="107000"/>
+                        </a:lnSpc>
+                        <a:spcBef>
+                          <a:spcPts val="0"/>
+                        </a:spcBef>
+                        <a:spcAft>
+                          <a:spcPts val="0"/>
+                        </a:spcAft>
+                      </a:pPr>
+                      <a:r>
+                        <a:rPr lang="en-US" sz="1600">
+                          <a:effectLst/>
+                        </a:rPr>
+                        <a:t>4</a:t>
+                      </a:r>
+                      <a:endParaRPr lang="en-US" sz="1600">
+                        <a:effectLst/>
+                        <a:latin typeface="Calibri" panose="020F0502020204030204" pitchFamily="34" charset="0"/>
+                        <a:ea typeface="Calibri" panose="020F0502020204030204" pitchFamily="34" charset="0"/>
+                        <a:cs typeface="Times New Roman" panose="02020603050405020304" pitchFamily="18" charset="0"/>
+                      </a:endParaRPr>
+                    </a:p>
+                  </a:txBody>
+                  <a:tcPr marL="68580" marR="68580" marT="0" marB="0"/>
+                </a:tc>
+              </a:tr>
+              <a:tr h="221390">
+                <a:tc>
+                  <a:txBody>
+                    <a:bodyPr/>
+                    <a:lstStyle/>
+                    <a:p>
+                      <a:pPr marL="0" marR="0">
+                        <a:lnSpc>
+                          <a:spcPct val="107000"/>
+                        </a:lnSpc>
+                        <a:spcBef>
+                          <a:spcPts val="0"/>
+                        </a:spcBef>
+                        <a:spcAft>
+                          <a:spcPts val="0"/>
+                        </a:spcAft>
+                      </a:pPr>
+                      <a:r>
+                        <a:rPr lang="en-US" sz="1600" dirty="0">
+                          <a:effectLst/>
+                        </a:rPr>
+                        <a:t>Activation</a:t>
+                      </a:r>
+                      <a:endParaRPr lang="en-US" sz="1600" dirty="0">
+                        <a:effectLst/>
+                        <a:latin typeface="Calibri" panose="020F0502020204030204" pitchFamily="34" charset="0"/>
+                        <a:ea typeface="Calibri" panose="020F0502020204030204" pitchFamily="34" charset="0"/>
+                        <a:cs typeface="Times New Roman" panose="02020603050405020304" pitchFamily="18" charset="0"/>
+                      </a:endParaRPr>
+                    </a:p>
+                  </a:txBody>
+                  <a:tcPr marL="68580" marR="68580" marT="0" marB="0"/>
+                </a:tc>
+                <a:tc>
+                  <a:txBody>
+                    <a:bodyPr/>
+                    <a:lstStyle/>
+                    <a:p>
+                      <a:pPr marL="0" marR="0">
+                        <a:lnSpc>
+                          <a:spcPct val="107000"/>
+                        </a:lnSpc>
+                        <a:spcBef>
+                          <a:spcPts val="0"/>
+                        </a:spcBef>
+                        <a:spcAft>
+                          <a:spcPts val="0"/>
+                        </a:spcAft>
+                      </a:pPr>
+                      <a:r>
+                        <a:rPr lang="en-US" sz="1600">
+                          <a:effectLst/>
+                        </a:rPr>
+                        <a:t>Softmax</a:t>
+                      </a:r>
+                      <a:endParaRPr lang="en-US" sz="1600">
+                        <a:effectLst/>
+                        <a:latin typeface="Calibri" panose="020F0502020204030204" pitchFamily="34" charset="0"/>
+                        <a:ea typeface="Calibri" panose="020F0502020204030204" pitchFamily="34" charset="0"/>
+                        <a:cs typeface="Times New Roman" panose="02020603050405020304" pitchFamily="18" charset="0"/>
+                      </a:endParaRPr>
+                    </a:p>
+                  </a:txBody>
+                  <a:tcPr marL="68580" marR="68580" marT="0" marB="0"/>
+                </a:tc>
+              </a:tr>
+              <a:tr h="221390">
+                <a:tc>
+                  <a:txBody>
+                    <a:bodyPr/>
+                    <a:lstStyle/>
+                    <a:p>
+                      <a:pPr marL="0" marR="0">
+                        <a:lnSpc>
+                          <a:spcPct val="107000"/>
+                        </a:lnSpc>
+                        <a:spcBef>
+                          <a:spcPts val="0"/>
+                        </a:spcBef>
+                        <a:spcAft>
+                          <a:spcPts val="0"/>
+                        </a:spcAft>
+                      </a:pPr>
+                      <a:r>
+                        <a:rPr lang="en-US" sz="1600" dirty="0">
+                          <a:effectLst/>
+                        </a:rPr>
+                        <a:t>Optimizer</a:t>
+                      </a:r>
+                      <a:endParaRPr lang="en-US" sz="1600" dirty="0">
+                        <a:effectLst/>
+                        <a:latin typeface="Calibri" panose="020F0502020204030204" pitchFamily="34" charset="0"/>
+                        <a:ea typeface="Calibri" panose="020F0502020204030204" pitchFamily="34" charset="0"/>
+                        <a:cs typeface="Times New Roman" panose="02020603050405020304" pitchFamily="18" charset="0"/>
+                      </a:endParaRPr>
+                    </a:p>
+                  </a:txBody>
+                  <a:tcPr marL="68580" marR="68580" marT="0" marB="0"/>
+                </a:tc>
+                <a:tc>
+                  <a:txBody>
+                    <a:bodyPr/>
+                    <a:lstStyle/>
+                    <a:p>
+                      <a:pPr marL="0" marR="0">
+                        <a:lnSpc>
+                          <a:spcPct val="107000"/>
+                        </a:lnSpc>
+                        <a:spcBef>
+                          <a:spcPts val="0"/>
+                        </a:spcBef>
+                        <a:spcAft>
+                          <a:spcPts val="0"/>
+                        </a:spcAft>
+                      </a:pPr>
+                      <a:r>
+                        <a:rPr lang="en-US" sz="1600">
+                          <a:effectLst/>
+                        </a:rPr>
+                        <a:t>Adam</a:t>
+                      </a:r>
+                      <a:endParaRPr lang="en-US" sz="1600">
+                        <a:effectLst/>
+                        <a:latin typeface="Calibri" panose="020F0502020204030204" pitchFamily="34" charset="0"/>
+                        <a:ea typeface="Calibri" panose="020F0502020204030204" pitchFamily="34" charset="0"/>
+                        <a:cs typeface="Times New Roman" panose="02020603050405020304" pitchFamily="18" charset="0"/>
+                      </a:endParaRPr>
+                    </a:p>
+                  </a:txBody>
+                  <a:tcPr marL="68580" marR="68580" marT="0" marB="0"/>
+                </a:tc>
+              </a:tr>
+              <a:tr h="221390">
+                <a:tc>
+                  <a:txBody>
+                    <a:bodyPr/>
+                    <a:lstStyle/>
+                    <a:p>
+                      <a:pPr marL="0" marR="0">
+                        <a:lnSpc>
+                          <a:spcPct val="107000"/>
+                        </a:lnSpc>
+                        <a:spcBef>
+                          <a:spcPts val="0"/>
+                        </a:spcBef>
+                        <a:spcAft>
+                          <a:spcPts val="0"/>
+                        </a:spcAft>
+                      </a:pPr>
+                      <a:r>
+                        <a:rPr lang="en-US" sz="1600">
+                          <a:effectLst/>
+                        </a:rPr>
+                        <a:t>Learning Rate</a:t>
+                      </a:r>
+                      <a:endParaRPr lang="en-US" sz="1600">
+                        <a:effectLst/>
+                        <a:latin typeface="Calibri" panose="020F0502020204030204" pitchFamily="34" charset="0"/>
+                        <a:ea typeface="Calibri" panose="020F0502020204030204" pitchFamily="34" charset="0"/>
+                        <a:cs typeface="Times New Roman" panose="02020603050405020304" pitchFamily="18" charset="0"/>
+                      </a:endParaRPr>
+                    </a:p>
+                  </a:txBody>
+                  <a:tcPr marL="68580" marR="68580" marT="0" marB="0"/>
+                </a:tc>
+                <a:tc>
+                  <a:txBody>
+                    <a:bodyPr/>
+                    <a:lstStyle/>
+                    <a:p>
+                      <a:pPr marL="0" marR="0">
+                        <a:lnSpc>
+                          <a:spcPct val="107000"/>
+                        </a:lnSpc>
+                        <a:spcBef>
+                          <a:spcPts val="0"/>
+                        </a:spcBef>
+                        <a:spcAft>
+                          <a:spcPts val="0"/>
+                        </a:spcAft>
+                      </a:pPr>
+                      <a:r>
+                        <a:rPr lang="en-US" sz="1600">
+                          <a:effectLst/>
+                        </a:rPr>
+                        <a:t>0.001</a:t>
+                      </a:r>
+                      <a:endParaRPr lang="en-US" sz="1600">
+                        <a:effectLst/>
+                        <a:latin typeface="Calibri" panose="020F0502020204030204" pitchFamily="34" charset="0"/>
+                        <a:ea typeface="Calibri" panose="020F0502020204030204" pitchFamily="34" charset="0"/>
+                        <a:cs typeface="Times New Roman" panose="02020603050405020304" pitchFamily="18" charset="0"/>
+                      </a:endParaRPr>
+                    </a:p>
+                  </a:txBody>
+                  <a:tcPr marL="68580" marR="68580" marT="0" marB="0"/>
+                </a:tc>
+              </a:tr>
+              <a:tr h="221390">
+                <a:tc>
+                  <a:txBody>
+                    <a:bodyPr/>
+                    <a:lstStyle/>
+                    <a:p>
+                      <a:pPr marL="0" marR="0">
+                        <a:lnSpc>
+                          <a:spcPct val="107000"/>
+                        </a:lnSpc>
+                        <a:spcBef>
+                          <a:spcPts val="0"/>
+                        </a:spcBef>
+                        <a:spcAft>
+                          <a:spcPts val="0"/>
+                        </a:spcAft>
+                      </a:pPr>
+                      <a:r>
+                        <a:rPr lang="en-US" sz="1600">
+                          <a:effectLst/>
+                        </a:rPr>
+                        <a:t>Batch Size</a:t>
+                      </a:r>
+                      <a:endParaRPr lang="en-US" sz="1600">
+                        <a:effectLst/>
+                        <a:latin typeface="Calibri" panose="020F0502020204030204" pitchFamily="34" charset="0"/>
+                        <a:ea typeface="Calibri" panose="020F0502020204030204" pitchFamily="34" charset="0"/>
+                        <a:cs typeface="Times New Roman" panose="02020603050405020304" pitchFamily="18" charset="0"/>
+                      </a:endParaRPr>
+                    </a:p>
+                  </a:txBody>
+                  <a:tcPr marL="68580" marR="68580" marT="0" marB="0"/>
+                </a:tc>
+                <a:tc>
+                  <a:txBody>
+                    <a:bodyPr/>
+                    <a:lstStyle/>
+                    <a:p>
+                      <a:pPr marL="0" marR="0">
+                        <a:lnSpc>
+                          <a:spcPct val="107000"/>
+                        </a:lnSpc>
+                        <a:spcBef>
+                          <a:spcPts val="0"/>
+                        </a:spcBef>
+                        <a:spcAft>
+                          <a:spcPts val="0"/>
+                        </a:spcAft>
+                      </a:pPr>
+                      <a:r>
+                        <a:rPr lang="en-US" sz="1600">
+                          <a:effectLst/>
+                        </a:rPr>
+                        <a:t>32</a:t>
+                      </a:r>
+                      <a:endParaRPr lang="en-US" sz="1600">
+                        <a:effectLst/>
+                        <a:latin typeface="Calibri" panose="020F0502020204030204" pitchFamily="34" charset="0"/>
+                        <a:ea typeface="Calibri" panose="020F0502020204030204" pitchFamily="34" charset="0"/>
+                        <a:cs typeface="Times New Roman" panose="02020603050405020304" pitchFamily="18" charset="0"/>
+                      </a:endParaRPr>
+                    </a:p>
+                  </a:txBody>
+                  <a:tcPr marL="68580" marR="68580" marT="0" marB="0"/>
+                </a:tc>
+              </a:tr>
+              <a:tr h="221390">
+                <a:tc>
+                  <a:txBody>
+                    <a:bodyPr/>
+                    <a:lstStyle/>
+                    <a:p>
+                      <a:pPr marL="0" marR="0">
+                        <a:lnSpc>
+                          <a:spcPct val="107000"/>
+                        </a:lnSpc>
+                        <a:spcBef>
+                          <a:spcPts val="0"/>
+                        </a:spcBef>
+                        <a:spcAft>
+                          <a:spcPts val="0"/>
+                        </a:spcAft>
+                      </a:pPr>
+                      <a:r>
+                        <a:rPr lang="en-US" sz="1600">
+                          <a:effectLst/>
+                        </a:rPr>
+                        <a:t>Loss</a:t>
+                      </a:r>
+                      <a:endParaRPr lang="en-US" sz="1600">
+                        <a:effectLst/>
+                        <a:latin typeface="Calibri" panose="020F0502020204030204" pitchFamily="34" charset="0"/>
+                        <a:ea typeface="Calibri" panose="020F0502020204030204" pitchFamily="34" charset="0"/>
+                        <a:cs typeface="Times New Roman" panose="02020603050405020304" pitchFamily="18" charset="0"/>
+                      </a:endParaRPr>
+                    </a:p>
+                  </a:txBody>
+                  <a:tcPr marL="68580" marR="68580" marT="0" marB="0"/>
+                </a:tc>
+                <a:tc>
+                  <a:txBody>
+                    <a:bodyPr/>
+                    <a:lstStyle/>
+                    <a:p>
+                      <a:pPr marL="0" marR="0">
+                        <a:lnSpc>
+                          <a:spcPct val="107000"/>
+                        </a:lnSpc>
+                        <a:spcBef>
+                          <a:spcPts val="0"/>
+                        </a:spcBef>
+                        <a:spcAft>
+                          <a:spcPts val="0"/>
+                        </a:spcAft>
+                      </a:pPr>
+                      <a:r>
+                        <a:rPr lang="en-US" sz="1600" dirty="0">
+                          <a:effectLst/>
+                        </a:rPr>
+                        <a:t>Categorical Cross-Entropy</a:t>
+                      </a:r>
+                      <a:endParaRPr lang="en-US" sz="1600" dirty="0">
+                        <a:effectLst/>
+                        <a:latin typeface="Calibri" panose="020F0502020204030204" pitchFamily="34" charset="0"/>
+                        <a:ea typeface="Calibri" panose="020F0502020204030204" pitchFamily="34" charset="0"/>
+                        <a:cs typeface="Times New Roman" panose="02020603050405020304" pitchFamily="18" charset="0"/>
+                      </a:endParaRPr>
+                    </a:p>
+                  </a:txBody>
+                  <a:tcPr marL="68580" marR="68580" marT="0" marB="0"/>
+                </a:tc>
+              </a:tr>
+            </a:tbl>
+          </a:graphicData>
+        </a:graphic>
+      </p:graphicFrame>
     </p:spTree>
     <p:extLst>
       <p:ext uri="{BB962C8B-B14F-4D97-AF65-F5344CB8AC3E}">
-        <p14:creationId xmlns:p14="http://schemas.microsoft.com/office/powerpoint/2010/main" val="1566145447"/>
+        <p14:creationId xmlns:p14="http://schemas.microsoft.com/office/powerpoint/2010/main" val="2780615762"/>
       </p:ext>
     </p:extLst>
   </p:cSld>
@@ -5090,36 +14135,52 @@
         </p:nvSpPr>
         <p:spPr/>
         <p:txBody>
-          <a:bodyPr/>
+          <a:bodyPr>
+            <a:normAutofit/>
+          </a:bodyPr>
           <a:lstStyle/>
           <a:p>
-            <a:endParaRPr lang="en-US"/>
+            <a:r>
+              <a:rPr lang="en-US" sz="1800" b="1" dirty="0" smtClean="0"/>
+              <a:t>(2.a) Tree Based Model</a:t>
+            </a:r>
+            <a:endParaRPr lang="en-US" sz="1800" b="1" dirty="0"/>
           </a:p>
         </p:txBody>
       </p:sp>
-      <p:sp>
-        <p:nvSpPr>
-          <p:cNvPr id="3" name="Content Placeholder 2"/>
-          <p:cNvSpPr>
-            <a:spLocks noGrp="1"/>
-          </p:cNvSpPr>
+      <p:pic>
+        <p:nvPicPr>
+          <p:cNvPr id="4" name="Content Placeholder 3"/>
+          <p:cNvPicPr>
+            <a:picLocks noGrp="1" noChangeAspect="1"/>
+          </p:cNvPicPr>
           <p:nvPr>
             <p:ph idx="1"/>
           </p:nvPr>
-        </p:nvSpPr>
-        <p:spPr/>
-        <p:txBody>
-          <a:bodyPr/>
-          <a:lstStyle/>
-          <a:p>
-            <a:endParaRPr lang="en-US"/>
-          </a:p>
-        </p:txBody>
-      </p:sp>
+        </p:nvPicPr>
+        <p:blipFill>
+          <a:blip r:embed="rId2">
+            <a:extLst>
+              <a:ext uri="{28A0092B-C50C-407E-A947-70E740481C1C}">
+                <a14:useLocalDpi xmlns:a14="http://schemas.microsoft.com/office/drawing/2010/main" val="0"/>
+              </a:ext>
+            </a:extLst>
+          </a:blip>
+          <a:stretch>
+            <a:fillRect/>
+          </a:stretch>
+        </p:blipFill>
+        <p:spPr>
+          <a:xfrm>
+            <a:off x="5833533" y="1846263"/>
+            <a:ext cx="5412768" cy="4022725"/>
+          </a:xfrm>
+        </p:spPr>
+      </p:pic>
     </p:spTree>
     <p:extLst>
       <p:ext uri="{BB962C8B-B14F-4D97-AF65-F5344CB8AC3E}">
-        <p14:creationId xmlns:p14="http://schemas.microsoft.com/office/powerpoint/2010/main" val="2127100486"/>
+        <p14:creationId xmlns:p14="http://schemas.microsoft.com/office/powerpoint/2010/main" val="1566145447"/>
       </p:ext>
     </p:extLst>
   </p:cSld>
